--- a/Presentations/Presentazione.pptx
+++ b/Presentations/Presentazione.pptx
@@ -5,7 +5,7 @@
     <p:sldMasterId id="2147483648" r:id="rId1"/>
   </p:sldMasterIdLst>
   <p:notesMasterIdLst>
-    <p:notesMasterId r:id="rId13"/>
+    <p:notesMasterId r:id="rId14"/>
   </p:notesMasterIdLst>
   <p:sldIdLst>
     <p:sldId id="256" r:id="rId2"/>
@@ -17,8 +17,9 @@
     <p:sldId id="263" r:id="rId8"/>
     <p:sldId id="266" r:id="rId9"/>
     <p:sldId id="264" r:id="rId10"/>
-    <p:sldId id="265" r:id="rId11"/>
-    <p:sldId id="259" r:id="rId12"/>
+    <p:sldId id="267" r:id="rId11"/>
+    <p:sldId id="265" r:id="rId12"/>
+    <p:sldId id="259" r:id="rId13"/>
   </p:sldIdLst>
   <p:sldSz cx="12192000" cy="6858000"/>
   <p:notesSz cx="6858000" cy="9144000"/>
@@ -117,6 +118,11 @@
       </a:defRPr>
     </a:lvl9pPr>
   </p:defaultTextStyle>
+  <p:extLst>
+    <p:ext uri="{EFAFB233-063F-42B5-8137-9DF3F51BA10A}">
+      <p15:sldGuideLst xmlns:p15="http://schemas.microsoft.com/office/powerpoint/2012/main"/>
+    </p:ext>
+  </p:extLst>
 </p:presentation>
 </file>
 
@@ -202,7 +208,7 @@
           <a:p>
             <a:fld id="{152D4747-CBEA-4A11-90BA-47D5349A88AA}" type="datetimeFigureOut">
               <a:rPr lang="it-IT" smtClean="0"/>
-              <a:t>03/05/2019</a:t>
+              <a:t>08/05/2019</a:t>
             </a:fld>
             <a:endParaRPr lang="it-IT"/>
           </a:p>
@@ -636,7 +642,183 @@
     </p:spTree>
     <p:extLst>
       <p:ext uri="{BB962C8B-B14F-4D97-AF65-F5344CB8AC3E}">
+        <p14:creationId xmlns:p14="http://schemas.microsoft.com/office/powerpoint/2010/main" val="1292419470"/>
+      </p:ext>
+    </p:extLst>
+  </p:cSld>
+  <p:clrMapOvr>
+    <a:masterClrMapping/>
+  </p:clrMapOvr>
+</p:notes>
+</file>
+
+<file path=ppt/notesSlides/notesSlide3.xml><?xml version="1.0" encoding="utf-8"?>
+<p:notes xmlns:a="http://schemas.openxmlformats.org/drawingml/2006/main" xmlns:r="http://schemas.openxmlformats.org/officeDocument/2006/relationships" xmlns:p="http://schemas.openxmlformats.org/presentationml/2006/main">
+  <p:cSld>
+    <p:spTree>
+      <p:nvGrpSpPr>
+        <p:cNvPr id="1" name=""/>
+        <p:cNvGrpSpPr/>
+        <p:nvPr/>
+      </p:nvGrpSpPr>
+      <p:grpSpPr>
+        <a:xfrm>
+          <a:off x="0" y="0"/>
+          <a:ext cx="0" cy="0"/>
+          <a:chOff x="0" y="0"/>
+          <a:chExt cx="0" cy="0"/>
+        </a:xfrm>
+      </p:grpSpPr>
+      <p:sp>
+        <p:nvSpPr>
+          <p:cNvPr id="2" name="Segnaposto immagine diapositiva 1"/>
+          <p:cNvSpPr>
+            <a:spLocks noGrp="1" noRot="1" noChangeAspect="1"/>
+          </p:cNvSpPr>
+          <p:nvPr>
+            <p:ph type="sldImg"/>
+          </p:nvPr>
+        </p:nvSpPr>
+        <p:spPr/>
+      </p:sp>
+      <p:sp>
+        <p:nvSpPr>
+          <p:cNvPr id="3" name="Segnaposto note 2"/>
+          <p:cNvSpPr>
+            <a:spLocks noGrp="1"/>
+          </p:cNvSpPr>
+          <p:nvPr>
+            <p:ph type="body" idx="1"/>
+          </p:nvPr>
+        </p:nvSpPr>
+        <p:spPr/>
+        <p:txBody>
+          <a:bodyPr/>
+          <a:lstStyle/>
+          <a:p>
+            <a:r>
+              <a:rPr lang="it-CH" dirty="0" smtClean="0"/>
+              <a:t>Bryan</a:t>
+            </a:r>
+            <a:endParaRPr lang="it-IT" dirty="0"/>
+          </a:p>
+        </p:txBody>
+      </p:sp>
+      <p:sp>
+        <p:nvSpPr>
+          <p:cNvPr id="4" name="Segnaposto numero diapositiva 3"/>
+          <p:cNvSpPr>
+            <a:spLocks noGrp="1"/>
+          </p:cNvSpPr>
+          <p:nvPr>
+            <p:ph type="sldNum" sz="quarter" idx="10"/>
+          </p:nvPr>
+        </p:nvSpPr>
+        <p:spPr/>
+        <p:txBody>
+          <a:bodyPr/>
+          <a:lstStyle/>
+          <a:p>
+            <a:fld id="{EC946105-561A-4569-8BDB-2855F3E534B9}" type="slidenum">
+              <a:rPr lang="it-IT" smtClean="0"/>
+              <a:t>11</a:t>
+            </a:fld>
+            <a:endParaRPr lang="it-IT"/>
+          </a:p>
+        </p:txBody>
+      </p:sp>
+    </p:spTree>
+    <p:extLst>
+      <p:ext uri="{BB962C8B-B14F-4D97-AF65-F5344CB8AC3E}">
         <p14:creationId xmlns:p14="http://schemas.microsoft.com/office/powerpoint/2010/main" val="3140615833"/>
+      </p:ext>
+    </p:extLst>
+  </p:cSld>
+  <p:clrMapOvr>
+    <a:masterClrMapping/>
+  </p:clrMapOvr>
+</p:notes>
+</file>
+
+<file path=ppt/notesSlides/notesSlide4.xml><?xml version="1.0" encoding="utf-8"?>
+<p:notes xmlns:a="http://schemas.openxmlformats.org/drawingml/2006/main" xmlns:r="http://schemas.openxmlformats.org/officeDocument/2006/relationships" xmlns:p="http://schemas.openxmlformats.org/presentationml/2006/main">
+  <p:cSld>
+    <p:spTree>
+      <p:nvGrpSpPr>
+        <p:cNvPr id="1" name=""/>
+        <p:cNvGrpSpPr/>
+        <p:nvPr/>
+      </p:nvGrpSpPr>
+      <p:grpSpPr>
+        <a:xfrm>
+          <a:off x="0" y="0"/>
+          <a:ext cx="0" cy="0"/>
+          <a:chOff x="0" y="0"/>
+          <a:chExt cx="0" cy="0"/>
+        </a:xfrm>
+      </p:grpSpPr>
+      <p:sp>
+        <p:nvSpPr>
+          <p:cNvPr id="2" name="Segnaposto immagine diapositiva 1"/>
+          <p:cNvSpPr>
+            <a:spLocks noGrp="1" noRot="1" noChangeAspect="1"/>
+          </p:cNvSpPr>
+          <p:nvPr>
+            <p:ph type="sldImg"/>
+          </p:nvPr>
+        </p:nvSpPr>
+        <p:spPr/>
+      </p:sp>
+      <p:sp>
+        <p:nvSpPr>
+          <p:cNvPr id="3" name="Segnaposto note 2"/>
+          <p:cNvSpPr>
+            <a:spLocks noGrp="1"/>
+          </p:cNvSpPr>
+          <p:nvPr>
+            <p:ph type="body" idx="1"/>
+          </p:nvPr>
+        </p:nvSpPr>
+        <p:spPr/>
+        <p:txBody>
+          <a:bodyPr/>
+          <a:lstStyle/>
+          <a:p>
+            <a:r>
+              <a:rPr lang="it-CH" dirty="0" smtClean="0"/>
+              <a:t>Bryan</a:t>
+            </a:r>
+            <a:endParaRPr lang="it-IT" dirty="0"/>
+          </a:p>
+        </p:txBody>
+      </p:sp>
+      <p:sp>
+        <p:nvSpPr>
+          <p:cNvPr id="4" name="Segnaposto numero diapositiva 3"/>
+          <p:cNvSpPr>
+            <a:spLocks noGrp="1"/>
+          </p:cNvSpPr>
+          <p:nvPr>
+            <p:ph type="sldNum" sz="quarter" idx="10"/>
+          </p:nvPr>
+        </p:nvSpPr>
+        <p:spPr/>
+        <p:txBody>
+          <a:bodyPr/>
+          <a:lstStyle/>
+          <a:p>
+            <a:fld id="{EC946105-561A-4569-8BDB-2855F3E534B9}" type="slidenum">
+              <a:rPr lang="it-IT" smtClean="0"/>
+              <a:t>12</a:t>
+            </a:fld>
+            <a:endParaRPr lang="it-IT"/>
+          </a:p>
+        </p:txBody>
+      </p:sp>
+    </p:spTree>
+    <p:extLst>
+      <p:ext uri="{BB962C8B-B14F-4D97-AF65-F5344CB8AC3E}">
+        <p14:creationId xmlns:p14="http://schemas.microsoft.com/office/powerpoint/2010/main" val="2810575410"/>
       </p:ext>
     </p:extLst>
   </p:cSld>
@@ -777,7 +959,7 @@
           <a:p>
             <a:fld id="{A7993604-91A5-4AD4-B379-9AD64B0366D4}" type="datetimeFigureOut">
               <a:rPr lang="it-IT" smtClean="0"/>
-              <a:t>03/05/2019</a:t>
+              <a:t>08/05/2019</a:t>
             </a:fld>
             <a:endParaRPr lang="it-IT"/>
           </a:p>
@@ -947,7 +1129,7 @@
           <a:p>
             <a:fld id="{A7993604-91A5-4AD4-B379-9AD64B0366D4}" type="datetimeFigureOut">
               <a:rPr lang="it-IT" smtClean="0"/>
-              <a:t>03/05/2019</a:t>
+              <a:t>08/05/2019</a:t>
             </a:fld>
             <a:endParaRPr lang="it-IT"/>
           </a:p>
@@ -1127,7 +1309,7 @@
           <a:p>
             <a:fld id="{A7993604-91A5-4AD4-B379-9AD64B0366D4}" type="datetimeFigureOut">
               <a:rPr lang="it-IT" smtClean="0"/>
-              <a:t>03/05/2019</a:t>
+              <a:t>08/05/2019</a:t>
             </a:fld>
             <a:endParaRPr lang="it-IT"/>
           </a:p>
@@ -1297,7 +1479,7 @@
           <a:p>
             <a:fld id="{A7993604-91A5-4AD4-B379-9AD64B0366D4}" type="datetimeFigureOut">
               <a:rPr lang="it-IT" smtClean="0"/>
-              <a:t>03/05/2019</a:t>
+              <a:t>08/05/2019</a:t>
             </a:fld>
             <a:endParaRPr lang="it-IT"/>
           </a:p>
@@ -1543,7 +1725,7 @@
           <a:p>
             <a:fld id="{A7993604-91A5-4AD4-B379-9AD64B0366D4}" type="datetimeFigureOut">
               <a:rPr lang="it-IT" smtClean="0"/>
-              <a:t>03/05/2019</a:t>
+              <a:t>08/05/2019</a:t>
             </a:fld>
             <a:endParaRPr lang="it-IT"/>
           </a:p>
@@ -1775,7 +1957,7 @@
           <a:p>
             <a:fld id="{A7993604-91A5-4AD4-B379-9AD64B0366D4}" type="datetimeFigureOut">
               <a:rPr lang="it-IT" smtClean="0"/>
-              <a:t>03/05/2019</a:t>
+              <a:t>08/05/2019</a:t>
             </a:fld>
             <a:endParaRPr lang="it-IT"/>
           </a:p>
@@ -2142,7 +2324,7 @@
           <a:p>
             <a:fld id="{A7993604-91A5-4AD4-B379-9AD64B0366D4}" type="datetimeFigureOut">
               <a:rPr lang="it-IT" smtClean="0"/>
-              <a:t>03/05/2019</a:t>
+              <a:t>08/05/2019</a:t>
             </a:fld>
             <a:endParaRPr lang="it-IT"/>
           </a:p>
@@ -2260,7 +2442,7 @@
           <a:p>
             <a:fld id="{A7993604-91A5-4AD4-B379-9AD64B0366D4}" type="datetimeFigureOut">
               <a:rPr lang="it-IT" smtClean="0"/>
-              <a:t>03/05/2019</a:t>
+              <a:t>08/05/2019</a:t>
             </a:fld>
             <a:endParaRPr lang="it-IT"/>
           </a:p>
@@ -2355,7 +2537,7 @@
           <a:p>
             <a:fld id="{A7993604-91A5-4AD4-B379-9AD64B0366D4}" type="datetimeFigureOut">
               <a:rPr lang="it-IT" smtClean="0"/>
-              <a:t>03/05/2019</a:t>
+              <a:t>08/05/2019</a:t>
             </a:fld>
             <a:endParaRPr lang="it-IT"/>
           </a:p>
@@ -2632,7 +2814,7 @@
           <a:p>
             <a:fld id="{A7993604-91A5-4AD4-B379-9AD64B0366D4}" type="datetimeFigureOut">
               <a:rPr lang="it-IT" smtClean="0"/>
-              <a:t>03/05/2019</a:t>
+              <a:t>08/05/2019</a:t>
             </a:fld>
             <a:endParaRPr lang="it-IT"/>
           </a:p>
@@ -2885,7 +3067,7 @@
           <a:p>
             <a:fld id="{A7993604-91A5-4AD4-B379-9AD64B0366D4}" type="datetimeFigureOut">
               <a:rPr lang="it-IT" smtClean="0"/>
-              <a:t>03/05/2019</a:t>
+              <a:t>08/05/2019</a:t>
             </a:fld>
             <a:endParaRPr lang="it-IT"/>
           </a:p>
@@ -3098,7 +3280,7 @@
           <a:p>
             <a:fld id="{A7993604-91A5-4AD4-B379-9AD64B0366D4}" type="datetimeFigureOut">
               <a:rPr lang="it-IT" smtClean="0"/>
-              <a:t>03/05/2019</a:t>
+              <a:t>08/05/2019</a:t>
             </a:fld>
             <a:endParaRPr lang="it-IT"/>
           </a:p>
@@ -3650,6 +3832,113 @@
           <a:p>
             <a:r>
               <a:rPr lang="it-CH" dirty="0" smtClean="0"/>
+              <a:t>Limitazioni.</a:t>
+            </a:r>
+            <a:endParaRPr lang="it-IT" dirty="0"/>
+          </a:p>
+        </p:txBody>
+      </p:sp>
+      <p:sp>
+        <p:nvSpPr>
+          <p:cNvPr id="4" name="Segnaposto contenuto 2"/>
+          <p:cNvSpPr>
+            <a:spLocks noGrp="1"/>
+          </p:cNvSpPr>
+          <p:nvPr>
+            <p:ph idx="1"/>
+          </p:nvPr>
+        </p:nvSpPr>
+        <p:spPr>
+          <a:xfrm>
+            <a:off x="838200" y="1925053"/>
+            <a:ext cx="10515600" cy="4932947"/>
+          </a:xfrm>
+        </p:spPr>
+        <p:txBody>
+          <a:bodyPr>
+            <a:normAutofit/>
+          </a:bodyPr>
+          <a:lstStyle/>
+          <a:p>
+            <a:endParaRPr lang="it-CH" sz="3200" dirty="0" smtClean="0"/>
+          </a:p>
+          <a:p>
+            <a:endParaRPr lang="it-CH" sz="3200" dirty="0"/>
+          </a:p>
+          <a:p>
+            <a:pPr lvl="7"/>
+            <a:r>
+              <a:rPr lang="it-CH" sz="3200" dirty="0" smtClean="0"/>
+              <a:t>Programma n° 5</a:t>
+            </a:r>
+          </a:p>
+          <a:p>
+            <a:pPr lvl="7"/>
+            <a:r>
+              <a:rPr lang="it-CH" sz="3200" dirty="0" smtClean="0"/>
+              <a:t>LED</a:t>
+            </a:r>
+          </a:p>
+          <a:p>
+            <a:pPr lvl="7"/>
+            <a:endParaRPr lang="it-IT" sz="3200" dirty="0"/>
+          </a:p>
+        </p:txBody>
+      </p:sp>
+    </p:spTree>
+    <p:extLst>
+      <p:ext uri="{BB962C8B-B14F-4D97-AF65-F5344CB8AC3E}">
+        <p14:creationId xmlns:p14="http://schemas.microsoft.com/office/powerpoint/2010/main" val="3968864345"/>
+      </p:ext>
+    </p:extLst>
+  </p:cSld>
+  <p:clrMapOvr>
+    <a:masterClrMapping/>
+  </p:clrMapOvr>
+  <p:timing>
+    <p:tnLst>
+      <p:par>
+        <p:cTn id="1" dur="indefinite" restart="never" nodeType="tmRoot"/>
+      </p:par>
+    </p:tnLst>
+  </p:timing>
+</p:sld>
+</file>
+
+<file path=ppt/slides/slide11.xml><?xml version="1.0" encoding="utf-8"?>
+<p:sld xmlns:a="http://schemas.openxmlformats.org/drawingml/2006/main" xmlns:r="http://schemas.openxmlformats.org/officeDocument/2006/relationships" xmlns:p="http://schemas.openxmlformats.org/presentationml/2006/main">
+  <p:cSld>
+    <p:spTree>
+      <p:nvGrpSpPr>
+        <p:cNvPr id="1" name=""/>
+        <p:cNvGrpSpPr/>
+        <p:nvPr/>
+      </p:nvGrpSpPr>
+      <p:grpSpPr>
+        <a:xfrm>
+          <a:off x="0" y="0"/>
+          <a:ext cx="0" cy="0"/>
+          <a:chOff x="0" y="0"/>
+          <a:chExt cx="0" cy="0"/>
+        </a:xfrm>
+      </p:grpSpPr>
+      <p:sp>
+        <p:nvSpPr>
+          <p:cNvPr id="2" name="Titolo 1"/>
+          <p:cNvSpPr>
+            <a:spLocks noGrp="1"/>
+          </p:cNvSpPr>
+          <p:nvPr>
+            <p:ph type="title"/>
+          </p:nvPr>
+        </p:nvSpPr>
+        <p:spPr/>
+        <p:txBody>
+          <a:bodyPr/>
+          <a:lstStyle/>
+          <a:p>
+            <a:r>
+              <a:rPr lang="it-CH" dirty="0" smtClean="0"/>
               <a:t>Sviluppi futuri.</a:t>
             </a:r>
             <a:endParaRPr lang="it-IT" dirty="0"/>
@@ -3727,7 +4016,7 @@
 </p:sld>
 </file>
 
-<file path=ppt/slides/slide11.xml><?xml version="1.0" encoding="utf-8"?>
+<file path=ppt/slides/slide12.xml><?xml version="1.0" encoding="utf-8"?>
 <p:sld xmlns:a="http://schemas.openxmlformats.org/drawingml/2006/main" xmlns:r="http://schemas.openxmlformats.org/officeDocument/2006/relationships" xmlns:p="http://schemas.openxmlformats.org/presentationml/2006/main">
   <p:cSld>
     <p:spTree>
@@ -4753,7 +5042,6 @@
               <a:rPr lang="it-CH" sz="3200" dirty="0" smtClean="0"/>
               <a:t>	</a:t>
             </a:r>
-            <a:endParaRPr lang="it-CH" sz="3200" dirty="0" smtClean="0"/>
           </a:p>
         </p:txBody>
       </p:sp>

--- a/Presentations/Presentazione.pptx
+++ b/Presentations/Presentazione.pptx
@@ -5,7 +5,7 @@
     <p:sldMasterId id="2147483648" r:id="rId1"/>
   </p:sldMasterIdLst>
   <p:notesMasterIdLst>
-    <p:notesMasterId r:id="rId14"/>
+    <p:notesMasterId r:id="rId15"/>
   </p:notesMasterIdLst>
   <p:sldIdLst>
     <p:sldId id="256" r:id="rId2"/>
@@ -14,12 +14,13 @@
     <p:sldId id="260" r:id="rId5"/>
     <p:sldId id="261" r:id="rId6"/>
     <p:sldId id="262" r:id="rId7"/>
-    <p:sldId id="263" r:id="rId8"/>
-    <p:sldId id="266" r:id="rId9"/>
-    <p:sldId id="264" r:id="rId10"/>
-    <p:sldId id="267" r:id="rId11"/>
-    <p:sldId id="265" r:id="rId12"/>
-    <p:sldId id="259" r:id="rId13"/>
+    <p:sldId id="266" r:id="rId8"/>
+    <p:sldId id="263" r:id="rId9"/>
+    <p:sldId id="268" r:id="rId10"/>
+    <p:sldId id="264" r:id="rId11"/>
+    <p:sldId id="267" r:id="rId12"/>
+    <p:sldId id="265" r:id="rId13"/>
+    <p:sldId id="259" r:id="rId14"/>
   </p:sldIdLst>
   <p:sldSz cx="12192000" cy="6858000"/>
   <p:notesSz cx="6858000" cy="9144000"/>
@@ -633,7 +634,7 @@
           <a:p>
             <a:fld id="{EC946105-561A-4569-8BDB-2855F3E534B9}" type="slidenum">
               <a:rPr lang="it-IT" smtClean="0"/>
-              <a:t>10</a:t>
+              <a:t>11</a:t>
             </a:fld>
             <a:endParaRPr lang="it-IT"/>
           </a:p>
@@ -721,7 +722,7 @@
           <a:p>
             <a:fld id="{EC946105-561A-4569-8BDB-2855F3E534B9}" type="slidenum">
               <a:rPr lang="it-IT" smtClean="0"/>
-              <a:t>11</a:t>
+              <a:t>12</a:t>
             </a:fld>
             <a:endParaRPr lang="it-IT"/>
           </a:p>
@@ -809,7 +810,7 @@
           <a:p>
             <a:fld id="{EC946105-561A-4569-8BDB-2855F3E534B9}" type="slidenum">
               <a:rPr lang="it-IT" smtClean="0"/>
-              <a:t>12</a:t>
+              <a:t>13</a:t>
             </a:fld>
             <a:endParaRPr lang="it-IT"/>
           </a:p>
@@ -3832,998 +3833,6 @@
           <a:p>
             <a:r>
               <a:rPr lang="it-CH" dirty="0" smtClean="0"/>
-              <a:t>Limitazioni.</a:t>
-            </a:r>
-            <a:endParaRPr lang="it-IT" dirty="0"/>
-          </a:p>
-        </p:txBody>
-      </p:sp>
-      <p:sp>
-        <p:nvSpPr>
-          <p:cNvPr id="4" name="Segnaposto contenuto 2"/>
-          <p:cNvSpPr>
-            <a:spLocks noGrp="1"/>
-          </p:cNvSpPr>
-          <p:nvPr>
-            <p:ph idx="1"/>
-          </p:nvPr>
-        </p:nvSpPr>
-        <p:spPr>
-          <a:xfrm>
-            <a:off x="838200" y="1925053"/>
-            <a:ext cx="10515600" cy="4932947"/>
-          </a:xfrm>
-        </p:spPr>
-        <p:txBody>
-          <a:bodyPr>
-            <a:normAutofit/>
-          </a:bodyPr>
-          <a:lstStyle/>
-          <a:p>
-            <a:endParaRPr lang="it-CH" sz="3200" dirty="0" smtClean="0"/>
-          </a:p>
-          <a:p>
-            <a:endParaRPr lang="it-CH" sz="3200" dirty="0"/>
-          </a:p>
-          <a:p>
-            <a:pPr lvl="7"/>
-            <a:r>
-              <a:rPr lang="it-CH" sz="3200" dirty="0" smtClean="0"/>
-              <a:t>Programma n° 5</a:t>
-            </a:r>
-          </a:p>
-          <a:p>
-            <a:pPr lvl="7"/>
-            <a:r>
-              <a:rPr lang="it-CH" sz="3200" dirty="0" smtClean="0"/>
-              <a:t>LED</a:t>
-            </a:r>
-          </a:p>
-          <a:p>
-            <a:pPr lvl="7"/>
-            <a:endParaRPr lang="it-IT" sz="3200" dirty="0"/>
-          </a:p>
-        </p:txBody>
-      </p:sp>
-    </p:spTree>
-    <p:extLst>
-      <p:ext uri="{BB962C8B-B14F-4D97-AF65-F5344CB8AC3E}">
-        <p14:creationId xmlns:p14="http://schemas.microsoft.com/office/powerpoint/2010/main" val="3968864345"/>
-      </p:ext>
-    </p:extLst>
-  </p:cSld>
-  <p:clrMapOvr>
-    <a:masterClrMapping/>
-  </p:clrMapOvr>
-  <p:timing>
-    <p:tnLst>
-      <p:par>
-        <p:cTn id="1" dur="indefinite" restart="never" nodeType="tmRoot"/>
-      </p:par>
-    </p:tnLst>
-  </p:timing>
-</p:sld>
-</file>
-
-<file path=ppt/slides/slide11.xml><?xml version="1.0" encoding="utf-8"?>
-<p:sld xmlns:a="http://schemas.openxmlformats.org/drawingml/2006/main" xmlns:r="http://schemas.openxmlformats.org/officeDocument/2006/relationships" xmlns:p="http://schemas.openxmlformats.org/presentationml/2006/main">
-  <p:cSld>
-    <p:spTree>
-      <p:nvGrpSpPr>
-        <p:cNvPr id="1" name=""/>
-        <p:cNvGrpSpPr/>
-        <p:nvPr/>
-      </p:nvGrpSpPr>
-      <p:grpSpPr>
-        <a:xfrm>
-          <a:off x="0" y="0"/>
-          <a:ext cx="0" cy="0"/>
-          <a:chOff x="0" y="0"/>
-          <a:chExt cx="0" cy="0"/>
-        </a:xfrm>
-      </p:grpSpPr>
-      <p:sp>
-        <p:nvSpPr>
-          <p:cNvPr id="2" name="Titolo 1"/>
-          <p:cNvSpPr>
-            <a:spLocks noGrp="1"/>
-          </p:cNvSpPr>
-          <p:nvPr>
-            <p:ph type="title"/>
-          </p:nvPr>
-        </p:nvSpPr>
-        <p:spPr/>
-        <p:txBody>
-          <a:bodyPr/>
-          <a:lstStyle/>
-          <a:p>
-            <a:r>
-              <a:rPr lang="it-CH" dirty="0" smtClean="0"/>
-              <a:t>Sviluppi futuri.</a:t>
-            </a:r>
-            <a:endParaRPr lang="it-IT" dirty="0"/>
-          </a:p>
-        </p:txBody>
-      </p:sp>
-      <p:sp>
-        <p:nvSpPr>
-          <p:cNvPr id="6" name="Segnaposto contenuto 2"/>
-          <p:cNvSpPr>
-            <a:spLocks noGrp="1"/>
-          </p:cNvSpPr>
-          <p:nvPr>
-            <p:ph idx="1"/>
-          </p:nvPr>
-        </p:nvSpPr>
-        <p:spPr>
-          <a:xfrm>
-            <a:off x="838200" y="1925053"/>
-            <a:ext cx="10515600" cy="4932947"/>
-          </a:xfrm>
-        </p:spPr>
-        <p:txBody>
-          <a:bodyPr>
-            <a:normAutofit/>
-          </a:bodyPr>
-          <a:lstStyle/>
-          <a:p>
-            <a:endParaRPr lang="it-CH" sz="3200" dirty="0" smtClean="0"/>
-          </a:p>
-          <a:p>
-            <a:endParaRPr lang="it-CH" sz="3200" dirty="0"/>
-          </a:p>
-          <a:p>
-            <a:pPr lvl="7"/>
-            <a:r>
-              <a:rPr lang="it-CH" sz="3200" dirty="0" smtClean="0"/>
-              <a:t>Gestione punteggi</a:t>
-            </a:r>
-          </a:p>
-          <a:p>
-            <a:pPr lvl="7"/>
-            <a:r>
-              <a:rPr lang="it-CH" sz="3200" dirty="0" smtClean="0"/>
-              <a:t>Aggiunta modalità</a:t>
-            </a:r>
-          </a:p>
-          <a:p>
-            <a:pPr lvl="7"/>
-            <a:r>
-              <a:rPr lang="it-CH" sz="3200" dirty="0" smtClean="0"/>
-              <a:t>Hardware</a:t>
-            </a:r>
-            <a:endParaRPr lang="it-IT" sz="3200" dirty="0"/>
-          </a:p>
-        </p:txBody>
-      </p:sp>
-    </p:spTree>
-    <p:extLst>
-      <p:ext uri="{BB962C8B-B14F-4D97-AF65-F5344CB8AC3E}">
-        <p14:creationId xmlns:p14="http://schemas.microsoft.com/office/powerpoint/2010/main" val="4292805435"/>
-      </p:ext>
-    </p:extLst>
-  </p:cSld>
-  <p:clrMapOvr>
-    <a:masterClrMapping/>
-  </p:clrMapOvr>
-  <p:timing>
-    <p:tnLst>
-      <p:par>
-        <p:cTn id="1" dur="indefinite" restart="never" nodeType="tmRoot"/>
-      </p:par>
-    </p:tnLst>
-  </p:timing>
-</p:sld>
-</file>
-
-<file path=ppt/slides/slide12.xml><?xml version="1.0" encoding="utf-8"?>
-<p:sld xmlns:a="http://schemas.openxmlformats.org/drawingml/2006/main" xmlns:r="http://schemas.openxmlformats.org/officeDocument/2006/relationships" xmlns:p="http://schemas.openxmlformats.org/presentationml/2006/main">
-  <p:cSld>
-    <p:spTree>
-      <p:nvGrpSpPr>
-        <p:cNvPr id="1" name=""/>
-        <p:cNvGrpSpPr/>
-        <p:nvPr/>
-      </p:nvGrpSpPr>
-      <p:grpSpPr>
-        <a:xfrm>
-          <a:off x="0" y="0"/>
-          <a:ext cx="0" cy="0"/>
-          <a:chOff x="0" y="0"/>
-          <a:chExt cx="0" cy="0"/>
-        </a:xfrm>
-      </p:grpSpPr>
-      <p:sp>
-        <p:nvSpPr>
-          <p:cNvPr id="4" name="Title 1"/>
-          <p:cNvSpPr>
-            <a:spLocks noGrp="1"/>
-          </p:cNvSpPr>
-          <p:nvPr>
-            <p:ph type="title"/>
-          </p:nvPr>
-        </p:nvSpPr>
-        <p:spPr>
-          <a:xfrm>
-            <a:off x="0" y="0"/>
-            <a:ext cx="12191999" cy="6858000"/>
-          </a:xfrm>
-        </p:spPr>
-        <p:txBody>
-          <a:bodyPr>
-            <a:normAutofit/>
-          </a:bodyPr>
-          <a:lstStyle/>
-          <a:p>
-            <a:pPr algn="ctr"/>
-            <a:r>
-              <a:rPr lang="it-CH" sz="6700" dirty="0"/>
-              <a:t>Conclusioni</a:t>
-            </a:r>
-            <a:r>
-              <a:rPr lang="it-CH" sz="6600" dirty="0" smtClean="0"/>
-              <a:t>.</a:t>
-            </a:r>
-            <a:endParaRPr lang="it-CH" sz="6600" dirty="0"/>
-          </a:p>
-        </p:txBody>
-      </p:sp>
-    </p:spTree>
-    <p:extLst>
-      <p:ext uri="{BB962C8B-B14F-4D97-AF65-F5344CB8AC3E}">
-        <p14:creationId xmlns:p14="http://schemas.microsoft.com/office/powerpoint/2010/main" val="1448187810"/>
-      </p:ext>
-    </p:extLst>
-  </p:cSld>
-  <p:clrMapOvr>
-    <a:masterClrMapping/>
-  </p:clrMapOvr>
-  <p:timing>
-    <p:tnLst>
-      <p:par>
-        <p:cTn id="1" dur="indefinite" restart="never" nodeType="tmRoot"/>
-      </p:par>
-    </p:tnLst>
-  </p:timing>
-</p:sld>
-</file>
-
-<file path=ppt/slides/slide2.xml><?xml version="1.0" encoding="utf-8"?>
-<p:sld xmlns:a="http://schemas.openxmlformats.org/drawingml/2006/main" xmlns:r="http://schemas.openxmlformats.org/officeDocument/2006/relationships" xmlns:p="http://schemas.openxmlformats.org/presentationml/2006/main">
-  <p:cSld>
-    <p:spTree>
-      <p:nvGrpSpPr>
-        <p:cNvPr id="1" name=""/>
-        <p:cNvGrpSpPr/>
-        <p:nvPr/>
-      </p:nvGrpSpPr>
-      <p:grpSpPr>
-        <a:xfrm>
-          <a:off x="0" y="0"/>
-          <a:ext cx="0" cy="0"/>
-          <a:chOff x="0" y="0"/>
-          <a:chExt cx="0" cy="0"/>
-        </a:xfrm>
-      </p:grpSpPr>
-      <p:sp>
-        <p:nvSpPr>
-          <p:cNvPr id="2" name="Titolo 1"/>
-          <p:cNvSpPr>
-            <a:spLocks noGrp="1"/>
-          </p:cNvSpPr>
-          <p:nvPr>
-            <p:ph type="title"/>
-          </p:nvPr>
-        </p:nvSpPr>
-        <p:spPr/>
-        <p:txBody>
-          <a:bodyPr/>
-          <a:lstStyle/>
-          <a:p>
-            <a:r>
-              <a:rPr lang="it-CH" dirty="0" smtClean="0"/>
-              <a:t>Su di noi.</a:t>
-            </a:r>
-            <a:endParaRPr lang="it-IT" dirty="0"/>
-          </a:p>
-        </p:txBody>
-      </p:sp>
-      <p:sp>
-        <p:nvSpPr>
-          <p:cNvPr id="3" name="Segnaposto contenuto 2"/>
-          <p:cNvSpPr>
-            <a:spLocks noGrp="1"/>
-          </p:cNvSpPr>
-          <p:nvPr>
-            <p:ph idx="1"/>
-          </p:nvPr>
-        </p:nvSpPr>
-        <p:spPr/>
-        <p:txBody>
-          <a:bodyPr/>
-          <a:lstStyle/>
-          <a:p>
-            <a:r>
-              <a:rPr lang="it-CH" dirty="0" smtClean="0"/>
-              <a:t>Bryan Beffa</a:t>
-            </a:r>
-          </a:p>
-          <a:p>
-            <a:pPr marL="457200" lvl="1" indent="0">
-              <a:buNone/>
-            </a:pPr>
-            <a:r>
-              <a:rPr lang="it-CH" dirty="0"/>
-              <a:t>b</a:t>
-            </a:r>
-            <a:r>
-              <a:rPr lang="it-CH" dirty="0" smtClean="0"/>
-              <a:t>ryan.beffa@samtrevano.ch</a:t>
-            </a:r>
-          </a:p>
-          <a:p>
-            <a:r>
-              <a:rPr lang="it-CH" dirty="0" smtClean="0"/>
-              <a:t>Filippo </a:t>
-            </a:r>
-            <a:r>
-              <a:rPr lang="it-CH" dirty="0" err="1" smtClean="0"/>
-              <a:t>Finke</a:t>
-            </a:r>
-            <a:endParaRPr lang="it-CH" dirty="0" smtClean="0"/>
-          </a:p>
-          <a:p>
-            <a:pPr marL="457200" lvl="1" indent="0">
-              <a:buNone/>
-            </a:pPr>
-            <a:r>
-              <a:rPr lang="it-CH" dirty="0" smtClean="0"/>
-              <a:t>filippo.finke@samtrevano.ch</a:t>
-            </a:r>
-          </a:p>
-          <a:p>
-            <a:r>
-              <a:rPr lang="it-CH" dirty="0" smtClean="0"/>
-              <a:t>Matteo </a:t>
-            </a:r>
-            <a:r>
-              <a:rPr lang="it-CH" dirty="0" err="1" smtClean="0"/>
-              <a:t>Ghilardini</a:t>
-            </a:r>
-            <a:endParaRPr lang="it-CH" dirty="0" smtClean="0"/>
-          </a:p>
-          <a:p>
-            <a:pPr marL="457200" lvl="1" indent="0">
-              <a:buNone/>
-            </a:pPr>
-            <a:r>
-              <a:rPr lang="it-CH" dirty="0"/>
-              <a:t>m</a:t>
-            </a:r>
-            <a:r>
-              <a:rPr lang="it-CH" dirty="0" smtClean="0"/>
-              <a:t>atteo.ghilardini@samtrevano.ch</a:t>
-            </a:r>
-          </a:p>
-        </p:txBody>
-      </p:sp>
-    </p:spTree>
-    <p:extLst>
-      <p:ext uri="{BB962C8B-B14F-4D97-AF65-F5344CB8AC3E}">
-        <p14:creationId xmlns:p14="http://schemas.microsoft.com/office/powerpoint/2010/main" val="2011878413"/>
-      </p:ext>
-    </p:extLst>
-  </p:cSld>
-  <p:clrMapOvr>
-    <a:masterClrMapping/>
-  </p:clrMapOvr>
-  <p:timing>
-    <p:tnLst>
-      <p:par>
-        <p:cTn id="1" dur="indefinite" restart="never" nodeType="tmRoot"/>
-      </p:par>
-    </p:tnLst>
-  </p:timing>
-</p:sld>
-</file>
-
-<file path=ppt/slides/slide3.xml><?xml version="1.0" encoding="utf-8"?>
-<p:sld xmlns:a="http://schemas.openxmlformats.org/drawingml/2006/main" xmlns:r="http://schemas.openxmlformats.org/officeDocument/2006/relationships" xmlns:p="http://schemas.openxmlformats.org/presentationml/2006/main">
-  <p:cSld>
-    <p:spTree>
-      <p:nvGrpSpPr>
-        <p:cNvPr id="1" name=""/>
-        <p:cNvGrpSpPr/>
-        <p:nvPr/>
-      </p:nvGrpSpPr>
-      <p:grpSpPr>
-        <a:xfrm>
-          <a:off x="0" y="0"/>
-          <a:ext cx="0" cy="0"/>
-          <a:chOff x="0" y="0"/>
-          <a:chExt cx="0" cy="0"/>
-        </a:xfrm>
-      </p:grpSpPr>
-      <p:sp>
-        <p:nvSpPr>
-          <p:cNvPr id="2" name="Titolo 1"/>
-          <p:cNvSpPr>
-            <a:spLocks noGrp="1"/>
-          </p:cNvSpPr>
-          <p:nvPr>
-            <p:ph type="title"/>
-          </p:nvPr>
-        </p:nvSpPr>
-        <p:spPr/>
-        <p:txBody>
-          <a:bodyPr/>
-          <a:lstStyle/>
-          <a:p>
-            <a:r>
-              <a:rPr lang="it-CH" dirty="0" smtClean="0"/>
-              <a:t>Introduzione.</a:t>
-            </a:r>
-            <a:endParaRPr lang="it-IT" dirty="0"/>
-          </a:p>
-        </p:txBody>
-      </p:sp>
-      <p:sp>
-        <p:nvSpPr>
-          <p:cNvPr id="3" name="Segnaposto contenuto 2"/>
-          <p:cNvSpPr>
-            <a:spLocks noGrp="1"/>
-          </p:cNvSpPr>
-          <p:nvPr>
-            <p:ph idx="1"/>
-          </p:nvPr>
-        </p:nvSpPr>
-        <p:spPr>
-          <a:xfrm>
-            <a:off x="0" y="2682240"/>
-            <a:ext cx="12192000" cy="4175759"/>
-          </a:xfrm>
-        </p:spPr>
-        <p:txBody>
-          <a:bodyPr/>
-          <a:lstStyle/>
-          <a:p>
-            <a:pPr marL="0" indent="0" algn="ctr">
-              <a:buNone/>
-            </a:pPr>
-            <a:endParaRPr lang="it-CH" dirty="0" smtClean="0"/>
-          </a:p>
-          <a:p>
-            <a:pPr algn="ctr"/>
-            <a:r>
-              <a:rPr lang="it-CH" sz="3200" dirty="0" smtClean="0"/>
-              <a:t>Sistema per misurare e migliorare i propri riflessi</a:t>
-            </a:r>
-          </a:p>
-          <a:p>
-            <a:pPr algn="ctr"/>
-            <a:endParaRPr lang="it-IT" dirty="0"/>
-          </a:p>
-        </p:txBody>
-      </p:sp>
-    </p:spTree>
-    <p:extLst>
-      <p:ext uri="{BB962C8B-B14F-4D97-AF65-F5344CB8AC3E}">
-        <p14:creationId xmlns:p14="http://schemas.microsoft.com/office/powerpoint/2010/main" val="3636848628"/>
-      </p:ext>
-    </p:extLst>
-  </p:cSld>
-  <p:clrMapOvr>
-    <a:masterClrMapping/>
-  </p:clrMapOvr>
-  <p:timing>
-    <p:tnLst>
-      <p:par>
-        <p:cTn id="1" dur="indefinite" restart="never" nodeType="tmRoot"/>
-      </p:par>
-    </p:tnLst>
-  </p:timing>
-</p:sld>
-</file>
-
-<file path=ppt/slides/slide4.xml><?xml version="1.0" encoding="utf-8"?>
-<p:sld xmlns:a="http://schemas.openxmlformats.org/drawingml/2006/main" xmlns:r="http://schemas.openxmlformats.org/officeDocument/2006/relationships" xmlns:p="http://schemas.openxmlformats.org/presentationml/2006/main">
-  <p:cSld>
-    <p:spTree>
-      <p:nvGrpSpPr>
-        <p:cNvPr id="1" name=""/>
-        <p:cNvGrpSpPr/>
-        <p:nvPr/>
-      </p:nvGrpSpPr>
-      <p:grpSpPr>
-        <a:xfrm>
-          <a:off x="0" y="0"/>
-          <a:ext cx="0" cy="0"/>
-          <a:chOff x="0" y="0"/>
-          <a:chExt cx="0" cy="0"/>
-        </a:xfrm>
-      </p:grpSpPr>
-      <p:sp>
-        <p:nvSpPr>
-          <p:cNvPr id="2" name="Titolo 1"/>
-          <p:cNvSpPr>
-            <a:spLocks noGrp="1"/>
-          </p:cNvSpPr>
-          <p:nvPr>
-            <p:ph type="title"/>
-          </p:nvPr>
-        </p:nvSpPr>
-        <p:spPr/>
-        <p:txBody>
-          <a:bodyPr>
-            <a:normAutofit/>
-          </a:bodyPr>
-          <a:lstStyle/>
-          <a:p>
-            <a:r>
-              <a:rPr lang="it-CH" dirty="0" smtClean="0"/>
-              <a:t>Scopo.</a:t>
-            </a:r>
-            <a:endParaRPr lang="it-IT" sz="5400" dirty="0"/>
-          </a:p>
-        </p:txBody>
-      </p:sp>
-      <p:sp>
-        <p:nvSpPr>
-          <p:cNvPr id="3" name="Segnaposto contenuto 2"/>
-          <p:cNvSpPr>
-            <a:spLocks noGrp="1"/>
-          </p:cNvSpPr>
-          <p:nvPr>
-            <p:ph idx="1"/>
-          </p:nvPr>
-        </p:nvSpPr>
-        <p:spPr>
-          <a:xfrm>
-            <a:off x="838200" y="1925052"/>
-            <a:ext cx="10515600" cy="4932947"/>
-          </a:xfrm>
-        </p:spPr>
-        <p:txBody>
-          <a:bodyPr>
-            <a:normAutofit/>
-          </a:bodyPr>
-          <a:lstStyle/>
-          <a:p>
-            <a:endParaRPr lang="it-CH" sz="3200" dirty="0" smtClean="0"/>
-          </a:p>
-          <a:p>
-            <a:endParaRPr lang="it-CH" sz="3200" dirty="0"/>
-          </a:p>
-          <a:p>
-            <a:pPr lvl="7"/>
-            <a:r>
-              <a:rPr lang="it-CH" sz="3200" dirty="0" smtClean="0"/>
-              <a:t>Misurare/testare</a:t>
-            </a:r>
-          </a:p>
-          <a:p>
-            <a:pPr lvl="7"/>
-            <a:r>
-              <a:rPr lang="it-CH" sz="3200" dirty="0" smtClean="0"/>
-              <a:t>Migliorare</a:t>
-            </a:r>
-          </a:p>
-          <a:p>
-            <a:pPr lvl="7"/>
-            <a:r>
-              <a:rPr lang="it-CH" sz="3200" dirty="0" smtClean="0"/>
-              <a:t>Fare attività fisica</a:t>
-            </a:r>
-            <a:endParaRPr lang="it-IT" sz="3200" dirty="0"/>
-          </a:p>
-        </p:txBody>
-      </p:sp>
-    </p:spTree>
-    <p:extLst>
-      <p:ext uri="{BB962C8B-B14F-4D97-AF65-F5344CB8AC3E}">
-        <p14:creationId xmlns:p14="http://schemas.microsoft.com/office/powerpoint/2010/main" val="148503283"/>
-      </p:ext>
-    </p:extLst>
-  </p:cSld>
-  <p:clrMapOvr>
-    <a:masterClrMapping/>
-  </p:clrMapOvr>
-  <p:timing>
-    <p:tnLst>
-      <p:par>
-        <p:cTn id="1" dur="indefinite" restart="never" nodeType="tmRoot"/>
-      </p:par>
-    </p:tnLst>
-  </p:timing>
-</p:sld>
-</file>
-
-<file path=ppt/slides/slide5.xml><?xml version="1.0" encoding="utf-8"?>
-<p:sld xmlns:a="http://schemas.openxmlformats.org/drawingml/2006/main" xmlns:r="http://schemas.openxmlformats.org/officeDocument/2006/relationships" xmlns:p="http://schemas.openxmlformats.org/presentationml/2006/main">
-  <p:cSld>
-    <p:spTree>
-      <p:nvGrpSpPr>
-        <p:cNvPr id="1" name=""/>
-        <p:cNvGrpSpPr/>
-        <p:nvPr/>
-      </p:nvGrpSpPr>
-      <p:grpSpPr>
-        <a:xfrm>
-          <a:off x="0" y="0"/>
-          <a:ext cx="0" cy="0"/>
-          <a:chOff x="0" y="0"/>
-          <a:chExt cx="0" cy="0"/>
-        </a:xfrm>
-      </p:grpSpPr>
-      <p:sp>
-        <p:nvSpPr>
-          <p:cNvPr id="2" name="Titolo 1"/>
-          <p:cNvSpPr>
-            <a:spLocks noGrp="1"/>
-          </p:cNvSpPr>
-          <p:nvPr>
-            <p:ph type="title"/>
-          </p:nvPr>
-        </p:nvSpPr>
-        <p:spPr/>
-        <p:txBody>
-          <a:bodyPr/>
-          <a:lstStyle/>
-          <a:p>
-            <a:r>
-              <a:rPr lang="it-CH" dirty="0" smtClean="0"/>
-              <a:t>Requisiti.	</a:t>
-            </a:r>
-            <a:endParaRPr lang="it-IT" dirty="0"/>
-          </a:p>
-        </p:txBody>
-      </p:sp>
-      <p:sp>
-        <p:nvSpPr>
-          <p:cNvPr id="4" name="Segnaposto contenuto 2"/>
-          <p:cNvSpPr>
-            <a:spLocks noGrp="1"/>
-          </p:cNvSpPr>
-          <p:nvPr>
-            <p:ph idx="1"/>
-          </p:nvPr>
-        </p:nvSpPr>
-        <p:spPr>
-          <a:xfrm>
-            <a:off x="838200" y="1925052"/>
-            <a:ext cx="10515600" cy="4932947"/>
-          </a:xfrm>
-        </p:spPr>
-        <p:txBody>
-          <a:bodyPr>
-            <a:normAutofit/>
-          </a:bodyPr>
-          <a:lstStyle/>
-          <a:p>
-            <a:endParaRPr lang="it-CH" sz="3200" dirty="0" smtClean="0"/>
-          </a:p>
-          <a:p>
-            <a:endParaRPr lang="it-CH" sz="3200" dirty="0"/>
-          </a:p>
-          <a:p>
-            <a:pPr lvl="7"/>
-            <a:r>
-              <a:rPr lang="it-CH" sz="3200" dirty="0" smtClean="0"/>
-              <a:t>Programmi/modalità</a:t>
-            </a:r>
-          </a:p>
-          <a:p>
-            <a:pPr lvl="7"/>
-            <a:r>
-              <a:rPr lang="it-CH" sz="3200" dirty="0" smtClean="0"/>
-              <a:t>Arduino</a:t>
-            </a:r>
-          </a:p>
-          <a:p>
-            <a:pPr lvl="7"/>
-            <a:r>
-              <a:rPr lang="it-CH" sz="3200" dirty="0" smtClean="0"/>
-              <a:t>Procedura di </a:t>
-            </a:r>
-            <a:r>
-              <a:rPr lang="it-CH" sz="3200" dirty="0" err="1" smtClean="0"/>
-              <a:t>check</a:t>
-            </a:r>
-            <a:endParaRPr lang="it-IT" sz="3200" dirty="0"/>
-          </a:p>
-        </p:txBody>
-      </p:sp>
-    </p:spTree>
-    <p:extLst>
-      <p:ext uri="{BB962C8B-B14F-4D97-AF65-F5344CB8AC3E}">
-        <p14:creationId xmlns:p14="http://schemas.microsoft.com/office/powerpoint/2010/main" val="3675575006"/>
-      </p:ext>
-    </p:extLst>
-  </p:cSld>
-  <p:clrMapOvr>
-    <a:masterClrMapping/>
-  </p:clrMapOvr>
-  <p:timing>
-    <p:tnLst>
-      <p:par>
-        <p:cTn id="1" dur="indefinite" restart="never" nodeType="tmRoot"/>
-      </p:par>
-    </p:tnLst>
-  </p:timing>
-</p:sld>
-</file>
-
-<file path=ppt/slides/slide6.xml><?xml version="1.0" encoding="utf-8"?>
-<p:sld xmlns:a="http://schemas.openxmlformats.org/drawingml/2006/main" xmlns:r="http://schemas.openxmlformats.org/officeDocument/2006/relationships" xmlns:p="http://schemas.openxmlformats.org/presentationml/2006/main">
-  <p:cSld>
-    <p:spTree>
-      <p:nvGrpSpPr>
-        <p:cNvPr id="1" name=""/>
-        <p:cNvGrpSpPr/>
-        <p:nvPr/>
-      </p:nvGrpSpPr>
-      <p:grpSpPr>
-        <a:xfrm>
-          <a:off x="0" y="0"/>
-          <a:ext cx="0" cy="0"/>
-          <a:chOff x="0" y="0"/>
-          <a:chExt cx="0" cy="0"/>
-        </a:xfrm>
-      </p:grpSpPr>
-      <p:sp>
-        <p:nvSpPr>
-          <p:cNvPr id="2" name="Titolo 1"/>
-          <p:cNvSpPr>
-            <a:spLocks noGrp="1"/>
-          </p:cNvSpPr>
-          <p:nvPr>
-            <p:ph type="title"/>
-          </p:nvPr>
-        </p:nvSpPr>
-        <p:spPr/>
-        <p:txBody>
-          <a:bodyPr/>
-          <a:lstStyle/>
-          <a:p>
-            <a:r>
-              <a:rPr lang="it-CH" dirty="0" smtClean="0"/>
-              <a:t>GANTT preventivo.</a:t>
-            </a:r>
-            <a:endParaRPr lang="it-IT" dirty="0"/>
-          </a:p>
-        </p:txBody>
-      </p:sp>
-      <p:sp>
-        <p:nvSpPr>
-          <p:cNvPr id="3" name="Segnaposto contenuto 2"/>
-          <p:cNvSpPr>
-            <a:spLocks noGrp="1"/>
-          </p:cNvSpPr>
-          <p:nvPr>
-            <p:ph idx="1"/>
-          </p:nvPr>
-        </p:nvSpPr>
-        <p:spPr/>
-        <p:txBody>
-          <a:bodyPr/>
-          <a:lstStyle/>
-          <a:p>
-            <a:endParaRPr lang="it-IT"/>
-          </a:p>
-        </p:txBody>
-      </p:sp>
-    </p:spTree>
-    <p:extLst>
-      <p:ext uri="{BB962C8B-B14F-4D97-AF65-F5344CB8AC3E}">
-        <p14:creationId xmlns:p14="http://schemas.microsoft.com/office/powerpoint/2010/main" val="3680534952"/>
-      </p:ext>
-    </p:extLst>
-  </p:cSld>
-  <p:clrMapOvr>
-    <a:masterClrMapping/>
-  </p:clrMapOvr>
-  <p:timing>
-    <p:tnLst>
-      <p:par>
-        <p:cTn id="1" dur="indefinite" restart="never" nodeType="tmRoot"/>
-      </p:par>
-    </p:tnLst>
-  </p:timing>
-</p:sld>
-</file>
-
-<file path=ppt/slides/slide7.xml><?xml version="1.0" encoding="utf-8"?>
-<p:sld xmlns:a="http://schemas.openxmlformats.org/drawingml/2006/main" xmlns:r="http://schemas.openxmlformats.org/officeDocument/2006/relationships" xmlns:p="http://schemas.openxmlformats.org/presentationml/2006/main">
-  <p:cSld>
-    <p:spTree>
-      <p:nvGrpSpPr>
-        <p:cNvPr id="1" name=""/>
-        <p:cNvGrpSpPr/>
-        <p:nvPr/>
-      </p:nvGrpSpPr>
-      <p:grpSpPr>
-        <a:xfrm>
-          <a:off x="0" y="0"/>
-          <a:ext cx="0" cy="0"/>
-          <a:chOff x="0" y="0"/>
-          <a:chExt cx="0" cy="0"/>
-        </a:xfrm>
-      </p:grpSpPr>
-      <p:sp>
-        <p:nvSpPr>
-          <p:cNvPr id="2" name="Titolo 1"/>
-          <p:cNvSpPr>
-            <a:spLocks noGrp="1"/>
-          </p:cNvSpPr>
-          <p:nvPr>
-            <p:ph type="title"/>
-          </p:nvPr>
-        </p:nvSpPr>
-        <p:spPr/>
-        <p:txBody>
-          <a:bodyPr/>
-          <a:lstStyle/>
-          <a:p>
-            <a:r>
-              <a:rPr lang="it-CH" dirty="0" smtClean="0"/>
-              <a:t>Struttura programmi.</a:t>
-            </a:r>
-            <a:endParaRPr lang="it-IT" dirty="0"/>
-          </a:p>
-        </p:txBody>
-      </p:sp>
-      <p:sp>
-        <p:nvSpPr>
-          <p:cNvPr id="3" name="Segnaposto contenuto 2"/>
-          <p:cNvSpPr>
-            <a:spLocks noGrp="1"/>
-          </p:cNvSpPr>
-          <p:nvPr>
-            <p:ph idx="1"/>
-          </p:nvPr>
-        </p:nvSpPr>
-        <p:spPr/>
-        <p:txBody>
-          <a:bodyPr/>
-          <a:lstStyle/>
-          <a:p>
-            <a:endParaRPr lang="it-IT"/>
-          </a:p>
-        </p:txBody>
-      </p:sp>
-    </p:spTree>
-    <p:extLst>
-      <p:ext uri="{BB962C8B-B14F-4D97-AF65-F5344CB8AC3E}">
-        <p14:creationId xmlns:p14="http://schemas.microsoft.com/office/powerpoint/2010/main" val="963622927"/>
-      </p:ext>
-    </p:extLst>
-  </p:cSld>
-  <p:clrMapOvr>
-    <a:masterClrMapping/>
-  </p:clrMapOvr>
-  <p:timing>
-    <p:tnLst>
-      <p:par>
-        <p:cTn id="1" dur="indefinite" restart="never" nodeType="tmRoot"/>
-      </p:par>
-    </p:tnLst>
-  </p:timing>
-</p:sld>
-</file>
-
-<file path=ppt/slides/slide8.xml><?xml version="1.0" encoding="utf-8"?>
-<p:sld xmlns:a="http://schemas.openxmlformats.org/drawingml/2006/main" xmlns:r="http://schemas.openxmlformats.org/officeDocument/2006/relationships" xmlns:p="http://schemas.openxmlformats.org/presentationml/2006/main">
-  <p:cSld>
-    <p:spTree>
-      <p:nvGrpSpPr>
-        <p:cNvPr id="1" name=""/>
-        <p:cNvGrpSpPr/>
-        <p:nvPr/>
-      </p:nvGrpSpPr>
-      <p:grpSpPr>
-        <a:xfrm>
-          <a:off x="0" y="0"/>
-          <a:ext cx="0" cy="0"/>
-          <a:chOff x="0" y="0"/>
-          <a:chExt cx="0" cy="0"/>
-        </a:xfrm>
-      </p:grpSpPr>
-      <p:sp>
-        <p:nvSpPr>
-          <p:cNvPr id="2" name="Titolo 1"/>
-          <p:cNvSpPr>
-            <a:spLocks noGrp="1"/>
-          </p:cNvSpPr>
-          <p:nvPr>
-            <p:ph type="title"/>
-          </p:nvPr>
-        </p:nvSpPr>
-        <p:spPr/>
-        <p:txBody>
-          <a:bodyPr/>
-          <a:lstStyle/>
-          <a:p>
-            <a:r>
-              <a:rPr lang="it-CH" dirty="0" smtClean="0"/>
-              <a:t>GANTT Consuntivo.</a:t>
-            </a:r>
-            <a:endParaRPr lang="it-IT" dirty="0"/>
-          </a:p>
-        </p:txBody>
-      </p:sp>
-      <p:sp>
-        <p:nvSpPr>
-          <p:cNvPr id="3" name="Segnaposto contenuto 2"/>
-          <p:cNvSpPr>
-            <a:spLocks noGrp="1"/>
-          </p:cNvSpPr>
-          <p:nvPr>
-            <p:ph idx="1"/>
-          </p:nvPr>
-        </p:nvSpPr>
-        <p:spPr/>
-        <p:txBody>
-          <a:bodyPr/>
-          <a:lstStyle/>
-          <a:p>
-            <a:endParaRPr lang="it-IT"/>
-          </a:p>
-        </p:txBody>
-      </p:sp>
-    </p:spTree>
-    <p:extLst>
-      <p:ext uri="{BB962C8B-B14F-4D97-AF65-F5344CB8AC3E}">
-        <p14:creationId xmlns:p14="http://schemas.microsoft.com/office/powerpoint/2010/main" val="2784124828"/>
-      </p:ext>
-    </p:extLst>
-  </p:cSld>
-  <p:clrMapOvr>
-    <a:masterClrMapping/>
-  </p:clrMapOvr>
-  <p:timing>
-    <p:tnLst>
-      <p:par>
-        <p:cTn id="1" dur="indefinite" restart="never" nodeType="tmRoot"/>
-      </p:par>
-    </p:tnLst>
-  </p:timing>
-</p:sld>
-</file>
-
-<file path=ppt/slides/slide9.xml><?xml version="1.0" encoding="utf-8"?>
-<p:sld xmlns:a="http://schemas.openxmlformats.org/drawingml/2006/main" xmlns:r="http://schemas.openxmlformats.org/officeDocument/2006/relationships" xmlns:p="http://schemas.openxmlformats.org/presentationml/2006/main">
-  <p:cSld>
-    <p:spTree>
-      <p:nvGrpSpPr>
-        <p:cNvPr id="1" name=""/>
-        <p:cNvGrpSpPr/>
-        <p:nvPr/>
-      </p:nvGrpSpPr>
-      <p:grpSpPr>
-        <a:xfrm>
-          <a:off x="0" y="0"/>
-          <a:ext cx="0" cy="0"/>
-          <a:chOff x="0" y="0"/>
-          <a:chExt cx="0" cy="0"/>
-        </a:xfrm>
-      </p:grpSpPr>
-      <p:sp>
-        <p:nvSpPr>
-          <p:cNvPr id="2" name="Titolo 1"/>
-          <p:cNvSpPr>
-            <a:spLocks noGrp="1"/>
-          </p:cNvSpPr>
-          <p:nvPr>
-            <p:ph type="title"/>
-          </p:nvPr>
-        </p:nvSpPr>
-        <p:spPr/>
-        <p:txBody>
-          <a:bodyPr/>
-          <a:lstStyle/>
-          <a:p>
-            <a:r>
-              <a:rPr lang="it-CH" dirty="0" smtClean="0"/>
               <a:t>Test.</a:t>
             </a:r>
             <a:endParaRPr lang="it-IT" dirty="0"/>
@@ -5049,6 +4058,1078 @@
     <p:extLst>
       <p:ext uri="{BB962C8B-B14F-4D97-AF65-F5344CB8AC3E}">
         <p14:creationId xmlns:p14="http://schemas.microsoft.com/office/powerpoint/2010/main" val="238423913"/>
+      </p:ext>
+    </p:extLst>
+  </p:cSld>
+  <p:clrMapOvr>
+    <a:masterClrMapping/>
+  </p:clrMapOvr>
+  <p:timing>
+    <p:tnLst>
+      <p:par>
+        <p:cTn id="1" dur="indefinite" restart="never" nodeType="tmRoot"/>
+      </p:par>
+    </p:tnLst>
+  </p:timing>
+</p:sld>
+</file>
+
+<file path=ppt/slides/slide11.xml><?xml version="1.0" encoding="utf-8"?>
+<p:sld xmlns:a="http://schemas.openxmlformats.org/drawingml/2006/main" xmlns:r="http://schemas.openxmlformats.org/officeDocument/2006/relationships" xmlns:p="http://schemas.openxmlformats.org/presentationml/2006/main">
+  <p:cSld>
+    <p:spTree>
+      <p:nvGrpSpPr>
+        <p:cNvPr id="1" name=""/>
+        <p:cNvGrpSpPr/>
+        <p:nvPr/>
+      </p:nvGrpSpPr>
+      <p:grpSpPr>
+        <a:xfrm>
+          <a:off x="0" y="0"/>
+          <a:ext cx="0" cy="0"/>
+          <a:chOff x="0" y="0"/>
+          <a:chExt cx="0" cy="0"/>
+        </a:xfrm>
+      </p:grpSpPr>
+      <p:sp>
+        <p:nvSpPr>
+          <p:cNvPr id="2" name="Titolo 1"/>
+          <p:cNvSpPr>
+            <a:spLocks noGrp="1"/>
+          </p:cNvSpPr>
+          <p:nvPr>
+            <p:ph type="title"/>
+          </p:nvPr>
+        </p:nvSpPr>
+        <p:spPr/>
+        <p:txBody>
+          <a:bodyPr/>
+          <a:lstStyle/>
+          <a:p>
+            <a:r>
+              <a:rPr lang="it-CH" dirty="0" smtClean="0"/>
+              <a:t>Limitazioni.</a:t>
+            </a:r>
+            <a:endParaRPr lang="it-IT" dirty="0"/>
+          </a:p>
+        </p:txBody>
+      </p:sp>
+      <p:sp>
+        <p:nvSpPr>
+          <p:cNvPr id="4" name="Segnaposto contenuto 2"/>
+          <p:cNvSpPr>
+            <a:spLocks noGrp="1"/>
+          </p:cNvSpPr>
+          <p:nvPr>
+            <p:ph idx="1"/>
+          </p:nvPr>
+        </p:nvSpPr>
+        <p:spPr>
+          <a:xfrm>
+            <a:off x="838200" y="1925053"/>
+            <a:ext cx="10515600" cy="4932947"/>
+          </a:xfrm>
+        </p:spPr>
+        <p:txBody>
+          <a:bodyPr>
+            <a:normAutofit/>
+          </a:bodyPr>
+          <a:lstStyle/>
+          <a:p>
+            <a:endParaRPr lang="it-CH" sz="3200" dirty="0" smtClean="0"/>
+          </a:p>
+          <a:p>
+            <a:endParaRPr lang="it-CH" sz="3200" dirty="0"/>
+          </a:p>
+          <a:p>
+            <a:pPr lvl="7"/>
+            <a:r>
+              <a:rPr lang="it-CH" sz="3200" dirty="0" smtClean="0"/>
+              <a:t>Programma n° 5</a:t>
+            </a:r>
+          </a:p>
+          <a:p>
+            <a:pPr lvl="7"/>
+            <a:r>
+              <a:rPr lang="it-CH" sz="3200" dirty="0" smtClean="0"/>
+              <a:t>LED</a:t>
+            </a:r>
+          </a:p>
+          <a:p>
+            <a:pPr lvl="7"/>
+            <a:endParaRPr lang="it-IT" sz="3200" dirty="0"/>
+          </a:p>
+        </p:txBody>
+      </p:sp>
+    </p:spTree>
+    <p:extLst>
+      <p:ext uri="{BB962C8B-B14F-4D97-AF65-F5344CB8AC3E}">
+        <p14:creationId xmlns:p14="http://schemas.microsoft.com/office/powerpoint/2010/main" val="3968864345"/>
+      </p:ext>
+    </p:extLst>
+  </p:cSld>
+  <p:clrMapOvr>
+    <a:masterClrMapping/>
+  </p:clrMapOvr>
+  <p:timing>
+    <p:tnLst>
+      <p:par>
+        <p:cTn id="1" dur="indefinite" restart="never" nodeType="tmRoot"/>
+      </p:par>
+    </p:tnLst>
+  </p:timing>
+</p:sld>
+</file>
+
+<file path=ppt/slides/slide12.xml><?xml version="1.0" encoding="utf-8"?>
+<p:sld xmlns:a="http://schemas.openxmlformats.org/drawingml/2006/main" xmlns:r="http://schemas.openxmlformats.org/officeDocument/2006/relationships" xmlns:p="http://schemas.openxmlformats.org/presentationml/2006/main">
+  <p:cSld>
+    <p:spTree>
+      <p:nvGrpSpPr>
+        <p:cNvPr id="1" name=""/>
+        <p:cNvGrpSpPr/>
+        <p:nvPr/>
+      </p:nvGrpSpPr>
+      <p:grpSpPr>
+        <a:xfrm>
+          <a:off x="0" y="0"/>
+          <a:ext cx="0" cy="0"/>
+          <a:chOff x="0" y="0"/>
+          <a:chExt cx="0" cy="0"/>
+        </a:xfrm>
+      </p:grpSpPr>
+      <p:sp>
+        <p:nvSpPr>
+          <p:cNvPr id="2" name="Titolo 1"/>
+          <p:cNvSpPr>
+            <a:spLocks noGrp="1"/>
+          </p:cNvSpPr>
+          <p:nvPr>
+            <p:ph type="title"/>
+          </p:nvPr>
+        </p:nvSpPr>
+        <p:spPr/>
+        <p:txBody>
+          <a:bodyPr/>
+          <a:lstStyle/>
+          <a:p>
+            <a:r>
+              <a:rPr lang="it-CH" dirty="0" smtClean="0"/>
+              <a:t>Sviluppi futuri.</a:t>
+            </a:r>
+            <a:endParaRPr lang="it-IT" dirty="0"/>
+          </a:p>
+        </p:txBody>
+      </p:sp>
+      <p:sp>
+        <p:nvSpPr>
+          <p:cNvPr id="6" name="Segnaposto contenuto 2"/>
+          <p:cNvSpPr>
+            <a:spLocks noGrp="1"/>
+          </p:cNvSpPr>
+          <p:nvPr>
+            <p:ph idx="1"/>
+          </p:nvPr>
+        </p:nvSpPr>
+        <p:spPr>
+          <a:xfrm>
+            <a:off x="838200" y="1925053"/>
+            <a:ext cx="10515600" cy="4932947"/>
+          </a:xfrm>
+        </p:spPr>
+        <p:txBody>
+          <a:bodyPr>
+            <a:normAutofit/>
+          </a:bodyPr>
+          <a:lstStyle/>
+          <a:p>
+            <a:endParaRPr lang="it-CH" sz="3200" dirty="0" smtClean="0"/>
+          </a:p>
+          <a:p>
+            <a:endParaRPr lang="it-CH" sz="3200" dirty="0"/>
+          </a:p>
+          <a:p>
+            <a:pPr lvl="7"/>
+            <a:r>
+              <a:rPr lang="it-CH" sz="3200" dirty="0" smtClean="0"/>
+              <a:t>Gestione punteggi</a:t>
+            </a:r>
+          </a:p>
+          <a:p>
+            <a:pPr lvl="7"/>
+            <a:r>
+              <a:rPr lang="it-CH" sz="3200" dirty="0" smtClean="0"/>
+              <a:t>Aggiunta modalità</a:t>
+            </a:r>
+          </a:p>
+          <a:p>
+            <a:pPr lvl="7"/>
+            <a:r>
+              <a:rPr lang="it-CH" sz="3200" dirty="0" smtClean="0"/>
+              <a:t>Hardware</a:t>
+            </a:r>
+            <a:endParaRPr lang="it-IT" sz="3200" dirty="0"/>
+          </a:p>
+        </p:txBody>
+      </p:sp>
+    </p:spTree>
+    <p:extLst>
+      <p:ext uri="{BB962C8B-B14F-4D97-AF65-F5344CB8AC3E}">
+        <p14:creationId xmlns:p14="http://schemas.microsoft.com/office/powerpoint/2010/main" val="4292805435"/>
+      </p:ext>
+    </p:extLst>
+  </p:cSld>
+  <p:clrMapOvr>
+    <a:masterClrMapping/>
+  </p:clrMapOvr>
+  <p:timing>
+    <p:tnLst>
+      <p:par>
+        <p:cTn id="1" dur="indefinite" restart="never" nodeType="tmRoot"/>
+      </p:par>
+    </p:tnLst>
+  </p:timing>
+</p:sld>
+</file>
+
+<file path=ppt/slides/slide13.xml><?xml version="1.0" encoding="utf-8"?>
+<p:sld xmlns:a="http://schemas.openxmlformats.org/drawingml/2006/main" xmlns:r="http://schemas.openxmlformats.org/officeDocument/2006/relationships" xmlns:p="http://schemas.openxmlformats.org/presentationml/2006/main">
+  <p:cSld>
+    <p:spTree>
+      <p:nvGrpSpPr>
+        <p:cNvPr id="1" name=""/>
+        <p:cNvGrpSpPr/>
+        <p:nvPr/>
+      </p:nvGrpSpPr>
+      <p:grpSpPr>
+        <a:xfrm>
+          <a:off x="0" y="0"/>
+          <a:ext cx="0" cy="0"/>
+          <a:chOff x="0" y="0"/>
+          <a:chExt cx="0" cy="0"/>
+        </a:xfrm>
+      </p:grpSpPr>
+      <p:sp>
+        <p:nvSpPr>
+          <p:cNvPr id="4" name="Title 1"/>
+          <p:cNvSpPr>
+            <a:spLocks noGrp="1"/>
+          </p:cNvSpPr>
+          <p:nvPr>
+            <p:ph type="title"/>
+          </p:nvPr>
+        </p:nvSpPr>
+        <p:spPr>
+          <a:xfrm>
+            <a:off x="0" y="0"/>
+            <a:ext cx="12191999" cy="6858000"/>
+          </a:xfrm>
+        </p:spPr>
+        <p:txBody>
+          <a:bodyPr>
+            <a:normAutofit/>
+          </a:bodyPr>
+          <a:lstStyle/>
+          <a:p>
+            <a:pPr algn="ctr"/>
+            <a:r>
+              <a:rPr lang="it-CH" sz="6700" dirty="0"/>
+              <a:t>Conclusioni</a:t>
+            </a:r>
+            <a:r>
+              <a:rPr lang="it-CH" sz="6600" dirty="0" smtClean="0"/>
+              <a:t>.</a:t>
+            </a:r>
+            <a:endParaRPr lang="it-CH" sz="6600" dirty="0"/>
+          </a:p>
+        </p:txBody>
+      </p:sp>
+    </p:spTree>
+    <p:extLst>
+      <p:ext uri="{BB962C8B-B14F-4D97-AF65-F5344CB8AC3E}">
+        <p14:creationId xmlns:p14="http://schemas.microsoft.com/office/powerpoint/2010/main" val="1448187810"/>
+      </p:ext>
+    </p:extLst>
+  </p:cSld>
+  <p:clrMapOvr>
+    <a:masterClrMapping/>
+  </p:clrMapOvr>
+  <p:timing>
+    <p:tnLst>
+      <p:par>
+        <p:cTn id="1" dur="indefinite" restart="never" nodeType="tmRoot"/>
+      </p:par>
+    </p:tnLst>
+  </p:timing>
+</p:sld>
+</file>
+
+<file path=ppt/slides/slide2.xml><?xml version="1.0" encoding="utf-8"?>
+<p:sld xmlns:a="http://schemas.openxmlformats.org/drawingml/2006/main" xmlns:r="http://schemas.openxmlformats.org/officeDocument/2006/relationships" xmlns:p="http://schemas.openxmlformats.org/presentationml/2006/main">
+  <p:cSld>
+    <p:spTree>
+      <p:nvGrpSpPr>
+        <p:cNvPr id="1" name=""/>
+        <p:cNvGrpSpPr/>
+        <p:nvPr/>
+      </p:nvGrpSpPr>
+      <p:grpSpPr>
+        <a:xfrm>
+          <a:off x="0" y="0"/>
+          <a:ext cx="0" cy="0"/>
+          <a:chOff x="0" y="0"/>
+          <a:chExt cx="0" cy="0"/>
+        </a:xfrm>
+      </p:grpSpPr>
+      <p:sp>
+        <p:nvSpPr>
+          <p:cNvPr id="2" name="Titolo 1"/>
+          <p:cNvSpPr>
+            <a:spLocks noGrp="1"/>
+          </p:cNvSpPr>
+          <p:nvPr>
+            <p:ph type="title"/>
+          </p:nvPr>
+        </p:nvSpPr>
+        <p:spPr/>
+        <p:txBody>
+          <a:bodyPr/>
+          <a:lstStyle/>
+          <a:p>
+            <a:r>
+              <a:rPr lang="it-CH" dirty="0" smtClean="0"/>
+              <a:t>Su di noi.</a:t>
+            </a:r>
+            <a:endParaRPr lang="it-IT" dirty="0"/>
+          </a:p>
+        </p:txBody>
+      </p:sp>
+      <p:sp>
+        <p:nvSpPr>
+          <p:cNvPr id="3" name="Segnaposto contenuto 2"/>
+          <p:cNvSpPr>
+            <a:spLocks noGrp="1"/>
+          </p:cNvSpPr>
+          <p:nvPr>
+            <p:ph idx="1"/>
+          </p:nvPr>
+        </p:nvSpPr>
+        <p:spPr/>
+        <p:txBody>
+          <a:bodyPr/>
+          <a:lstStyle/>
+          <a:p>
+            <a:r>
+              <a:rPr lang="it-CH" dirty="0" smtClean="0"/>
+              <a:t>Bryan Beffa</a:t>
+            </a:r>
+          </a:p>
+          <a:p>
+            <a:pPr marL="457200" lvl="1" indent="0">
+              <a:buNone/>
+            </a:pPr>
+            <a:r>
+              <a:rPr lang="it-CH" dirty="0"/>
+              <a:t>b</a:t>
+            </a:r>
+            <a:r>
+              <a:rPr lang="it-CH" dirty="0" smtClean="0"/>
+              <a:t>ryan.beffa@samtrevano.ch</a:t>
+            </a:r>
+          </a:p>
+          <a:p>
+            <a:r>
+              <a:rPr lang="it-CH" dirty="0" smtClean="0"/>
+              <a:t>Filippo </a:t>
+            </a:r>
+            <a:r>
+              <a:rPr lang="it-CH" dirty="0" err="1" smtClean="0"/>
+              <a:t>Finke</a:t>
+            </a:r>
+            <a:endParaRPr lang="it-CH" dirty="0" smtClean="0"/>
+          </a:p>
+          <a:p>
+            <a:pPr marL="457200" lvl="1" indent="0">
+              <a:buNone/>
+            </a:pPr>
+            <a:r>
+              <a:rPr lang="it-CH" dirty="0" smtClean="0"/>
+              <a:t>filippo.finke@samtrevano.ch</a:t>
+            </a:r>
+          </a:p>
+          <a:p>
+            <a:r>
+              <a:rPr lang="it-CH" dirty="0" smtClean="0"/>
+              <a:t>Matteo </a:t>
+            </a:r>
+            <a:r>
+              <a:rPr lang="it-CH" dirty="0" err="1" smtClean="0"/>
+              <a:t>Ghilardini</a:t>
+            </a:r>
+            <a:endParaRPr lang="it-CH" dirty="0" smtClean="0"/>
+          </a:p>
+          <a:p>
+            <a:pPr marL="457200" lvl="1" indent="0">
+              <a:buNone/>
+            </a:pPr>
+            <a:r>
+              <a:rPr lang="it-CH" dirty="0"/>
+              <a:t>m</a:t>
+            </a:r>
+            <a:r>
+              <a:rPr lang="it-CH" dirty="0" smtClean="0"/>
+              <a:t>atteo.ghilardini@samtrevano.ch</a:t>
+            </a:r>
+          </a:p>
+        </p:txBody>
+      </p:sp>
+    </p:spTree>
+    <p:extLst>
+      <p:ext uri="{BB962C8B-B14F-4D97-AF65-F5344CB8AC3E}">
+        <p14:creationId xmlns:p14="http://schemas.microsoft.com/office/powerpoint/2010/main" val="2011878413"/>
+      </p:ext>
+    </p:extLst>
+  </p:cSld>
+  <p:clrMapOvr>
+    <a:masterClrMapping/>
+  </p:clrMapOvr>
+  <p:timing>
+    <p:tnLst>
+      <p:par>
+        <p:cTn id="1" dur="indefinite" restart="never" nodeType="tmRoot"/>
+      </p:par>
+    </p:tnLst>
+  </p:timing>
+</p:sld>
+</file>
+
+<file path=ppt/slides/slide3.xml><?xml version="1.0" encoding="utf-8"?>
+<p:sld xmlns:a="http://schemas.openxmlformats.org/drawingml/2006/main" xmlns:r="http://schemas.openxmlformats.org/officeDocument/2006/relationships" xmlns:p="http://schemas.openxmlformats.org/presentationml/2006/main">
+  <p:cSld>
+    <p:spTree>
+      <p:nvGrpSpPr>
+        <p:cNvPr id="1" name=""/>
+        <p:cNvGrpSpPr/>
+        <p:nvPr/>
+      </p:nvGrpSpPr>
+      <p:grpSpPr>
+        <a:xfrm>
+          <a:off x="0" y="0"/>
+          <a:ext cx="0" cy="0"/>
+          <a:chOff x="0" y="0"/>
+          <a:chExt cx="0" cy="0"/>
+        </a:xfrm>
+      </p:grpSpPr>
+      <p:sp>
+        <p:nvSpPr>
+          <p:cNvPr id="2" name="Titolo 1"/>
+          <p:cNvSpPr>
+            <a:spLocks noGrp="1"/>
+          </p:cNvSpPr>
+          <p:nvPr>
+            <p:ph type="title"/>
+          </p:nvPr>
+        </p:nvSpPr>
+        <p:spPr/>
+        <p:txBody>
+          <a:bodyPr/>
+          <a:lstStyle/>
+          <a:p>
+            <a:r>
+              <a:rPr lang="it-CH" dirty="0" smtClean="0"/>
+              <a:t>Introduzione.</a:t>
+            </a:r>
+            <a:endParaRPr lang="it-IT" dirty="0"/>
+          </a:p>
+        </p:txBody>
+      </p:sp>
+      <p:sp>
+        <p:nvSpPr>
+          <p:cNvPr id="3" name="Segnaposto contenuto 2"/>
+          <p:cNvSpPr>
+            <a:spLocks noGrp="1"/>
+          </p:cNvSpPr>
+          <p:nvPr>
+            <p:ph idx="1"/>
+          </p:nvPr>
+        </p:nvSpPr>
+        <p:spPr>
+          <a:xfrm>
+            <a:off x="0" y="2682240"/>
+            <a:ext cx="12192000" cy="4175759"/>
+          </a:xfrm>
+        </p:spPr>
+        <p:txBody>
+          <a:bodyPr/>
+          <a:lstStyle/>
+          <a:p>
+            <a:pPr marL="0" indent="0" algn="ctr">
+              <a:buNone/>
+            </a:pPr>
+            <a:endParaRPr lang="it-CH" dirty="0" smtClean="0"/>
+          </a:p>
+          <a:p>
+            <a:pPr algn="ctr"/>
+            <a:r>
+              <a:rPr lang="it-CH" sz="3200" dirty="0" smtClean="0"/>
+              <a:t>Sistema per misurare e migliorare i propri riflessi</a:t>
+            </a:r>
+          </a:p>
+          <a:p>
+            <a:pPr algn="ctr"/>
+            <a:endParaRPr lang="it-IT" dirty="0"/>
+          </a:p>
+        </p:txBody>
+      </p:sp>
+    </p:spTree>
+    <p:extLst>
+      <p:ext uri="{BB962C8B-B14F-4D97-AF65-F5344CB8AC3E}">
+        <p14:creationId xmlns:p14="http://schemas.microsoft.com/office/powerpoint/2010/main" val="3636848628"/>
+      </p:ext>
+    </p:extLst>
+  </p:cSld>
+  <p:clrMapOvr>
+    <a:masterClrMapping/>
+  </p:clrMapOvr>
+  <p:timing>
+    <p:tnLst>
+      <p:par>
+        <p:cTn id="1" dur="indefinite" restart="never" nodeType="tmRoot"/>
+      </p:par>
+    </p:tnLst>
+  </p:timing>
+</p:sld>
+</file>
+
+<file path=ppt/slides/slide4.xml><?xml version="1.0" encoding="utf-8"?>
+<p:sld xmlns:a="http://schemas.openxmlformats.org/drawingml/2006/main" xmlns:r="http://schemas.openxmlformats.org/officeDocument/2006/relationships" xmlns:p="http://schemas.openxmlformats.org/presentationml/2006/main">
+  <p:cSld>
+    <p:spTree>
+      <p:nvGrpSpPr>
+        <p:cNvPr id="1" name=""/>
+        <p:cNvGrpSpPr/>
+        <p:nvPr/>
+      </p:nvGrpSpPr>
+      <p:grpSpPr>
+        <a:xfrm>
+          <a:off x="0" y="0"/>
+          <a:ext cx="0" cy="0"/>
+          <a:chOff x="0" y="0"/>
+          <a:chExt cx="0" cy="0"/>
+        </a:xfrm>
+      </p:grpSpPr>
+      <p:sp>
+        <p:nvSpPr>
+          <p:cNvPr id="2" name="Titolo 1"/>
+          <p:cNvSpPr>
+            <a:spLocks noGrp="1"/>
+          </p:cNvSpPr>
+          <p:nvPr>
+            <p:ph type="title"/>
+          </p:nvPr>
+        </p:nvSpPr>
+        <p:spPr/>
+        <p:txBody>
+          <a:bodyPr>
+            <a:normAutofit/>
+          </a:bodyPr>
+          <a:lstStyle/>
+          <a:p>
+            <a:r>
+              <a:rPr lang="it-CH" dirty="0" smtClean="0"/>
+              <a:t>Scopo.</a:t>
+            </a:r>
+            <a:endParaRPr lang="it-IT" sz="5400" dirty="0"/>
+          </a:p>
+        </p:txBody>
+      </p:sp>
+      <p:sp>
+        <p:nvSpPr>
+          <p:cNvPr id="3" name="Segnaposto contenuto 2"/>
+          <p:cNvSpPr>
+            <a:spLocks noGrp="1"/>
+          </p:cNvSpPr>
+          <p:nvPr>
+            <p:ph idx="1"/>
+          </p:nvPr>
+        </p:nvSpPr>
+        <p:spPr>
+          <a:xfrm>
+            <a:off x="838200" y="1925052"/>
+            <a:ext cx="10515600" cy="4932947"/>
+          </a:xfrm>
+        </p:spPr>
+        <p:txBody>
+          <a:bodyPr>
+            <a:normAutofit/>
+          </a:bodyPr>
+          <a:lstStyle/>
+          <a:p>
+            <a:endParaRPr lang="it-CH" sz="3200" dirty="0" smtClean="0"/>
+          </a:p>
+          <a:p>
+            <a:endParaRPr lang="it-CH" sz="3200" dirty="0"/>
+          </a:p>
+          <a:p>
+            <a:pPr lvl="7"/>
+            <a:r>
+              <a:rPr lang="it-CH" sz="3200" dirty="0" smtClean="0"/>
+              <a:t>Misurare/testare</a:t>
+            </a:r>
+          </a:p>
+          <a:p>
+            <a:pPr lvl="7"/>
+            <a:r>
+              <a:rPr lang="it-CH" sz="3200" dirty="0" smtClean="0"/>
+              <a:t>Migliorare</a:t>
+            </a:r>
+          </a:p>
+          <a:p>
+            <a:pPr lvl="7"/>
+            <a:r>
+              <a:rPr lang="it-CH" sz="3200" dirty="0" smtClean="0"/>
+              <a:t>Fare attività fisica</a:t>
+            </a:r>
+            <a:endParaRPr lang="it-IT" sz="3200" dirty="0"/>
+          </a:p>
+        </p:txBody>
+      </p:sp>
+    </p:spTree>
+    <p:extLst>
+      <p:ext uri="{BB962C8B-B14F-4D97-AF65-F5344CB8AC3E}">
+        <p14:creationId xmlns:p14="http://schemas.microsoft.com/office/powerpoint/2010/main" val="148503283"/>
+      </p:ext>
+    </p:extLst>
+  </p:cSld>
+  <p:clrMapOvr>
+    <a:masterClrMapping/>
+  </p:clrMapOvr>
+  <p:timing>
+    <p:tnLst>
+      <p:par>
+        <p:cTn id="1" dur="indefinite" restart="never" nodeType="tmRoot"/>
+      </p:par>
+    </p:tnLst>
+  </p:timing>
+</p:sld>
+</file>
+
+<file path=ppt/slides/slide5.xml><?xml version="1.0" encoding="utf-8"?>
+<p:sld xmlns:a="http://schemas.openxmlformats.org/drawingml/2006/main" xmlns:r="http://schemas.openxmlformats.org/officeDocument/2006/relationships" xmlns:p="http://schemas.openxmlformats.org/presentationml/2006/main">
+  <p:cSld>
+    <p:spTree>
+      <p:nvGrpSpPr>
+        <p:cNvPr id="1" name=""/>
+        <p:cNvGrpSpPr/>
+        <p:nvPr/>
+      </p:nvGrpSpPr>
+      <p:grpSpPr>
+        <a:xfrm>
+          <a:off x="0" y="0"/>
+          <a:ext cx="0" cy="0"/>
+          <a:chOff x="0" y="0"/>
+          <a:chExt cx="0" cy="0"/>
+        </a:xfrm>
+      </p:grpSpPr>
+      <p:sp>
+        <p:nvSpPr>
+          <p:cNvPr id="2" name="Titolo 1"/>
+          <p:cNvSpPr>
+            <a:spLocks noGrp="1"/>
+          </p:cNvSpPr>
+          <p:nvPr>
+            <p:ph type="title"/>
+          </p:nvPr>
+        </p:nvSpPr>
+        <p:spPr/>
+        <p:txBody>
+          <a:bodyPr/>
+          <a:lstStyle/>
+          <a:p>
+            <a:r>
+              <a:rPr lang="it-CH" dirty="0" smtClean="0"/>
+              <a:t>Requisiti.	</a:t>
+            </a:r>
+            <a:endParaRPr lang="it-IT" dirty="0"/>
+          </a:p>
+        </p:txBody>
+      </p:sp>
+      <p:sp>
+        <p:nvSpPr>
+          <p:cNvPr id="4" name="Segnaposto contenuto 2"/>
+          <p:cNvSpPr>
+            <a:spLocks noGrp="1"/>
+          </p:cNvSpPr>
+          <p:nvPr>
+            <p:ph idx="1"/>
+          </p:nvPr>
+        </p:nvSpPr>
+        <p:spPr>
+          <a:xfrm>
+            <a:off x="838200" y="1925052"/>
+            <a:ext cx="10515600" cy="4932947"/>
+          </a:xfrm>
+        </p:spPr>
+        <p:txBody>
+          <a:bodyPr>
+            <a:normAutofit/>
+          </a:bodyPr>
+          <a:lstStyle/>
+          <a:p>
+            <a:endParaRPr lang="it-CH" sz="3200" dirty="0" smtClean="0"/>
+          </a:p>
+          <a:p>
+            <a:endParaRPr lang="it-CH" sz="3200" dirty="0"/>
+          </a:p>
+          <a:p>
+            <a:pPr lvl="7"/>
+            <a:r>
+              <a:rPr lang="it-CH" sz="3200" dirty="0" smtClean="0"/>
+              <a:t>Programmi/modalità</a:t>
+            </a:r>
+          </a:p>
+          <a:p>
+            <a:pPr lvl="7"/>
+            <a:r>
+              <a:rPr lang="it-CH" sz="3200" dirty="0" smtClean="0"/>
+              <a:t>Arduino</a:t>
+            </a:r>
+          </a:p>
+          <a:p>
+            <a:pPr lvl="7"/>
+            <a:r>
+              <a:rPr lang="it-CH" sz="3200" dirty="0" smtClean="0"/>
+              <a:t>Procedura di </a:t>
+            </a:r>
+            <a:r>
+              <a:rPr lang="it-CH" sz="3200" dirty="0" err="1" smtClean="0"/>
+              <a:t>check</a:t>
+            </a:r>
+            <a:endParaRPr lang="it-IT" sz="3200" dirty="0"/>
+          </a:p>
+        </p:txBody>
+      </p:sp>
+    </p:spTree>
+    <p:extLst>
+      <p:ext uri="{BB962C8B-B14F-4D97-AF65-F5344CB8AC3E}">
+        <p14:creationId xmlns:p14="http://schemas.microsoft.com/office/powerpoint/2010/main" val="3675575006"/>
+      </p:ext>
+    </p:extLst>
+  </p:cSld>
+  <p:clrMapOvr>
+    <a:masterClrMapping/>
+  </p:clrMapOvr>
+  <p:timing>
+    <p:tnLst>
+      <p:par>
+        <p:cTn id="1" dur="indefinite" restart="never" nodeType="tmRoot"/>
+      </p:par>
+    </p:tnLst>
+  </p:timing>
+</p:sld>
+</file>
+
+<file path=ppt/slides/slide6.xml><?xml version="1.0" encoding="utf-8"?>
+<p:sld xmlns:a="http://schemas.openxmlformats.org/drawingml/2006/main" xmlns:r="http://schemas.openxmlformats.org/officeDocument/2006/relationships" xmlns:p="http://schemas.openxmlformats.org/presentationml/2006/main">
+  <p:cSld>
+    <p:spTree>
+      <p:nvGrpSpPr>
+        <p:cNvPr id="1" name=""/>
+        <p:cNvGrpSpPr/>
+        <p:nvPr/>
+      </p:nvGrpSpPr>
+      <p:grpSpPr>
+        <a:xfrm>
+          <a:off x="0" y="0"/>
+          <a:ext cx="0" cy="0"/>
+          <a:chOff x="0" y="0"/>
+          <a:chExt cx="0" cy="0"/>
+        </a:xfrm>
+      </p:grpSpPr>
+      <p:sp>
+        <p:nvSpPr>
+          <p:cNvPr id="2" name="Titolo 1"/>
+          <p:cNvSpPr>
+            <a:spLocks noGrp="1"/>
+          </p:cNvSpPr>
+          <p:nvPr>
+            <p:ph type="title"/>
+          </p:nvPr>
+        </p:nvSpPr>
+        <p:spPr/>
+        <p:txBody>
+          <a:bodyPr/>
+          <a:lstStyle/>
+          <a:p>
+            <a:r>
+              <a:rPr lang="it-CH" dirty="0" smtClean="0"/>
+              <a:t>GANTT preventivo.</a:t>
+            </a:r>
+            <a:endParaRPr lang="it-IT" dirty="0"/>
+          </a:p>
+        </p:txBody>
+      </p:sp>
+      <p:sp>
+        <p:nvSpPr>
+          <p:cNvPr id="3" name="Segnaposto contenuto 2"/>
+          <p:cNvSpPr>
+            <a:spLocks noGrp="1"/>
+          </p:cNvSpPr>
+          <p:nvPr>
+            <p:ph idx="1"/>
+          </p:nvPr>
+        </p:nvSpPr>
+        <p:spPr/>
+        <p:txBody>
+          <a:bodyPr/>
+          <a:lstStyle/>
+          <a:p>
+            <a:endParaRPr lang="it-IT"/>
+          </a:p>
+        </p:txBody>
+      </p:sp>
+    </p:spTree>
+    <p:extLst>
+      <p:ext uri="{BB962C8B-B14F-4D97-AF65-F5344CB8AC3E}">
+        <p14:creationId xmlns:p14="http://schemas.microsoft.com/office/powerpoint/2010/main" val="3680534952"/>
+      </p:ext>
+    </p:extLst>
+  </p:cSld>
+  <p:clrMapOvr>
+    <a:masterClrMapping/>
+  </p:clrMapOvr>
+  <p:timing>
+    <p:tnLst>
+      <p:par>
+        <p:cTn id="1" dur="indefinite" restart="never" nodeType="tmRoot"/>
+      </p:par>
+    </p:tnLst>
+  </p:timing>
+</p:sld>
+</file>
+
+<file path=ppt/slides/slide7.xml><?xml version="1.0" encoding="utf-8"?>
+<p:sld xmlns:a="http://schemas.openxmlformats.org/drawingml/2006/main" xmlns:r="http://schemas.openxmlformats.org/officeDocument/2006/relationships" xmlns:p="http://schemas.openxmlformats.org/presentationml/2006/main">
+  <p:cSld>
+    <p:spTree>
+      <p:nvGrpSpPr>
+        <p:cNvPr id="1" name=""/>
+        <p:cNvGrpSpPr/>
+        <p:nvPr/>
+      </p:nvGrpSpPr>
+      <p:grpSpPr>
+        <a:xfrm>
+          <a:off x="0" y="0"/>
+          <a:ext cx="0" cy="0"/>
+          <a:chOff x="0" y="0"/>
+          <a:chExt cx="0" cy="0"/>
+        </a:xfrm>
+      </p:grpSpPr>
+      <p:sp>
+        <p:nvSpPr>
+          <p:cNvPr id="2" name="Titolo 1"/>
+          <p:cNvSpPr>
+            <a:spLocks noGrp="1"/>
+          </p:cNvSpPr>
+          <p:nvPr>
+            <p:ph type="title"/>
+          </p:nvPr>
+        </p:nvSpPr>
+        <p:spPr/>
+        <p:txBody>
+          <a:bodyPr/>
+          <a:lstStyle/>
+          <a:p>
+            <a:r>
+              <a:rPr lang="it-CH" dirty="0" smtClean="0"/>
+              <a:t>GANTT Consuntivo.</a:t>
+            </a:r>
+            <a:endParaRPr lang="it-IT" dirty="0"/>
+          </a:p>
+        </p:txBody>
+      </p:sp>
+      <p:sp>
+        <p:nvSpPr>
+          <p:cNvPr id="3" name="Segnaposto contenuto 2"/>
+          <p:cNvSpPr>
+            <a:spLocks noGrp="1"/>
+          </p:cNvSpPr>
+          <p:nvPr>
+            <p:ph idx="1"/>
+          </p:nvPr>
+        </p:nvSpPr>
+        <p:spPr/>
+        <p:txBody>
+          <a:bodyPr/>
+          <a:lstStyle/>
+          <a:p>
+            <a:endParaRPr lang="it-IT"/>
+          </a:p>
+        </p:txBody>
+      </p:sp>
+    </p:spTree>
+    <p:extLst>
+      <p:ext uri="{BB962C8B-B14F-4D97-AF65-F5344CB8AC3E}">
+        <p14:creationId xmlns:p14="http://schemas.microsoft.com/office/powerpoint/2010/main" val="2784124828"/>
+      </p:ext>
+    </p:extLst>
+  </p:cSld>
+  <p:clrMapOvr>
+    <a:masterClrMapping/>
+  </p:clrMapOvr>
+  <p:timing>
+    <p:tnLst>
+      <p:par>
+        <p:cTn id="1" dur="indefinite" restart="never" nodeType="tmRoot"/>
+      </p:par>
+    </p:tnLst>
+  </p:timing>
+</p:sld>
+</file>
+
+<file path=ppt/slides/slide8.xml><?xml version="1.0" encoding="utf-8"?>
+<p:sld xmlns:a="http://schemas.openxmlformats.org/drawingml/2006/main" xmlns:r="http://schemas.openxmlformats.org/officeDocument/2006/relationships" xmlns:p="http://schemas.openxmlformats.org/presentationml/2006/main">
+  <p:cSld>
+    <p:spTree>
+      <p:nvGrpSpPr>
+        <p:cNvPr id="1" name=""/>
+        <p:cNvGrpSpPr/>
+        <p:nvPr/>
+      </p:nvGrpSpPr>
+      <p:grpSpPr>
+        <a:xfrm>
+          <a:off x="0" y="0"/>
+          <a:ext cx="0" cy="0"/>
+          <a:chOff x="0" y="0"/>
+          <a:chExt cx="0" cy="0"/>
+        </a:xfrm>
+      </p:grpSpPr>
+      <p:sp>
+        <p:nvSpPr>
+          <p:cNvPr id="2" name="Titolo 1"/>
+          <p:cNvSpPr>
+            <a:spLocks noGrp="1"/>
+          </p:cNvSpPr>
+          <p:nvPr>
+            <p:ph type="title"/>
+          </p:nvPr>
+        </p:nvSpPr>
+        <p:spPr/>
+        <p:txBody>
+          <a:bodyPr/>
+          <a:lstStyle/>
+          <a:p>
+            <a:r>
+              <a:rPr lang="it-CH" dirty="0" smtClean="0"/>
+              <a:t>Struttura </a:t>
+            </a:r>
+            <a:r>
+              <a:rPr lang="it-CH" dirty="0" smtClean="0"/>
+              <a:t>sistema.</a:t>
+            </a:r>
+            <a:endParaRPr lang="it-IT" dirty="0"/>
+          </a:p>
+        </p:txBody>
+      </p:sp>
+      <p:pic>
+        <p:nvPicPr>
+          <p:cNvPr id="4" name="Segnaposto contenuto 3"/>
+          <p:cNvPicPr>
+            <a:picLocks noGrp="1" noChangeAspect="1"/>
+          </p:cNvPicPr>
+          <p:nvPr>
+            <p:ph idx="1"/>
+          </p:nvPr>
+        </p:nvPicPr>
+        <p:blipFill>
+          <a:blip r:embed="rId2">
+            <a:extLst>
+              <a:ext uri="{28A0092B-C50C-407E-A947-70E740481C1C}">
+                <a14:useLocalDpi xmlns:a14="http://schemas.microsoft.com/office/drawing/2010/main" val="0"/>
+              </a:ext>
+            </a:extLst>
+          </a:blip>
+          <a:stretch>
+            <a:fillRect/>
+          </a:stretch>
+        </p:blipFill>
+        <p:spPr>
+          <a:xfrm>
+            <a:off x="2350008" y="2218501"/>
+            <a:ext cx="6236208" cy="3529010"/>
+          </a:xfrm>
+        </p:spPr>
+      </p:pic>
+    </p:spTree>
+    <p:extLst>
+      <p:ext uri="{BB962C8B-B14F-4D97-AF65-F5344CB8AC3E}">
+        <p14:creationId xmlns:p14="http://schemas.microsoft.com/office/powerpoint/2010/main" val="963622927"/>
+      </p:ext>
+    </p:extLst>
+  </p:cSld>
+  <p:clrMapOvr>
+    <a:masterClrMapping/>
+  </p:clrMapOvr>
+  <p:timing>
+    <p:tnLst>
+      <p:par>
+        <p:cTn id="1" dur="indefinite" restart="never" nodeType="tmRoot"/>
+      </p:par>
+    </p:tnLst>
+  </p:timing>
+</p:sld>
+</file>
+
+<file path=ppt/slides/slide9.xml><?xml version="1.0" encoding="utf-8"?>
+<p:sld xmlns:a="http://schemas.openxmlformats.org/drawingml/2006/main" xmlns:r="http://schemas.openxmlformats.org/officeDocument/2006/relationships" xmlns:p="http://schemas.openxmlformats.org/presentationml/2006/main">
+  <p:cSld>
+    <p:spTree>
+      <p:nvGrpSpPr>
+        <p:cNvPr id="1" name=""/>
+        <p:cNvGrpSpPr/>
+        <p:nvPr/>
+      </p:nvGrpSpPr>
+      <p:grpSpPr>
+        <a:xfrm>
+          <a:off x="0" y="0"/>
+          <a:ext cx="0" cy="0"/>
+          <a:chOff x="0" y="0"/>
+          <a:chExt cx="0" cy="0"/>
+        </a:xfrm>
+      </p:grpSpPr>
+      <p:pic>
+        <p:nvPicPr>
+          <p:cNvPr id="4" name="Segnaposto contenuto 3"/>
+          <p:cNvPicPr>
+            <a:picLocks noGrp="1" noChangeAspect="1"/>
+          </p:cNvPicPr>
+          <p:nvPr>
+            <p:ph idx="1"/>
+          </p:nvPr>
+        </p:nvPicPr>
+        <p:blipFill>
+          <a:blip r:embed="rId2">
+            <a:extLst>
+              <a:ext uri="{28A0092B-C50C-407E-A947-70E740481C1C}">
+                <a14:useLocalDpi xmlns:a14="http://schemas.microsoft.com/office/drawing/2010/main" val="0"/>
+              </a:ext>
+            </a:extLst>
+          </a:blip>
+          <a:stretch>
+            <a:fillRect/>
+          </a:stretch>
+        </p:blipFill>
+        <p:spPr>
+          <a:xfrm>
+            <a:off x="268150" y="365761"/>
+            <a:ext cx="10905817" cy="6350698"/>
+          </a:xfrm>
+        </p:spPr>
+      </p:pic>
+    </p:spTree>
+    <p:extLst>
+      <p:ext uri="{BB962C8B-B14F-4D97-AF65-F5344CB8AC3E}">
+        <p14:creationId xmlns:p14="http://schemas.microsoft.com/office/powerpoint/2010/main" val="2731331551"/>
       </p:ext>
     </p:extLst>
   </p:cSld>

--- a/Presentations/Presentazione.pptx
+++ b/Presentations/Presentazione.pptx
@@ -5,7 +5,7 @@
     <p:sldMasterId id="2147483648" r:id="rId1"/>
   </p:sldMasterIdLst>
   <p:notesMasterIdLst>
-    <p:notesMasterId r:id="rId15"/>
+    <p:notesMasterId r:id="rId18"/>
   </p:notesMasterIdLst>
   <p:sldIdLst>
     <p:sldId id="256" r:id="rId2"/>
@@ -17,10 +17,13 @@
     <p:sldId id="266" r:id="rId8"/>
     <p:sldId id="263" r:id="rId9"/>
     <p:sldId id="268" r:id="rId10"/>
-    <p:sldId id="264" r:id="rId11"/>
-    <p:sldId id="267" r:id="rId12"/>
-    <p:sldId id="265" r:id="rId13"/>
-    <p:sldId id="259" r:id="rId14"/>
+    <p:sldId id="269" r:id="rId11"/>
+    <p:sldId id="270" r:id="rId12"/>
+    <p:sldId id="271" r:id="rId13"/>
+    <p:sldId id="264" r:id="rId14"/>
+    <p:sldId id="267" r:id="rId15"/>
+    <p:sldId id="265" r:id="rId16"/>
+    <p:sldId id="259" r:id="rId17"/>
   </p:sldIdLst>
   <p:sldSz cx="12192000" cy="6858000"/>
   <p:notesSz cx="6858000" cy="9144000"/>
@@ -634,7 +637,7 @@
           <a:p>
             <a:fld id="{EC946105-561A-4569-8BDB-2855F3E534B9}" type="slidenum">
               <a:rPr lang="it-IT" smtClean="0"/>
-              <a:t>11</a:t>
+              <a:t>14</a:t>
             </a:fld>
             <a:endParaRPr lang="it-IT"/>
           </a:p>
@@ -722,7 +725,7 @@
           <a:p>
             <a:fld id="{EC946105-561A-4569-8BDB-2855F3E534B9}" type="slidenum">
               <a:rPr lang="it-IT" smtClean="0"/>
-              <a:t>12</a:t>
+              <a:t>15</a:t>
             </a:fld>
             <a:endParaRPr lang="it-IT"/>
           </a:p>
@@ -810,7 +813,7 @@
           <a:p>
             <a:fld id="{EC946105-561A-4569-8BDB-2855F3E534B9}" type="slidenum">
               <a:rPr lang="it-IT" smtClean="0"/>
-              <a:t>13</a:t>
+              <a:t>16</a:t>
             </a:fld>
             <a:endParaRPr lang="it-IT"/>
           </a:p>
@@ -3833,6 +3836,238 @@
           <a:p>
             <a:r>
               <a:rPr lang="it-CH" dirty="0" smtClean="0"/>
+              <a:t>Struttura librerie.</a:t>
+            </a:r>
+            <a:endParaRPr lang="it-IT" dirty="0"/>
+          </a:p>
+        </p:txBody>
+      </p:sp>
+      <p:sp>
+        <p:nvSpPr>
+          <p:cNvPr id="3" name="Segnaposto contenuto 2"/>
+          <p:cNvSpPr>
+            <a:spLocks noGrp="1"/>
+          </p:cNvSpPr>
+          <p:nvPr>
+            <p:ph idx="1"/>
+          </p:nvPr>
+        </p:nvSpPr>
+        <p:spPr/>
+        <p:txBody>
+          <a:bodyPr/>
+          <a:lstStyle/>
+          <a:p>
+            <a:endParaRPr lang="it-IT" dirty="0"/>
+          </a:p>
+        </p:txBody>
+      </p:sp>
+    </p:spTree>
+    <p:extLst>
+      <p:ext uri="{BB962C8B-B14F-4D97-AF65-F5344CB8AC3E}">
+        <p14:creationId xmlns:p14="http://schemas.microsoft.com/office/powerpoint/2010/main" val="2527750165"/>
+      </p:ext>
+    </p:extLst>
+  </p:cSld>
+  <p:clrMapOvr>
+    <a:masterClrMapping/>
+  </p:clrMapOvr>
+</p:sld>
+</file>
+
+<file path=ppt/slides/slide11.xml><?xml version="1.0" encoding="utf-8"?>
+<p:sld xmlns:a="http://schemas.openxmlformats.org/drawingml/2006/main" xmlns:r="http://schemas.openxmlformats.org/officeDocument/2006/relationships" xmlns:p="http://schemas.openxmlformats.org/presentationml/2006/main">
+  <p:cSld>
+    <p:spTree>
+      <p:nvGrpSpPr>
+        <p:cNvPr id="1" name=""/>
+        <p:cNvGrpSpPr/>
+        <p:nvPr/>
+      </p:nvGrpSpPr>
+      <p:grpSpPr>
+        <a:xfrm>
+          <a:off x="0" y="0"/>
+          <a:ext cx="0" cy="0"/>
+          <a:chOff x="0" y="0"/>
+          <a:chExt cx="0" cy="0"/>
+        </a:xfrm>
+      </p:grpSpPr>
+      <p:sp>
+        <p:nvSpPr>
+          <p:cNvPr id="2" name="Titolo 1"/>
+          <p:cNvSpPr>
+            <a:spLocks noGrp="1"/>
+          </p:cNvSpPr>
+          <p:nvPr>
+            <p:ph type="title"/>
+          </p:nvPr>
+        </p:nvSpPr>
+        <p:spPr/>
+        <p:txBody>
+          <a:bodyPr/>
+          <a:lstStyle/>
+          <a:p>
+            <a:r>
+              <a:rPr lang="it-CH" dirty="0" smtClean="0"/>
+              <a:t>Libreria </a:t>
+            </a:r>
+            <a:r>
+              <a:rPr lang="it-CH" dirty="0" err="1" smtClean="0"/>
+              <a:t>functions</a:t>
+            </a:r>
+            <a:r>
+              <a:rPr lang="it-CH" dirty="0" smtClean="0"/>
+              <a:t>.</a:t>
+            </a:r>
+            <a:endParaRPr lang="it-IT" dirty="0"/>
+          </a:p>
+        </p:txBody>
+      </p:sp>
+      <p:sp>
+        <p:nvSpPr>
+          <p:cNvPr id="3" name="Segnaposto contenuto 2"/>
+          <p:cNvSpPr>
+            <a:spLocks noGrp="1"/>
+          </p:cNvSpPr>
+          <p:nvPr>
+            <p:ph idx="1"/>
+          </p:nvPr>
+        </p:nvSpPr>
+        <p:spPr/>
+        <p:txBody>
+          <a:bodyPr/>
+          <a:lstStyle/>
+          <a:p>
+            <a:endParaRPr lang="it-IT"/>
+          </a:p>
+        </p:txBody>
+      </p:sp>
+    </p:spTree>
+    <p:extLst>
+      <p:ext uri="{BB962C8B-B14F-4D97-AF65-F5344CB8AC3E}">
+        <p14:creationId xmlns:p14="http://schemas.microsoft.com/office/powerpoint/2010/main" val="2625428675"/>
+      </p:ext>
+    </p:extLst>
+  </p:cSld>
+  <p:clrMapOvr>
+    <a:masterClrMapping/>
+  </p:clrMapOvr>
+</p:sld>
+</file>
+
+<file path=ppt/slides/slide12.xml><?xml version="1.0" encoding="utf-8"?>
+<p:sld xmlns:a="http://schemas.openxmlformats.org/drawingml/2006/main" xmlns:r="http://schemas.openxmlformats.org/officeDocument/2006/relationships" xmlns:p="http://schemas.openxmlformats.org/presentationml/2006/main">
+  <p:cSld>
+    <p:spTree>
+      <p:nvGrpSpPr>
+        <p:cNvPr id="1" name=""/>
+        <p:cNvGrpSpPr/>
+        <p:nvPr/>
+      </p:nvGrpSpPr>
+      <p:grpSpPr>
+        <a:xfrm>
+          <a:off x="0" y="0"/>
+          <a:ext cx="0" cy="0"/>
+          <a:chOff x="0" y="0"/>
+          <a:chExt cx="0" cy="0"/>
+        </a:xfrm>
+      </p:grpSpPr>
+      <p:sp>
+        <p:nvSpPr>
+          <p:cNvPr id="2" name="Titolo 1"/>
+          <p:cNvSpPr>
+            <a:spLocks noGrp="1"/>
+          </p:cNvSpPr>
+          <p:nvPr>
+            <p:ph type="title"/>
+          </p:nvPr>
+        </p:nvSpPr>
+        <p:spPr/>
+        <p:txBody>
+          <a:bodyPr/>
+          <a:lstStyle/>
+          <a:p>
+            <a:r>
+              <a:rPr lang="it-CH" dirty="0" smtClean="0"/>
+              <a:t>Libreria </a:t>
+            </a:r>
+            <a:r>
+              <a:rPr lang="it-CH" dirty="0" err="1" smtClean="0"/>
+              <a:t>programs</a:t>
+            </a:r>
+            <a:r>
+              <a:rPr lang="it-CH" dirty="0" smtClean="0"/>
+              <a:t>.</a:t>
+            </a:r>
+            <a:endParaRPr lang="it-IT" dirty="0"/>
+          </a:p>
+        </p:txBody>
+      </p:sp>
+      <p:sp>
+        <p:nvSpPr>
+          <p:cNvPr id="3" name="Segnaposto contenuto 2"/>
+          <p:cNvSpPr>
+            <a:spLocks noGrp="1"/>
+          </p:cNvSpPr>
+          <p:nvPr>
+            <p:ph idx="1"/>
+          </p:nvPr>
+        </p:nvSpPr>
+        <p:spPr/>
+        <p:txBody>
+          <a:bodyPr/>
+          <a:lstStyle/>
+          <a:p>
+            <a:endParaRPr lang="it-IT"/>
+          </a:p>
+        </p:txBody>
+      </p:sp>
+    </p:spTree>
+    <p:extLst>
+      <p:ext uri="{BB962C8B-B14F-4D97-AF65-F5344CB8AC3E}">
+        <p14:creationId xmlns:p14="http://schemas.microsoft.com/office/powerpoint/2010/main" val="3341934481"/>
+      </p:ext>
+    </p:extLst>
+  </p:cSld>
+  <p:clrMapOvr>
+    <a:masterClrMapping/>
+  </p:clrMapOvr>
+</p:sld>
+</file>
+
+<file path=ppt/slides/slide13.xml><?xml version="1.0" encoding="utf-8"?>
+<p:sld xmlns:a="http://schemas.openxmlformats.org/drawingml/2006/main" xmlns:r="http://schemas.openxmlformats.org/officeDocument/2006/relationships" xmlns:p="http://schemas.openxmlformats.org/presentationml/2006/main">
+  <p:cSld>
+    <p:spTree>
+      <p:nvGrpSpPr>
+        <p:cNvPr id="1" name=""/>
+        <p:cNvGrpSpPr/>
+        <p:nvPr/>
+      </p:nvGrpSpPr>
+      <p:grpSpPr>
+        <a:xfrm>
+          <a:off x="0" y="0"/>
+          <a:ext cx="0" cy="0"/>
+          <a:chOff x="0" y="0"/>
+          <a:chExt cx="0" cy="0"/>
+        </a:xfrm>
+      </p:grpSpPr>
+      <p:sp>
+        <p:nvSpPr>
+          <p:cNvPr id="2" name="Titolo 1"/>
+          <p:cNvSpPr>
+            <a:spLocks noGrp="1"/>
+          </p:cNvSpPr>
+          <p:nvPr>
+            <p:ph type="title"/>
+          </p:nvPr>
+        </p:nvSpPr>
+        <p:spPr/>
+        <p:txBody>
+          <a:bodyPr/>
+          <a:lstStyle/>
+          <a:p>
+            <a:r>
+              <a:rPr lang="it-CH" dirty="0" smtClean="0"/>
               <a:t>Test.</a:t>
             </a:r>
             <a:endParaRPr lang="it-IT" dirty="0"/>
@@ -4074,7 +4309,7 @@
 </p:sld>
 </file>
 
-<file path=ppt/slides/slide11.xml><?xml version="1.0" encoding="utf-8"?>
+<file path=ppt/slides/slide14.xml><?xml version="1.0" encoding="utf-8"?>
 <p:sld xmlns:a="http://schemas.openxmlformats.org/drawingml/2006/main" xmlns:r="http://schemas.openxmlformats.org/officeDocument/2006/relationships" xmlns:p="http://schemas.openxmlformats.org/presentationml/2006/main">
   <p:cSld>
     <p:spTree>
@@ -4181,7 +4416,7 @@
 </p:sld>
 </file>
 
-<file path=ppt/slides/slide12.xml><?xml version="1.0" encoding="utf-8"?>
+<file path=ppt/slides/slide15.xml><?xml version="1.0" encoding="utf-8"?>
 <p:sld xmlns:a="http://schemas.openxmlformats.org/drawingml/2006/main" xmlns:r="http://schemas.openxmlformats.org/officeDocument/2006/relationships" xmlns:p="http://schemas.openxmlformats.org/presentationml/2006/main">
   <p:cSld>
     <p:spTree>
@@ -4292,7 +4527,7 @@
 </p:sld>
 </file>
 
-<file path=ppt/slides/slide13.xml><?xml version="1.0" encoding="utf-8"?>
+<file path=ppt/slides/slide16.xml><?xml version="1.0" encoding="utf-8"?>
 <p:sld xmlns:a="http://schemas.openxmlformats.org/drawingml/2006/main" xmlns:r="http://schemas.openxmlformats.org/officeDocument/2006/relationships" xmlns:p="http://schemas.openxmlformats.org/presentationml/2006/main">
   <p:cSld>
     <p:spTree>
@@ -5021,11 +5256,7 @@
           <a:p>
             <a:r>
               <a:rPr lang="it-CH" dirty="0" smtClean="0"/>
-              <a:t>Struttura </a:t>
-            </a:r>
-            <a:r>
-              <a:rPr lang="it-CH" dirty="0" smtClean="0"/>
-              <a:t>sistema.</a:t>
+              <a:t>Struttura sistema.</a:t>
             </a:r>
             <a:endParaRPr lang="it-IT" dirty="0"/>
           </a:p>

--- a/Presentations/Presentazione.pptx
+++ b/Presentations/Presentazione.pptx
@@ -5,7 +5,7 @@
     <p:sldMasterId id="2147483648" r:id="rId1"/>
   </p:sldMasterIdLst>
   <p:notesMasterIdLst>
-    <p:notesMasterId r:id="rId18"/>
+    <p:notesMasterId r:id="rId20"/>
   </p:notesMasterIdLst>
   <p:sldIdLst>
     <p:sldId id="256" r:id="rId2"/>
@@ -18,12 +18,14 @@
     <p:sldId id="263" r:id="rId9"/>
     <p:sldId id="268" r:id="rId10"/>
     <p:sldId id="269" r:id="rId11"/>
-    <p:sldId id="270" r:id="rId12"/>
-    <p:sldId id="271" r:id="rId13"/>
-    <p:sldId id="264" r:id="rId14"/>
-    <p:sldId id="267" r:id="rId15"/>
-    <p:sldId id="265" r:id="rId16"/>
-    <p:sldId id="259" r:id="rId17"/>
+    <p:sldId id="273" r:id="rId12"/>
+    <p:sldId id="270" r:id="rId13"/>
+    <p:sldId id="271" r:id="rId14"/>
+    <p:sldId id="272" r:id="rId15"/>
+    <p:sldId id="264" r:id="rId16"/>
+    <p:sldId id="267" r:id="rId17"/>
+    <p:sldId id="265" r:id="rId18"/>
+    <p:sldId id="259" r:id="rId19"/>
   </p:sldIdLst>
   <p:sldSz cx="12192000" cy="6858000"/>
   <p:notesSz cx="6858000" cy="9144000"/>
@@ -637,7 +639,7 @@
           <a:p>
             <a:fld id="{EC946105-561A-4569-8BDB-2855F3E534B9}" type="slidenum">
               <a:rPr lang="it-IT" smtClean="0"/>
-              <a:t>14</a:t>
+              <a:t>16</a:t>
             </a:fld>
             <a:endParaRPr lang="it-IT"/>
           </a:p>
@@ -725,7 +727,7 @@
           <a:p>
             <a:fld id="{EC946105-561A-4569-8BDB-2855F3E534B9}" type="slidenum">
               <a:rPr lang="it-IT" smtClean="0"/>
-              <a:t>15</a:t>
+              <a:t>17</a:t>
             </a:fld>
             <a:endParaRPr lang="it-IT"/>
           </a:p>
@@ -813,7 +815,7 @@
           <a:p>
             <a:fld id="{EC946105-561A-4569-8BDB-2855F3E534B9}" type="slidenum">
               <a:rPr lang="it-IT" smtClean="0"/>
-              <a:t>16</a:t>
+              <a:t>18</a:t>
             </a:fld>
             <a:endParaRPr lang="it-IT"/>
           </a:p>
@@ -3836,31 +3838,49 @@
           <a:p>
             <a:r>
               <a:rPr lang="it-CH" dirty="0" smtClean="0"/>
-              <a:t>Struttura librerie.</a:t>
+              <a:t>Struttura </a:t>
+            </a:r>
+            <a:r>
+              <a:rPr lang="it-CH" dirty="0"/>
+              <a:t>c</a:t>
+            </a:r>
+            <a:r>
+              <a:rPr lang="it-CH" dirty="0" smtClean="0"/>
+              <a:t>odice.</a:t>
             </a:r>
             <a:endParaRPr lang="it-IT" dirty="0"/>
           </a:p>
         </p:txBody>
       </p:sp>
-      <p:sp>
-        <p:nvSpPr>
-          <p:cNvPr id="3" name="Segnaposto contenuto 2"/>
-          <p:cNvSpPr>
-            <a:spLocks noGrp="1"/>
-          </p:cNvSpPr>
+      <p:pic>
+        <p:nvPicPr>
+          <p:cNvPr id="4" name="Segnaposto contenuto 3"/>
+          <p:cNvPicPr>
+            <a:picLocks noGrp="1" noChangeAspect="1"/>
+          </p:cNvPicPr>
           <p:nvPr>
             <p:ph idx="1"/>
           </p:nvPr>
-        </p:nvSpPr>
-        <p:spPr/>
-        <p:txBody>
-          <a:bodyPr/>
-          <a:lstStyle/>
-          <a:p>
-            <a:endParaRPr lang="it-IT" dirty="0"/>
-          </a:p>
-        </p:txBody>
-      </p:sp>
+        </p:nvPicPr>
+        <p:blipFill>
+          <a:blip r:embed="rId2">
+            <a:extLst>
+              <a:ext uri="{28A0092B-C50C-407E-A947-70E740481C1C}">
+                <a14:useLocalDpi xmlns:a14="http://schemas.microsoft.com/office/drawing/2010/main" val="0"/>
+              </a:ext>
+            </a:extLst>
+          </a:blip>
+          <a:stretch>
+            <a:fillRect/>
+          </a:stretch>
+        </p:blipFill>
+        <p:spPr>
+          <a:xfrm>
+            <a:off x="4065436" y="1997050"/>
+            <a:ext cx="4061128" cy="3736238"/>
+          </a:xfrm>
+        </p:spPr>
+      </p:pic>
     </p:spTree>
     <p:extLst>
       <p:ext uri="{BB962C8B-B14F-4D97-AF65-F5344CB8AC3E}">
@@ -3871,6 +3891,13 @@
   <p:clrMapOvr>
     <a:masterClrMapping/>
   </p:clrMapOvr>
+  <p:timing>
+    <p:tnLst>
+      <p:par>
+        <p:cTn id="1" dur="indefinite" restart="never" nodeType="tmRoot"/>
+      </p:par>
+    </p:tnLst>
+  </p:timing>
 </p:sld>
 </file>
 
@@ -3908,167 +3935,7 @@
           <a:p>
             <a:r>
               <a:rPr lang="it-CH" dirty="0" smtClean="0"/>
-              <a:t>Libreria </a:t>
-            </a:r>
-            <a:r>
-              <a:rPr lang="it-CH" dirty="0" err="1" smtClean="0"/>
-              <a:t>functions</a:t>
-            </a:r>
-            <a:r>
-              <a:rPr lang="it-CH" dirty="0" smtClean="0"/>
-              <a:t>.</a:t>
-            </a:r>
-            <a:endParaRPr lang="it-IT" dirty="0"/>
-          </a:p>
-        </p:txBody>
-      </p:sp>
-      <p:sp>
-        <p:nvSpPr>
-          <p:cNvPr id="3" name="Segnaposto contenuto 2"/>
-          <p:cNvSpPr>
-            <a:spLocks noGrp="1"/>
-          </p:cNvSpPr>
-          <p:nvPr>
-            <p:ph idx="1"/>
-          </p:nvPr>
-        </p:nvSpPr>
-        <p:spPr/>
-        <p:txBody>
-          <a:bodyPr/>
-          <a:lstStyle/>
-          <a:p>
-            <a:endParaRPr lang="it-IT"/>
-          </a:p>
-        </p:txBody>
-      </p:sp>
-    </p:spTree>
-    <p:extLst>
-      <p:ext uri="{BB962C8B-B14F-4D97-AF65-F5344CB8AC3E}">
-        <p14:creationId xmlns:p14="http://schemas.microsoft.com/office/powerpoint/2010/main" val="2625428675"/>
-      </p:ext>
-    </p:extLst>
-  </p:cSld>
-  <p:clrMapOvr>
-    <a:masterClrMapping/>
-  </p:clrMapOvr>
-</p:sld>
-</file>
-
-<file path=ppt/slides/slide12.xml><?xml version="1.0" encoding="utf-8"?>
-<p:sld xmlns:a="http://schemas.openxmlformats.org/drawingml/2006/main" xmlns:r="http://schemas.openxmlformats.org/officeDocument/2006/relationships" xmlns:p="http://schemas.openxmlformats.org/presentationml/2006/main">
-  <p:cSld>
-    <p:spTree>
-      <p:nvGrpSpPr>
-        <p:cNvPr id="1" name=""/>
-        <p:cNvGrpSpPr/>
-        <p:nvPr/>
-      </p:nvGrpSpPr>
-      <p:grpSpPr>
-        <a:xfrm>
-          <a:off x="0" y="0"/>
-          <a:ext cx="0" cy="0"/>
-          <a:chOff x="0" y="0"/>
-          <a:chExt cx="0" cy="0"/>
-        </a:xfrm>
-      </p:grpSpPr>
-      <p:sp>
-        <p:nvSpPr>
-          <p:cNvPr id="2" name="Titolo 1"/>
-          <p:cNvSpPr>
-            <a:spLocks noGrp="1"/>
-          </p:cNvSpPr>
-          <p:nvPr>
-            <p:ph type="title"/>
-          </p:nvPr>
-        </p:nvSpPr>
-        <p:spPr/>
-        <p:txBody>
-          <a:bodyPr/>
-          <a:lstStyle/>
-          <a:p>
-            <a:r>
-              <a:rPr lang="it-CH" dirty="0" smtClean="0"/>
-              <a:t>Libreria </a:t>
-            </a:r>
-            <a:r>
-              <a:rPr lang="it-CH" dirty="0" err="1" smtClean="0"/>
-              <a:t>programs</a:t>
-            </a:r>
-            <a:r>
-              <a:rPr lang="it-CH" dirty="0" smtClean="0"/>
-              <a:t>.</a:t>
-            </a:r>
-            <a:endParaRPr lang="it-IT" dirty="0"/>
-          </a:p>
-        </p:txBody>
-      </p:sp>
-      <p:sp>
-        <p:nvSpPr>
-          <p:cNvPr id="3" name="Segnaposto contenuto 2"/>
-          <p:cNvSpPr>
-            <a:spLocks noGrp="1"/>
-          </p:cNvSpPr>
-          <p:nvPr>
-            <p:ph idx="1"/>
-          </p:nvPr>
-        </p:nvSpPr>
-        <p:spPr/>
-        <p:txBody>
-          <a:bodyPr/>
-          <a:lstStyle/>
-          <a:p>
-            <a:endParaRPr lang="it-IT"/>
-          </a:p>
-        </p:txBody>
-      </p:sp>
-    </p:spTree>
-    <p:extLst>
-      <p:ext uri="{BB962C8B-B14F-4D97-AF65-F5344CB8AC3E}">
-        <p14:creationId xmlns:p14="http://schemas.microsoft.com/office/powerpoint/2010/main" val="3341934481"/>
-      </p:ext>
-    </p:extLst>
-  </p:cSld>
-  <p:clrMapOvr>
-    <a:masterClrMapping/>
-  </p:clrMapOvr>
-</p:sld>
-</file>
-
-<file path=ppt/slides/slide13.xml><?xml version="1.0" encoding="utf-8"?>
-<p:sld xmlns:a="http://schemas.openxmlformats.org/drawingml/2006/main" xmlns:r="http://schemas.openxmlformats.org/officeDocument/2006/relationships" xmlns:p="http://schemas.openxmlformats.org/presentationml/2006/main">
-  <p:cSld>
-    <p:spTree>
-      <p:nvGrpSpPr>
-        <p:cNvPr id="1" name=""/>
-        <p:cNvGrpSpPr/>
-        <p:nvPr/>
-      </p:nvGrpSpPr>
-      <p:grpSpPr>
-        <a:xfrm>
-          <a:off x="0" y="0"/>
-          <a:ext cx="0" cy="0"/>
-          <a:chOff x="0" y="0"/>
-          <a:chExt cx="0" cy="0"/>
-        </a:xfrm>
-      </p:grpSpPr>
-      <p:sp>
-        <p:nvSpPr>
-          <p:cNvPr id="2" name="Titolo 1"/>
-          <p:cNvSpPr>
-            <a:spLocks noGrp="1"/>
-          </p:cNvSpPr>
-          <p:nvPr>
-            <p:ph type="title"/>
-          </p:nvPr>
-        </p:nvSpPr>
-        <p:spPr/>
-        <p:txBody>
-          <a:bodyPr/>
-          <a:lstStyle/>
-          <a:p>
-            <a:r>
-              <a:rPr lang="it-CH" dirty="0" smtClean="0"/>
-              <a:t>Test.</a:t>
+              <a:t>Librerie utilizzate.</a:t>
             </a:r>
             <a:endParaRPr lang="it-IT" dirty="0"/>
           </a:p>
@@ -4268,19 +4135,32 @@
           <a:p>
             <a:pPr lvl="7"/>
             <a:r>
-              <a:rPr lang="it-CH" sz="3200" dirty="0" smtClean="0"/>
-              <a:t>Test modalità</a:t>
-            </a:r>
+              <a:rPr lang="it-CH" sz="3200" dirty="0" err="1" smtClean="0"/>
+              <a:t>Wire</a:t>
+            </a:r>
+            <a:endParaRPr lang="it-CH" sz="3200" dirty="0" smtClean="0"/>
           </a:p>
           <a:p>
             <a:pPr lvl="7"/>
             <a:r>
-              <a:rPr lang="it-CH" sz="3200" dirty="0" smtClean="0"/>
-              <a:t>Test procedura di </a:t>
-            </a:r>
-            <a:r>
               <a:rPr lang="it-CH" sz="3200" dirty="0" err="1" smtClean="0"/>
-              <a:t>check</a:t>
+              <a:t>LiquidCrystal</a:t>
+            </a:r>
+            <a:endParaRPr lang="it-CH" sz="3200" dirty="0" smtClean="0"/>
+          </a:p>
+          <a:p>
+            <a:pPr lvl="7"/>
+            <a:r>
+              <a:rPr lang="it-CH" sz="3200" dirty="0" err="1" smtClean="0"/>
+              <a:t>AdaFruit</a:t>
+            </a:r>
+            <a:endParaRPr lang="it-CH" sz="3200" dirty="0" smtClean="0"/>
+          </a:p>
+          <a:p>
+            <a:pPr lvl="7"/>
+            <a:r>
+              <a:rPr lang="it-CH" sz="3200" dirty="0" err="1" smtClean="0"/>
+              <a:t>SevenSeg</a:t>
             </a:r>
             <a:r>
               <a:rPr lang="it-CH" sz="3200" dirty="0" smtClean="0"/>
@@ -4292,7 +4172,192 @@
     </p:spTree>
     <p:extLst>
       <p:ext uri="{BB962C8B-B14F-4D97-AF65-F5344CB8AC3E}">
-        <p14:creationId xmlns:p14="http://schemas.microsoft.com/office/powerpoint/2010/main" val="238423913"/>
+        <p14:creationId xmlns:p14="http://schemas.microsoft.com/office/powerpoint/2010/main" val="2216714233"/>
+      </p:ext>
+    </p:extLst>
+  </p:cSld>
+  <p:clrMapOvr>
+    <a:masterClrMapping/>
+  </p:clrMapOvr>
+</p:sld>
+</file>
+
+<file path=ppt/slides/slide12.xml><?xml version="1.0" encoding="utf-8"?>
+<p:sld xmlns:a="http://schemas.openxmlformats.org/drawingml/2006/main" xmlns:r="http://schemas.openxmlformats.org/officeDocument/2006/relationships" xmlns:p="http://schemas.openxmlformats.org/presentationml/2006/main">
+  <p:cSld>
+    <p:spTree>
+      <p:nvGrpSpPr>
+        <p:cNvPr id="1" name=""/>
+        <p:cNvGrpSpPr/>
+        <p:nvPr/>
+      </p:nvGrpSpPr>
+      <p:grpSpPr>
+        <a:xfrm>
+          <a:off x="0" y="0"/>
+          <a:ext cx="0" cy="0"/>
+          <a:chOff x="0" y="0"/>
+          <a:chExt cx="0" cy="0"/>
+        </a:xfrm>
+      </p:grpSpPr>
+      <p:sp>
+        <p:nvSpPr>
+          <p:cNvPr id="2" name="Titolo 1"/>
+          <p:cNvSpPr>
+            <a:spLocks noGrp="1"/>
+          </p:cNvSpPr>
+          <p:nvPr>
+            <p:ph type="title"/>
+          </p:nvPr>
+        </p:nvSpPr>
+        <p:spPr/>
+        <p:txBody>
+          <a:bodyPr/>
+          <a:lstStyle/>
+          <a:p>
+            <a:r>
+              <a:rPr lang="it-CH" dirty="0" smtClean="0"/>
+              <a:t>File </a:t>
+            </a:r>
+            <a:r>
+              <a:rPr lang="it-CH" dirty="0" err="1" smtClean="0"/>
+              <a:t>b_functions</a:t>
+            </a:r>
+            <a:r>
+              <a:rPr lang="it-CH" dirty="0" smtClean="0"/>
+              <a:t>.</a:t>
+            </a:r>
+            <a:endParaRPr lang="it-IT" dirty="0"/>
+          </a:p>
+        </p:txBody>
+      </p:sp>
+      <p:pic>
+        <p:nvPicPr>
+          <p:cNvPr id="4" name="Segnaposto contenuto 3"/>
+          <p:cNvPicPr>
+            <a:picLocks noGrp="1" noChangeAspect="1"/>
+          </p:cNvPicPr>
+          <p:nvPr>
+            <p:ph idx="1"/>
+          </p:nvPr>
+        </p:nvPicPr>
+        <p:blipFill rotWithShape="1">
+          <a:blip r:embed="rId2">
+            <a:extLst>
+              <a:ext uri="{28A0092B-C50C-407E-A947-70E740481C1C}">
+                <a14:useLocalDpi xmlns:a14="http://schemas.microsoft.com/office/drawing/2010/main" val="0"/>
+              </a:ext>
+            </a:extLst>
+          </a:blip>
+          <a:srcRect l="2601" t="4139" r="11408" b="17157"/>
+          <a:stretch/>
+        </p:blipFill>
+        <p:spPr>
+          <a:xfrm>
+            <a:off x="3447288" y="2229901"/>
+            <a:ext cx="5297424" cy="3322321"/>
+          </a:xfrm>
+        </p:spPr>
+      </p:pic>
+    </p:spTree>
+    <p:extLst>
+      <p:ext uri="{BB962C8B-B14F-4D97-AF65-F5344CB8AC3E}">
+        <p14:creationId xmlns:p14="http://schemas.microsoft.com/office/powerpoint/2010/main" val="2625428675"/>
+      </p:ext>
+    </p:extLst>
+  </p:cSld>
+  <p:clrMapOvr>
+    <a:masterClrMapping/>
+  </p:clrMapOvr>
+  <p:timing>
+    <p:tnLst>
+      <p:par>
+        <p:cTn id="1" dur="indefinite" restart="never" nodeType="tmRoot"/>
+      </p:par>
+    </p:tnLst>
+  </p:timing>
+</p:sld>
+</file>
+
+<file path=ppt/slides/slide13.xml><?xml version="1.0" encoding="utf-8"?>
+<p:sld xmlns:a="http://schemas.openxmlformats.org/drawingml/2006/main" xmlns:r="http://schemas.openxmlformats.org/officeDocument/2006/relationships" xmlns:p="http://schemas.openxmlformats.org/presentationml/2006/main">
+  <p:cSld>
+    <p:spTree>
+      <p:nvGrpSpPr>
+        <p:cNvPr id="1" name=""/>
+        <p:cNvGrpSpPr/>
+        <p:nvPr/>
+      </p:nvGrpSpPr>
+      <p:grpSpPr>
+        <a:xfrm>
+          <a:off x="0" y="0"/>
+          <a:ext cx="0" cy="0"/>
+          <a:chOff x="0" y="0"/>
+          <a:chExt cx="0" cy="0"/>
+        </a:xfrm>
+      </p:grpSpPr>
+      <p:sp>
+        <p:nvSpPr>
+          <p:cNvPr id="2" name="Titolo 1"/>
+          <p:cNvSpPr>
+            <a:spLocks noGrp="1"/>
+          </p:cNvSpPr>
+          <p:nvPr>
+            <p:ph type="title"/>
+          </p:nvPr>
+        </p:nvSpPr>
+        <p:spPr/>
+        <p:txBody>
+          <a:bodyPr/>
+          <a:lstStyle/>
+          <a:p>
+            <a:r>
+              <a:rPr lang="it-CH" dirty="0" smtClean="0"/>
+              <a:t>File </a:t>
+            </a:r>
+            <a:r>
+              <a:rPr lang="it-CH" dirty="0" err="1" smtClean="0"/>
+              <a:t>d_programs</a:t>
+            </a:r>
+            <a:r>
+              <a:rPr lang="it-CH" dirty="0" smtClean="0"/>
+              <a:t>.</a:t>
+            </a:r>
+            <a:endParaRPr lang="it-IT" dirty="0"/>
+          </a:p>
+        </p:txBody>
+      </p:sp>
+      <p:pic>
+        <p:nvPicPr>
+          <p:cNvPr id="4" name="Segnaposto contenuto 3"/>
+          <p:cNvPicPr>
+            <a:picLocks noGrp="1" noChangeAspect="1"/>
+          </p:cNvPicPr>
+          <p:nvPr>
+            <p:ph idx="1"/>
+          </p:nvPr>
+        </p:nvPicPr>
+        <p:blipFill rotWithShape="1">
+          <a:blip r:embed="rId2">
+            <a:extLst>
+              <a:ext uri="{28A0092B-C50C-407E-A947-70E740481C1C}">
+                <a14:useLocalDpi xmlns:a14="http://schemas.microsoft.com/office/drawing/2010/main" val="0"/>
+              </a:ext>
+            </a:extLst>
+          </a:blip>
+          <a:srcRect l="2175" t="3668" r="9803" b="14919"/>
+          <a:stretch/>
+        </p:blipFill>
+        <p:spPr>
+          <a:xfrm>
+            <a:off x="2864604" y="2072640"/>
+            <a:ext cx="6462792" cy="3931920"/>
+          </a:xfrm>
+        </p:spPr>
+      </p:pic>
+    </p:spTree>
+    <p:extLst>
+      <p:ext uri="{BB962C8B-B14F-4D97-AF65-F5344CB8AC3E}">
+        <p14:creationId xmlns:p14="http://schemas.microsoft.com/office/powerpoint/2010/main" val="3341934481"/>
       </p:ext>
     </p:extLst>
   </p:cSld>
@@ -4343,63 +4408,52 @@
           <a:p>
             <a:r>
               <a:rPr lang="it-CH" dirty="0" smtClean="0"/>
-              <a:t>Limitazioni.</a:t>
+              <a:t>File </a:t>
+            </a:r>
+            <a:r>
+              <a:rPr lang="it-CH" dirty="0" err="1" smtClean="0"/>
+              <a:t>z_main</a:t>
+            </a:r>
+            <a:r>
+              <a:rPr lang="it-CH" dirty="0" smtClean="0"/>
+              <a:t>.</a:t>
             </a:r>
             <a:endParaRPr lang="it-IT" dirty="0"/>
           </a:p>
         </p:txBody>
       </p:sp>
-      <p:sp>
-        <p:nvSpPr>
-          <p:cNvPr id="4" name="Segnaposto contenuto 2"/>
-          <p:cNvSpPr>
-            <a:spLocks noGrp="1"/>
-          </p:cNvSpPr>
+      <p:pic>
+        <p:nvPicPr>
+          <p:cNvPr id="4" name="Segnaposto contenuto 3"/>
+          <p:cNvPicPr>
+            <a:picLocks noGrp="1" noChangeAspect="1"/>
+          </p:cNvPicPr>
           <p:nvPr>
             <p:ph idx="1"/>
           </p:nvPr>
-        </p:nvSpPr>
+        </p:nvPicPr>
+        <p:blipFill rotWithShape="1">
+          <a:blip r:embed="rId2">
+            <a:extLst>
+              <a:ext uri="{28A0092B-C50C-407E-A947-70E740481C1C}">
+                <a14:useLocalDpi xmlns:a14="http://schemas.microsoft.com/office/drawing/2010/main" val="0"/>
+              </a:ext>
+            </a:extLst>
+          </a:blip>
+          <a:srcRect l="6424" t="7235" r="25625" b="31400"/>
+          <a:stretch/>
+        </p:blipFill>
         <p:spPr>
           <a:xfrm>
-            <a:off x="838200" y="1925053"/>
-            <a:ext cx="10515600" cy="4932947"/>
+            <a:off x="4897119" y="2702560"/>
+            <a:ext cx="2397761" cy="1808480"/>
           </a:xfrm>
         </p:spPr>
-        <p:txBody>
-          <a:bodyPr>
-            <a:normAutofit/>
-          </a:bodyPr>
-          <a:lstStyle/>
-          <a:p>
-            <a:endParaRPr lang="it-CH" sz="3200" dirty="0" smtClean="0"/>
-          </a:p>
-          <a:p>
-            <a:endParaRPr lang="it-CH" sz="3200" dirty="0"/>
-          </a:p>
-          <a:p>
-            <a:pPr lvl="7"/>
-            <a:r>
-              <a:rPr lang="it-CH" sz="3200" dirty="0" smtClean="0"/>
-              <a:t>Programma n° 5</a:t>
-            </a:r>
-          </a:p>
-          <a:p>
-            <a:pPr lvl="7"/>
-            <a:r>
-              <a:rPr lang="it-CH" sz="3200" dirty="0" smtClean="0"/>
-              <a:t>LED</a:t>
-            </a:r>
-          </a:p>
-          <a:p>
-            <a:pPr lvl="7"/>
-            <a:endParaRPr lang="it-IT" sz="3200" dirty="0"/>
-          </a:p>
-        </p:txBody>
-      </p:sp>
+      </p:pic>
     </p:spTree>
     <p:extLst>
       <p:ext uri="{BB962C8B-B14F-4D97-AF65-F5344CB8AC3E}">
-        <p14:creationId xmlns:p14="http://schemas.microsoft.com/office/powerpoint/2010/main" val="3968864345"/>
+        <p14:creationId xmlns:p14="http://schemas.microsoft.com/office/powerpoint/2010/main" val="1852533655"/>
       </p:ext>
     </p:extLst>
   </p:cSld>
@@ -4450,6 +4504,388 @@
           <a:p>
             <a:r>
               <a:rPr lang="it-CH" dirty="0" smtClean="0"/>
+              <a:t>Test.</a:t>
+            </a:r>
+            <a:endParaRPr lang="it-IT" dirty="0"/>
+          </a:p>
+        </p:txBody>
+      </p:sp>
+      <p:sp>
+        <p:nvSpPr>
+          <p:cNvPr id="5" name="Segnaposto contenuto 2"/>
+          <p:cNvSpPr txBox="1">
+            <a:spLocks/>
+          </p:cNvSpPr>
+          <p:nvPr/>
+        </p:nvSpPr>
+        <p:spPr>
+          <a:xfrm>
+            <a:off x="838200" y="1925053"/>
+            <a:ext cx="10515600" cy="4932947"/>
+          </a:xfrm>
+          <a:prstGeom prst="rect">
+            <a:avLst/>
+          </a:prstGeom>
+        </p:spPr>
+        <p:txBody>
+          <a:bodyPr vert="horz" lIns="91440" tIns="45720" rIns="91440" bIns="45720" rtlCol="0">
+            <a:normAutofit/>
+          </a:bodyPr>
+          <a:lstStyle>
+            <a:lvl1pPr marL="228600" indent="-228600" algn="l" defTabSz="914400" rtl="0" eaLnBrk="1" latinLnBrk="0" hangingPunct="1">
+              <a:lnSpc>
+                <a:spcPct val="90000"/>
+              </a:lnSpc>
+              <a:spcBef>
+                <a:spcPts val="1000"/>
+              </a:spcBef>
+              <a:buFont typeface="Arial" panose="020B0604020202020204" pitchFamily="34" charset="0"/>
+              <a:buChar char="•"/>
+              <a:defRPr sz="2800" kern="1200">
+                <a:solidFill>
+                  <a:schemeClr val="tx1"/>
+                </a:solidFill>
+                <a:latin typeface="+mn-lt"/>
+                <a:ea typeface="+mn-ea"/>
+                <a:cs typeface="+mn-cs"/>
+              </a:defRPr>
+            </a:lvl1pPr>
+            <a:lvl2pPr marL="685800" indent="-228600" algn="l" defTabSz="914400" rtl="0" eaLnBrk="1" latinLnBrk="0" hangingPunct="1">
+              <a:lnSpc>
+                <a:spcPct val="90000"/>
+              </a:lnSpc>
+              <a:spcBef>
+                <a:spcPts val="500"/>
+              </a:spcBef>
+              <a:buFont typeface="Arial" panose="020B0604020202020204" pitchFamily="34" charset="0"/>
+              <a:buChar char="•"/>
+              <a:defRPr sz="2400" kern="1200">
+                <a:solidFill>
+                  <a:schemeClr val="tx1"/>
+                </a:solidFill>
+                <a:latin typeface="+mn-lt"/>
+                <a:ea typeface="+mn-ea"/>
+                <a:cs typeface="+mn-cs"/>
+              </a:defRPr>
+            </a:lvl2pPr>
+            <a:lvl3pPr marL="1143000" indent="-228600" algn="l" defTabSz="914400" rtl="0" eaLnBrk="1" latinLnBrk="0" hangingPunct="1">
+              <a:lnSpc>
+                <a:spcPct val="90000"/>
+              </a:lnSpc>
+              <a:spcBef>
+                <a:spcPts val="500"/>
+              </a:spcBef>
+              <a:buFont typeface="Arial" panose="020B0604020202020204" pitchFamily="34" charset="0"/>
+              <a:buChar char="•"/>
+              <a:defRPr sz="2000" kern="1200">
+                <a:solidFill>
+                  <a:schemeClr val="tx1"/>
+                </a:solidFill>
+                <a:latin typeface="+mn-lt"/>
+                <a:ea typeface="+mn-ea"/>
+                <a:cs typeface="+mn-cs"/>
+              </a:defRPr>
+            </a:lvl3pPr>
+            <a:lvl4pPr marL="1600200" indent="-228600" algn="l" defTabSz="914400" rtl="0" eaLnBrk="1" latinLnBrk="0" hangingPunct="1">
+              <a:lnSpc>
+                <a:spcPct val="90000"/>
+              </a:lnSpc>
+              <a:spcBef>
+                <a:spcPts val="500"/>
+              </a:spcBef>
+              <a:buFont typeface="Arial" panose="020B0604020202020204" pitchFamily="34" charset="0"/>
+              <a:buChar char="•"/>
+              <a:defRPr sz="1800" kern="1200">
+                <a:solidFill>
+                  <a:schemeClr val="tx1"/>
+                </a:solidFill>
+                <a:latin typeface="+mn-lt"/>
+                <a:ea typeface="+mn-ea"/>
+                <a:cs typeface="+mn-cs"/>
+              </a:defRPr>
+            </a:lvl4pPr>
+            <a:lvl5pPr marL="2057400" indent="-228600" algn="l" defTabSz="914400" rtl="0" eaLnBrk="1" latinLnBrk="0" hangingPunct="1">
+              <a:lnSpc>
+                <a:spcPct val="90000"/>
+              </a:lnSpc>
+              <a:spcBef>
+                <a:spcPts val="500"/>
+              </a:spcBef>
+              <a:buFont typeface="Arial" panose="020B0604020202020204" pitchFamily="34" charset="0"/>
+              <a:buChar char="•"/>
+              <a:defRPr sz="1800" kern="1200">
+                <a:solidFill>
+                  <a:schemeClr val="tx1"/>
+                </a:solidFill>
+                <a:latin typeface="+mn-lt"/>
+                <a:ea typeface="+mn-ea"/>
+                <a:cs typeface="+mn-cs"/>
+              </a:defRPr>
+            </a:lvl5pPr>
+            <a:lvl6pPr marL="2514600" indent="-228600" algn="l" defTabSz="914400" rtl="0" eaLnBrk="1" latinLnBrk="0" hangingPunct="1">
+              <a:lnSpc>
+                <a:spcPct val="90000"/>
+              </a:lnSpc>
+              <a:spcBef>
+                <a:spcPts val="500"/>
+              </a:spcBef>
+              <a:buFont typeface="Arial" panose="020B0604020202020204" pitchFamily="34" charset="0"/>
+              <a:buChar char="•"/>
+              <a:defRPr sz="1800" kern="1200">
+                <a:solidFill>
+                  <a:schemeClr val="tx1"/>
+                </a:solidFill>
+                <a:latin typeface="+mn-lt"/>
+                <a:ea typeface="+mn-ea"/>
+                <a:cs typeface="+mn-cs"/>
+              </a:defRPr>
+            </a:lvl6pPr>
+            <a:lvl7pPr marL="2971800" indent="-228600" algn="l" defTabSz="914400" rtl="0" eaLnBrk="1" latinLnBrk="0" hangingPunct="1">
+              <a:lnSpc>
+                <a:spcPct val="90000"/>
+              </a:lnSpc>
+              <a:spcBef>
+                <a:spcPts val="500"/>
+              </a:spcBef>
+              <a:buFont typeface="Arial" panose="020B0604020202020204" pitchFamily="34" charset="0"/>
+              <a:buChar char="•"/>
+              <a:defRPr sz="1800" kern="1200">
+                <a:solidFill>
+                  <a:schemeClr val="tx1"/>
+                </a:solidFill>
+                <a:latin typeface="+mn-lt"/>
+                <a:ea typeface="+mn-ea"/>
+                <a:cs typeface="+mn-cs"/>
+              </a:defRPr>
+            </a:lvl7pPr>
+            <a:lvl8pPr marL="3429000" indent="-228600" algn="l" defTabSz="914400" rtl="0" eaLnBrk="1" latinLnBrk="0" hangingPunct="1">
+              <a:lnSpc>
+                <a:spcPct val="90000"/>
+              </a:lnSpc>
+              <a:spcBef>
+                <a:spcPts val="500"/>
+              </a:spcBef>
+              <a:buFont typeface="Arial" panose="020B0604020202020204" pitchFamily="34" charset="0"/>
+              <a:buChar char="•"/>
+              <a:defRPr sz="1800" kern="1200">
+                <a:solidFill>
+                  <a:schemeClr val="tx1"/>
+                </a:solidFill>
+                <a:latin typeface="+mn-lt"/>
+                <a:ea typeface="+mn-ea"/>
+                <a:cs typeface="+mn-cs"/>
+              </a:defRPr>
+            </a:lvl8pPr>
+            <a:lvl9pPr marL="3886200" indent="-228600" algn="l" defTabSz="914400" rtl="0" eaLnBrk="1" latinLnBrk="0" hangingPunct="1">
+              <a:lnSpc>
+                <a:spcPct val="90000"/>
+              </a:lnSpc>
+              <a:spcBef>
+                <a:spcPts val="500"/>
+              </a:spcBef>
+              <a:buFont typeface="Arial" panose="020B0604020202020204" pitchFamily="34" charset="0"/>
+              <a:buChar char="•"/>
+              <a:defRPr sz="1800" kern="1200">
+                <a:solidFill>
+                  <a:schemeClr val="tx1"/>
+                </a:solidFill>
+                <a:latin typeface="+mn-lt"/>
+                <a:ea typeface="+mn-ea"/>
+                <a:cs typeface="+mn-cs"/>
+              </a:defRPr>
+            </a:lvl9pPr>
+          </a:lstStyle>
+          <a:p>
+            <a:endParaRPr lang="it-CH" sz="3200" dirty="0" smtClean="0"/>
+          </a:p>
+          <a:p>
+            <a:endParaRPr lang="it-CH" sz="3200" dirty="0" smtClean="0"/>
+          </a:p>
+          <a:p>
+            <a:pPr lvl="7"/>
+            <a:r>
+              <a:rPr lang="it-CH" sz="3200" dirty="0" smtClean="0"/>
+              <a:t>Test modalità</a:t>
+            </a:r>
+          </a:p>
+          <a:p>
+            <a:pPr lvl="7"/>
+            <a:r>
+              <a:rPr lang="it-CH" sz="3200" dirty="0" smtClean="0"/>
+              <a:t>Test procedura di </a:t>
+            </a:r>
+            <a:r>
+              <a:rPr lang="it-CH" sz="3200" dirty="0" err="1" smtClean="0"/>
+              <a:t>check</a:t>
+            </a:r>
+            <a:r>
+              <a:rPr lang="it-CH" sz="3200" dirty="0" smtClean="0"/>
+              <a:t>	</a:t>
+            </a:r>
+          </a:p>
+        </p:txBody>
+      </p:sp>
+    </p:spTree>
+    <p:extLst>
+      <p:ext uri="{BB962C8B-B14F-4D97-AF65-F5344CB8AC3E}">
+        <p14:creationId xmlns:p14="http://schemas.microsoft.com/office/powerpoint/2010/main" val="238423913"/>
+      </p:ext>
+    </p:extLst>
+  </p:cSld>
+  <p:clrMapOvr>
+    <a:masterClrMapping/>
+  </p:clrMapOvr>
+  <p:timing>
+    <p:tnLst>
+      <p:par>
+        <p:cTn id="1" dur="indefinite" restart="never" nodeType="tmRoot"/>
+      </p:par>
+    </p:tnLst>
+  </p:timing>
+</p:sld>
+</file>
+
+<file path=ppt/slides/slide16.xml><?xml version="1.0" encoding="utf-8"?>
+<p:sld xmlns:a="http://schemas.openxmlformats.org/drawingml/2006/main" xmlns:r="http://schemas.openxmlformats.org/officeDocument/2006/relationships" xmlns:p="http://schemas.openxmlformats.org/presentationml/2006/main">
+  <p:cSld>
+    <p:spTree>
+      <p:nvGrpSpPr>
+        <p:cNvPr id="1" name=""/>
+        <p:cNvGrpSpPr/>
+        <p:nvPr/>
+      </p:nvGrpSpPr>
+      <p:grpSpPr>
+        <a:xfrm>
+          <a:off x="0" y="0"/>
+          <a:ext cx="0" cy="0"/>
+          <a:chOff x="0" y="0"/>
+          <a:chExt cx="0" cy="0"/>
+        </a:xfrm>
+      </p:grpSpPr>
+      <p:sp>
+        <p:nvSpPr>
+          <p:cNvPr id="2" name="Titolo 1"/>
+          <p:cNvSpPr>
+            <a:spLocks noGrp="1"/>
+          </p:cNvSpPr>
+          <p:nvPr>
+            <p:ph type="title"/>
+          </p:nvPr>
+        </p:nvSpPr>
+        <p:spPr/>
+        <p:txBody>
+          <a:bodyPr/>
+          <a:lstStyle/>
+          <a:p>
+            <a:r>
+              <a:rPr lang="it-CH" dirty="0" smtClean="0"/>
+              <a:t>Limitazioni.</a:t>
+            </a:r>
+            <a:endParaRPr lang="it-IT" dirty="0"/>
+          </a:p>
+        </p:txBody>
+      </p:sp>
+      <p:sp>
+        <p:nvSpPr>
+          <p:cNvPr id="4" name="Segnaposto contenuto 2"/>
+          <p:cNvSpPr>
+            <a:spLocks noGrp="1"/>
+          </p:cNvSpPr>
+          <p:nvPr>
+            <p:ph idx="1"/>
+          </p:nvPr>
+        </p:nvSpPr>
+        <p:spPr>
+          <a:xfrm>
+            <a:off x="838200" y="1925053"/>
+            <a:ext cx="10515600" cy="4932947"/>
+          </a:xfrm>
+        </p:spPr>
+        <p:txBody>
+          <a:bodyPr>
+            <a:normAutofit/>
+          </a:bodyPr>
+          <a:lstStyle/>
+          <a:p>
+            <a:endParaRPr lang="it-CH" sz="3200" dirty="0" smtClean="0"/>
+          </a:p>
+          <a:p>
+            <a:endParaRPr lang="it-CH" sz="3200" dirty="0"/>
+          </a:p>
+          <a:p>
+            <a:pPr lvl="7"/>
+            <a:r>
+              <a:rPr lang="it-CH" sz="3200" dirty="0" smtClean="0"/>
+              <a:t>Programma n° 5</a:t>
+            </a:r>
+          </a:p>
+          <a:p>
+            <a:pPr lvl="7"/>
+            <a:r>
+              <a:rPr lang="it-CH" sz="3200" dirty="0" smtClean="0"/>
+              <a:t>LED</a:t>
+            </a:r>
+          </a:p>
+          <a:p>
+            <a:pPr lvl="7"/>
+            <a:endParaRPr lang="it-IT" sz="3200" dirty="0"/>
+          </a:p>
+        </p:txBody>
+      </p:sp>
+    </p:spTree>
+    <p:extLst>
+      <p:ext uri="{BB962C8B-B14F-4D97-AF65-F5344CB8AC3E}">
+        <p14:creationId xmlns:p14="http://schemas.microsoft.com/office/powerpoint/2010/main" val="3968864345"/>
+      </p:ext>
+    </p:extLst>
+  </p:cSld>
+  <p:clrMapOvr>
+    <a:masterClrMapping/>
+  </p:clrMapOvr>
+  <p:timing>
+    <p:tnLst>
+      <p:par>
+        <p:cTn id="1" dur="indefinite" restart="never" nodeType="tmRoot"/>
+      </p:par>
+    </p:tnLst>
+  </p:timing>
+</p:sld>
+</file>
+
+<file path=ppt/slides/slide17.xml><?xml version="1.0" encoding="utf-8"?>
+<p:sld xmlns:a="http://schemas.openxmlformats.org/drawingml/2006/main" xmlns:r="http://schemas.openxmlformats.org/officeDocument/2006/relationships" xmlns:p="http://schemas.openxmlformats.org/presentationml/2006/main">
+  <p:cSld>
+    <p:spTree>
+      <p:nvGrpSpPr>
+        <p:cNvPr id="1" name=""/>
+        <p:cNvGrpSpPr/>
+        <p:nvPr/>
+      </p:nvGrpSpPr>
+      <p:grpSpPr>
+        <a:xfrm>
+          <a:off x="0" y="0"/>
+          <a:ext cx="0" cy="0"/>
+          <a:chOff x="0" y="0"/>
+          <a:chExt cx="0" cy="0"/>
+        </a:xfrm>
+      </p:grpSpPr>
+      <p:sp>
+        <p:nvSpPr>
+          <p:cNvPr id="2" name="Titolo 1"/>
+          <p:cNvSpPr>
+            <a:spLocks noGrp="1"/>
+          </p:cNvSpPr>
+          <p:nvPr>
+            <p:ph type="title"/>
+          </p:nvPr>
+        </p:nvSpPr>
+        <p:spPr/>
+        <p:txBody>
+          <a:bodyPr/>
+          <a:lstStyle/>
+          <a:p>
+            <a:r>
+              <a:rPr lang="it-CH" dirty="0" smtClean="0"/>
               <a:t>Sviluppi futuri.</a:t>
             </a:r>
             <a:endParaRPr lang="it-IT" dirty="0"/>
@@ -4527,7 +4963,7 @@
 </p:sld>
 </file>
 
-<file path=ppt/slides/slide16.xml><?xml version="1.0" encoding="utf-8"?>
+<file path=ppt/slides/slide18.xml><?xml version="1.0" encoding="utf-8"?>
 <p:sld xmlns:a="http://schemas.openxmlformats.org/drawingml/2006/main" xmlns:r="http://schemas.openxmlformats.org/officeDocument/2006/relationships" xmlns:p="http://schemas.openxmlformats.org/presentationml/2006/main">
   <p:cSld>
     <p:spTree>

--- a/Presentations/Presentazione.pptx
+++ b/Presentations/Presentazione.pptx
@@ -5,7 +5,7 @@
     <p:sldMasterId id="2147483648" r:id="rId1"/>
   </p:sldMasterIdLst>
   <p:notesMasterIdLst>
-    <p:notesMasterId r:id="rId20"/>
+    <p:notesMasterId r:id="rId22"/>
   </p:notesMasterIdLst>
   <p:sldIdLst>
     <p:sldId id="256" r:id="rId2"/>
@@ -14,18 +14,20 @@
     <p:sldId id="260" r:id="rId5"/>
     <p:sldId id="261" r:id="rId6"/>
     <p:sldId id="262" r:id="rId7"/>
-    <p:sldId id="266" r:id="rId8"/>
-    <p:sldId id="263" r:id="rId9"/>
-    <p:sldId id="268" r:id="rId10"/>
-    <p:sldId id="269" r:id="rId11"/>
-    <p:sldId id="273" r:id="rId12"/>
-    <p:sldId id="270" r:id="rId13"/>
-    <p:sldId id="271" r:id="rId14"/>
-    <p:sldId id="272" r:id="rId15"/>
-    <p:sldId id="264" r:id="rId16"/>
-    <p:sldId id="267" r:id="rId17"/>
-    <p:sldId id="265" r:id="rId18"/>
-    <p:sldId id="259" r:id="rId19"/>
+    <p:sldId id="274" r:id="rId8"/>
+    <p:sldId id="275" r:id="rId9"/>
+    <p:sldId id="266" r:id="rId10"/>
+    <p:sldId id="263" r:id="rId11"/>
+    <p:sldId id="268" r:id="rId12"/>
+    <p:sldId id="269" r:id="rId13"/>
+    <p:sldId id="273" r:id="rId14"/>
+    <p:sldId id="270" r:id="rId15"/>
+    <p:sldId id="271" r:id="rId16"/>
+    <p:sldId id="272" r:id="rId17"/>
+    <p:sldId id="264" r:id="rId18"/>
+    <p:sldId id="267" r:id="rId19"/>
+    <p:sldId id="265" r:id="rId20"/>
+    <p:sldId id="259" r:id="rId21"/>
   </p:sldIdLst>
   <p:sldSz cx="12192000" cy="6858000"/>
   <p:notesSz cx="6858000" cy="9144000"/>
@@ -616,7 +618,7 @@
           <a:p>
             <a:r>
               <a:rPr lang="it-CH" dirty="0" smtClean="0"/>
-              <a:t>Bryan</a:t>
+              <a:t>Gantt</a:t>
             </a:r>
             <a:endParaRPr lang="it-IT" dirty="0"/>
           </a:p>
@@ -639,7 +641,7 @@
           <a:p>
             <a:fld id="{EC946105-561A-4569-8BDB-2855F3E534B9}" type="slidenum">
               <a:rPr lang="it-IT" smtClean="0"/>
-              <a:t>16</a:t>
+              <a:t>6</a:t>
             </a:fld>
             <a:endParaRPr lang="it-IT"/>
           </a:p>
@@ -648,7 +650,7 @@
     </p:spTree>
     <p:extLst>
       <p:ext uri="{BB962C8B-B14F-4D97-AF65-F5344CB8AC3E}">
-        <p14:creationId xmlns:p14="http://schemas.microsoft.com/office/powerpoint/2010/main" val="1292419470"/>
+        <p14:creationId xmlns:p14="http://schemas.microsoft.com/office/powerpoint/2010/main" val="998510485"/>
       </p:ext>
     </p:extLst>
   </p:cSld>
@@ -704,7 +706,7 @@
           <a:p>
             <a:r>
               <a:rPr lang="it-CH" dirty="0" smtClean="0"/>
-              <a:t>Bryan</a:t>
+              <a:t>Gantt</a:t>
             </a:r>
             <a:endParaRPr lang="it-IT" dirty="0"/>
           </a:p>
@@ -727,7 +729,7 @@
           <a:p>
             <a:fld id="{EC946105-561A-4569-8BDB-2855F3E534B9}" type="slidenum">
               <a:rPr lang="it-IT" smtClean="0"/>
-              <a:t>17</a:t>
+              <a:t>7</a:t>
             </a:fld>
             <a:endParaRPr lang="it-IT"/>
           </a:p>
@@ -736,7 +738,7 @@
     </p:spTree>
     <p:extLst>
       <p:ext uri="{BB962C8B-B14F-4D97-AF65-F5344CB8AC3E}">
-        <p14:creationId xmlns:p14="http://schemas.microsoft.com/office/powerpoint/2010/main" val="3140615833"/>
+        <p14:creationId xmlns:p14="http://schemas.microsoft.com/office/powerpoint/2010/main" val="3672256504"/>
       </p:ext>
     </p:extLst>
   </p:cSld>
@@ -792,6 +794,94 @@
           <a:p>
             <a:r>
               <a:rPr lang="it-CH" dirty="0" smtClean="0"/>
+              <a:t>Gantt</a:t>
+            </a:r>
+            <a:endParaRPr lang="it-IT" dirty="0"/>
+          </a:p>
+        </p:txBody>
+      </p:sp>
+      <p:sp>
+        <p:nvSpPr>
+          <p:cNvPr id="4" name="Segnaposto numero diapositiva 3"/>
+          <p:cNvSpPr>
+            <a:spLocks noGrp="1"/>
+          </p:cNvSpPr>
+          <p:nvPr>
+            <p:ph type="sldNum" sz="quarter" idx="10"/>
+          </p:nvPr>
+        </p:nvSpPr>
+        <p:spPr/>
+        <p:txBody>
+          <a:bodyPr/>
+          <a:lstStyle/>
+          <a:p>
+            <a:fld id="{EC946105-561A-4569-8BDB-2855F3E534B9}" type="slidenum">
+              <a:rPr lang="it-IT" smtClean="0"/>
+              <a:t>8</a:t>
+            </a:fld>
+            <a:endParaRPr lang="it-IT"/>
+          </a:p>
+        </p:txBody>
+      </p:sp>
+    </p:spTree>
+    <p:extLst>
+      <p:ext uri="{BB962C8B-B14F-4D97-AF65-F5344CB8AC3E}">
+        <p14:creationId xmlns:p14="http://schemas.microsoft.com/office/powerpoint/2010/main" val="205169920"/>
+      </p:ext>
+    </p:extLst>
+  </p:cSld>
+  <p:clrMapOvr>
+    <a:masterClrMapping/>
+  </p:clrMapOvr>
+</p:notes>
+</file>
+
+<file path=ppt/notesSlides/notesSlide5.xml><?xml version="1.0" encoding="utf-8"?>
+<p:notes xmlns:a="http://schemas.openxmlformats.org/drawingml/2006/main" xmlns:r="http://schemas.openxmlformats.org/officeDocument/2006/relationships" xmlns:p="http://schemas.openxmlformats.org/presentationml/2006/main">
+  <p:cSld>
+    <p:spTree>
+      <p:nvGrpSpPr>
+        <p:cNvPr id="1" name=""/>
+        <p:cNvGrpSpPr/>
+        <p:nvPr/>
+      </p:nvGrpSpPr>
+      <p:grpSpPr>
+        <a:xfrm>
+          <a:off x="0" y="0"/>
+          <a:ext cx="0" cy="0"/>
+          <a:chOff x="0" y="0"/>
+          <a:chExt cx="0" cy="0"/>
+        </a:xfrm>
+      </p:grpSpPr>
+      <p:sp>
+        <p:nvSpPr>
+          <p:cNvPr id="2" name="Segnaposto immagine diapositiva 1"/>
+          <p:cNvSpPr>
+            <a:spLocks noGrp="1" noRot="1" noChangeAspect="1"/>
+          </p:cNvSpPr>
+          <p:nvPr>
+            <p:ph type="sldImg"/>
+          </p:nvPr>
+        </p:nvSpPr>
+        <p:spPr/>
+      </p:sp>
+      <p:sp>
+        <p:nvSpPr>
+          <p:cNvPr id="3" name="Segnaposto note 2"/>
+          <p:cNvSpPr>
+            <a:spLocks noGrp="1"/>
+          </p:cNvSpPr>
+          <p:nvPr>
+            <p:ph type="body" idx="1"/>
+          </p:nvPr>
+        </p:nvSpPr>
+        <p:spPr/>
+        <p:txBody>
+          <a:bodyPr/>
+          <a:lstStyle/>
+          <a:p>
+            <a:r>
+              <a:rPr lang="it-CH" dirty="0" smtClean="0"/>
               <a:t>Bryan</a:t>
             </a:r>
             <a:endParaRPr lang="it-IT" dirty="0"/>
@@ -816,6 +906,182 @@
             <a:fld id="{EC946105-561A-4569-8BDB-2855F3E534B9}" type="slidenum">
               <a:rPr lang="it-IT" smtClean="0"/>
               <a:t>18</a:t>
+            </a:fld>
+            <a:endParaRPr lang="it-IT"/>
+          </a:p>
+        </p:txBody>
+      </p:sp>
+    </p:spTree>
+    <p:extLst>
+      <p:ext uri="{BB962C8B-B14F-4D97-AF65-F5344CB8AC3E}">
+        <p14:creationId xmlns:p14="http://schemas.microsoft.com/office/powerpoint/2010/main" val="1292419470"/>
+      </p:ext>
+    </p:extLst>
+  </p:cSld>
+  <p:clrMapOvr>
+    <a:masterClrMapping/>
+  </p:clrMapOvr>
+</p:notes>
+</file>
+
+<file path=ppt/notesSlides/notesSlide6.xml><?xml version="1.0" encoding="utf-8"?>
+<p:notes xmlns:a="http://schemas.openxmlformats.org/drawingml/2006/main" xmlns:r="http://schemas.openxmlformats.org/officeDocument/2006/relationships" xmlns:p="http://schemas.openxmlformats.org/presentationml/2006/main">
+  <p:cSld>
+    <p:spTree>
+      <p:nvGrpSpPr>
+        <p:cNvPr id="1" name=""/>
+        <p:cNvGrpSpPr/>
+        <p:nvPr/>
+      </p:nvGrpSpPr>
+      <p:grpSpPr>
+        <a:xfrm>
+          <a:off x="0" y="0"/>
+          <a:ext cx="0" cy="0"/>
+          <a:chOff x="0" y="0"/>
+          <a:chExt cx="0" cy="0"/>
+        </a:xfrm>
+      </p:grpSpPr>
+      <p:sp>
+        <p:nvSpPr>
+          <p:cNvPr id="2" name="Segnaposto immagine diapositiva 1"/>
+          <p:cNvSpPr>
+            <a:spLocks noGrp="1" noRot="1" noChangeAspect="1"/>
+          </p:cNvSpPr>
+          <p:nvPr>
+            <p:ph type="sldImg"/>
+          </p:nvPr>
+        </p:nvSpPr>
+        <p:spPr/>
+      </p:sp>
+      <p:sp>
+        <p:nvSpPr>
+          <p:cNvPr id="3" name="Segnaposto note 2"/>
+          <p:cNvSpPr>
+            <a:spLocks noGrp="1"/>
+          </p:cNvSpPr>
+          <p:nvPr>
+            <p:ph type="body" idx="1"/>
+          </p:nvPr>
+        </p:nvSpPr>
+        <p:spPr/>
+        <p:txBody>
+          <a:bodyPr/>
+          <a:lstStyle/>
+          <a:p>
+            <a:r>
+              <a:rPr lang="it-CH" dirty="0" smtClean="0"/>
+              <a:t>Bryan</a:t>
+            </a:r>
+            <a:endParaRPr lang="it-IT" dirty="0"/>
+          </a:p>
+        </p:txBody>
+      </p:sp>
+      <p:sp>
+        <p:nvSpPr>
+          <p:cNvPr id="4" name="Segnaposto numero diapositiva 3"/>
+          <p:cNvSpPr>
+            <a:spLocks noGrp="1"/>
+          </p:cNvSpPr>
+          <p:nvPr>
+            <p:ph type="sldNum" sz="quarter" idx="10"/>
+          </p:nvPr>
+        </p:nvSpPr>
+        <p:spPr/>
+        <p:txBody>
+          <a:bodyPr/>
+          <a:lstStyle/>
+          <a:p>
+            <a:fld id="{EC946105-561A-4569-8BDB-2855F3E534B9}" type="slidenum">
+              <a:rPr lang="it-IT" smtClean="0"/>
+              <a:t>19</a:t>
+            </a:fld>
+            <a:endParaRPr lang="it-IT"/>
+          </a:p>
+        </p:txBody>
+      </p:sp>
+    </p:spTree>
+    <p:extLst>
+      <p:ext uri="{BB962C8B-B14F-4D97-AF65-F5344CB8AC3E}">
+        <p14:creationId xmlns:p14="http://schemas.microsoft.com/office/powerpoint/2010/main" val="3140615833"/>
+      </p:ext>
+    </p:extLst>
+  </p:cSld>
+  <p:clrMapOvr>
+    <a:masterClrMapping/>
+  </p:clrMapOvr>
+</p:notes>
+</file>
+
+<file path=ppt/notesSlides/notesSlide7.xml><?xml version="1.0" encoding="utf-8"?>
+<p:notes xmlns:a="http://schemas.openxmlformats.org/drawingml/2006/main" xmlns:r="http://schemas.openxmlformats.org/officeDocument/2006/relationships" xmlns:p="http://schemas.openxmlformats.org/presentationml/2006/main">
+  <p:cSld>
+    <p:spTree>
+      <p:nvGrpSpPr>
+        <p:cNvPr id="1" name=""/>
+        <p:cNvGrpSpPr/>
+        <p:nvPr/>
+      </p:nvGrpSpPr>
+      <p:grpSpPr>
+        <a:xfrm>
+          <a:off x="0" y="0"/>
+          <a:ext cx="0" cy="0"/>
+          <a:chOff x="0" y="0"/>
+          <a:chExt cx="0" cy="0"/>
+        </a:xfrm>
+      </p:grpSpPr>
+      <p:sp>
+        <p:nvSpPr>
+          <p:cNvPr id="2" name="Segnaposto immagine diapositiva 1"/>
+          <p:cNvSpPr>
+            <a:spLocks noGrp="1" noRot="1" noChangeAspect="1"/>
+          </p:cNvSpPr>
+          <p:nvPr>
+            <p:ph type="sldImg"/>
+          </p:nvPr>
+        </p:nvSpPr>
+        <p:spPr/>
+      </p:sp>
+      <p:sp>
+        <p:nvSpPr>
+          <p:cNvPr id="3" name="Segnaposto note 2"/>
+          <p:cNvSpPr>
+            <a:spLocks noGrp="1"/>
+          </p:cNvSpPr>
+          <p:nvPr>
+            <p:ph type="body" idx="1"/>
+          </p:nvPr>
+        </p:nvSpPr>
+        <p:spPr/>
+        <p:txBody>
+          <a:bodyPr/>
+          <a:lstStyle/>
+          <a:p>
+            <a:r>
+              <a:rPr lang="it-CH" dirty="0" smtClean="0"/>
+              <a:t>Bryan</a:t>
+            </a:r>
+            <a:endParaRPr lang="it-IT" dirty="0"/>
+          </a:p>
+        </p:txBody>
+      </p:sp>
+      <p:sp>
+        <p:nvSpPr>
+          <p:cNvPr id="4" name="Segnaposto numero diapositiva 3"/>
+          <p:cNvSpPr>
+            <a:spLocks noGrp="1"/>
+          </p:cNvSpPr>
+          <p:nvPr>
+            <p:ph type="sldNum" sz="quarter" idx="10"/>
+          </p:nvPr>
+        </p:nvSpPr>
+        <p:spPr/>
+        <p:txBody>
+          <a:bodyPr/>
+          <a:lstStyle/>
+          <a:p>
+            <a:fld id="{EC946105-561A-4569-8BDB-2855F3E534B9}" type="slidenum">
+              <a:rPr lang="it-IT" smtClean="0"/>
+              <a:t>20</a:t>
             </a:fld>
             <a:endParaRPr lang="it-IT"/>
           </a:p>
@@ -3838,6 +4104,161 @@
           <a:p>
             <a:r>
               <a:rPr lang="it-CH" dirty="0" smtClean="0"/>
+              <a:t>Struttura sistema.</a:t>
+            </a:r>
+            <a:endParaRPr lang="it-IT" dirty="0"/>
+          </a:p>
+        </p:txBody>
+      </p:sp>
+      <p:pic>
+        <p:nvPicPr>
+          <p:cNvPr id="4" name="Segnaposto contenuto 3"/>
+          <p:cNvPicPr>
+            <a:picLocks noGrp="1" noChangeAspect="1"/>
+          </p:cNvPicPr>
+          <p:nvPr>
+            <p:ph idx="1"/>
+          </p:nvPr>
+        </p:nvPicPr>
+        <p:blipFill>
+          <a:blip r:embed="rId2">
+            <a:extLst>
+              <a:ext uri="{28A0092B-C50C-407E-A947-70E740481C1C}">
+                <a14:useLocalDpi xmlns:a14="http://schemas.microsoft.com/office/drawing/2010/main" val="0"/>
+              </a:ext>
+            </a:extLst>
+          </a:blip>
+          <a:stretch>
+            <a:fillRect/>
+          </a:stretch>
+        </p:blipFill>
+        <p:spPr>
+          <a:xfrm>
+            <a:off x="2350008" y="2218501"/>
+            <a:ext cx="6236208" cy="3529010"/>
+          </a:xfrm>
+        </p:spPr>
+      </p:pic>
+    </p:spTree>
+    <p:extLst>
+      <p:ext uri="{BB962C8B-B14F-4D97-AF65-F5344CB8AC3E}">
+        <p14:creationId xmlns:p14="http://schemas.microsoft.com/office/powerpoint/2010/main" val="963622927"/>
+      </p:ext>
+    </p:extLst>
+  </p:cSld>
+  <p:clrMapOvr>
+    <a:masterClrMapping/>
+  </p:clrMapOvr>
+  <p:timing>
+    <p:tnLst>
+      <p:par>
+        <p:cTn id="1" dur="indefinite" restart="never" nodeType="tmRoot"/>
+      </p:par>
+    </p:tnLst>
+  </p:timing>
+</p:sld>
+</file>
+
+<file path=ppt/slides/slide11.xml><?xml version="1.0" encoding="utf-8"?>
+<p:sld xmlns:a="http://schemas.openxmlformats.org/drawingml/2006/main" xmlns:r="http://schemas.openxmlformats.org/officeDocument/2006/relationships" xmlns:p="http://schemas.openxmlformats.org/presentationml/2006/main">
+  <p:cSld>
+    <p:spTree>
+      <p:nvGrpSpPr>
+        <p:cNvPr id="1" name=""/>
+        <p:cNvGrpSpPr/>
+        <p:nvPr/>
+      </p:nvGrpSpPr>
+      <p:grpSpPr>
+        <a:xfrm>
+          <a:off x="0" y="0"/>
+          <a:ext cx="0" cy="0"/>
+          <a:chOff x="0" y="0"/>
+          <a:chExt cx="0" cy="0"/>
+        </a:xfrm>
+      </p:grpSpPr>
+      <p:pic>
+        <p:nvPicPr>
+          <p:cNvPr id="4" name="Segnaposto contenuto 3"/>
+          <p:cNvPicPr>
+            <a:picLocks noGrp="1" noChangeAspect="1"/>
+          </p:cNvPicPr>
+          <p:nvPr>
+            <p:ph idx="1"/>
+          </p:nvPr>
+        </p:nvPicPr>
+        <p:blipFill>
+          <a:blip r:embed="rId2">
+            <a:extLst>
+              <a:ext uri="{28A0092B-C50C-407E-A947-70E740481C1C}">
+                <a14:useLocalDpi xmlns:a14="http://schemas.microsoft.com/office/drawing/2010/main" val="0"/>
+              </a:ext>
+            </a:extLst>
+          </a:blip>
+          <a:stretch>
+            <a:fillRect/>
+          </a:stretch>
+        </p:blipFill>
+        <p:spPr>
+          <a:xfrm>
+            <a:off x="268150" y="365761"/>
+            <a:ext cx="10905817" cy="6350698"/>
+          </a:xfrm>
+        </p:spPr>
+      </p:pic>
+    </p:spTree>
+    <p:extLst>
+      <p:ext uri="{BB962C8B-B14F-4D97-AF65-F5344CB8AC3E}">
+        <p14:creationId xmlns:p14="http://schemas.microsoft.com/office/powerpoint/2010/main" val="2731331551"/>
+      </p:ext>
+    </p:extLst>
+  </p:cSld>
+  <p:clrMapOvr>
+    <a:masterClrMapping/>
+  </p:clrMapOvr>
+  <p:timing>
+    <p:tnLst>
+      <p:par>
+        <p:cTn id="1" dur="indefinite" restart="never" nodeType="tmRoot"/>
+      </p:par>
+    </p:tnLst>
+  </p:timing>
+</p:sld>
+</file>
+
+<file path=ppt/slides/slide12.xml><?xml version="1.0" encoding="utf-8"?>
+<p:sld xmlns:a="http://schemas.openxmlformats.org/drawingml/2006/main" xmlns:r="http://schemas.openxmlformats.org/officeDocument/2006/relationships" xmlns:p="http://schemas.openxmlformats.org/presentationml/2006/main">
+  <p:cSld>
+    <p:spTree>
+      <p:nvGrpSpPr>
+        <p:cNvPr id="1" name=""/>
+        <p:cNvGrpSpPr/>
+        <p:nvPr/>
+      </p:nvGrpSpPr>
+      <p:grpSpPr>
+        <a:xfrm>
+          <a:off x="0" y="0"/>
+          <a:ext cx="0" cy="0"/>
+          <a:chOff x="0" y="0"/>
+          <a:chExt cx="0" cy="0"/>
+        </a:xfrm>
+      </p:grpSpPr>
+      <p:sp>
+        <p:nvSpPr>
+          <p:cNvPr id="2" name="Titolo 1"/>
+          <p:cNvSpPr>
+            <a:spLocks noGrp="1"/>
+          </p:cNvSpPr>
+          <p:nvPr>
+            <p:ph type="title"/>
+          </p:nvPr>
+        </p:nvSpPr>
+        <p:spPr/>
+        <p:txBody>
+          <a:bodyPr/>
+          <a:lstStyle/>
+          <a:p>
+            <a:r>
+              <a:rPr lang="it-CH" dirty="0" smtClean="0"/>
               <a:t>Struttura </a:t>
             </a:r>
             <a:r>
@@ -3901,7 +4322,7 @@
 </p:sld>
 </file>
 
-<file path=ppt/slides/slide11.xml><?xml version="1.0" encoding="utf-8"?>
+<file path=ppt/slides/slide13.xml><?xml version="1.0" encoding="utf-8"?>
 <p:sld xmlns:a="http://schemas.openxmlformats.org/drawingml/2006/main" xmlns:r="http://schemas.openxmlformats.org/officeDocument/2006/relationships" xmlns:p="http://schemas.openxmlformats.org/presentationml/2006/main">
   <p:cSld>
     <p:spTree>
@@ -3943,6 +4364,509 @@
       </p:sp>
       <p:sp>
         <p:nvSpPr>
+          <p:cNvPr id="7" name="Segnaposto contenuto 2"/>
+          <p:cNvSpPr>
+            <a:spLocks noGrp="1"/>
+          </p:cNvSpPr>
+          <p:nvPr>
+            <p:ph idx="1"/>
+          </p:nvPr>
+        </p:nvSpPr>
+        <p:spPr>
+          <a:xfrm>
+            <a:off x="4649164" y="2673751"/>
+            <a:ext cx="2893671" cy="4184249"/>
+          </a:xfrm>
+        </p:spPr>
+        <p:txBody>
+          <a:bodyPr>
+            <a:normAutofit/>
+          </a:bodyPr>
+          <a:lstStyle/>
+          <a:p>
+            <a:pPr marL="457200" indent="-457200"/>
+            <a:r>
+              <a:rPr lang="it-CH" sz="3200" dirty="0" err="1"/>
+              <a:t>Wire</a:t>
+            </a:r>
+            <a:endParaRPr lang="it-CH" sz="3200" dirty="0"/>
+          </a:p>
+          <a:p>
+            <a:pPr marL="457200" indent="-457200"/>
+            <a:r>
+              <a:rPr lang="it-CH" sz="3200" dirty="0" err="1"/>
+              <a:t>LiquidCrystal</a:t>
+            </a:r>
+            <a:endParaRPr lang="it-CH" sz="3200" dirty="0"/>
+          </a:p>
+          <a:p>
+            <a:pPr marL="457200" indent="-457200"/>
+            <a:r>
+              <a:rPr lang="it-CH" sz="3200" dirty="0" err="1"/>
+              <a:t>AdaFruit</a:t>
+            </a:r>
+            <a:endParaRPr lang="it-CH" sz="3200" dirty="0"/>
+          </a:p>
+          <a:p>
+            <a:pPr marL="457200" indent="-457200"/>
+            <a:r>
+              <a:rPr lang="it-CH" sz="3200" dirty="0" err="1"/>
+              <a:t>SevenSeg</a:t>
+            </a:r>
+            <a:endParaRPr lang="it-IT" sz="3200" dirty="0"/>
+          </a:p>
+        </p:txBody>
+      </p:sp>
+    </p:spTree>
+    <p:extLst>
+      <p:ext uri="{BB962C8B-B14F-4D97-AF65-F5344CB8AC3E}">
+        <p14:creationId xmlns:p14="http://schemas.microsoft.com/office/powerpoint/2010/main" val="2216714233"/>
+      </p:ext>
+    </p:extLst>
+  </p:cSld>
+  <p:clrMapOvr>
+    <a:masterClrMapping/>
+  </p:clrMapOvr>
+  <p:timing>
+    <p:tnLst>
+      <p:par>
+        <p:cTn id="1" dur="indefinite" restart="never" nodeType="tmRoot"/>
+      </p:par>
+    </p:tnLst>
+  </p:timing>
+</p:sld>
+</file>
+
+<file path=ppt/slides/slide14.xml><?xml version="1.0" encoding="utf-8"?>
+<p:sld xmlns:a="http://schemas.openxmlformats.org/drawingml/2006/main" xmlns:r="http://schemas.openxmlformats.org/officeDocument/2006/relationships" xmlns:p="http://schemas.openxmlformats.org/presentationml/2006/main">
+  <p:cSld>
+    <p:spTree>
+      <p:nvGrpSpPr>
+        <p:cNvPr id="1" name=""/>
+        <p:cNvGrpSpPr/>
+        <p:nvPr/>
+      </p:nvGrpSpPr>
+      <p:grpSpPr>
+        <a:xfrm>
+          <a:off x="0" y="0"/>
+          <a:ext cx="0" cy="0"/>
+          <a:chOff x="0" y="0"/>
+          <a:chExt cx="0" cy="0"/>
+        </a:xfrm>
+      </p:grpSpPr>
+      <p:sp>
+        <p:nvSpPr>
+          <p:cNvPr id="2" name="Titolo 1"/>
+          <p:cNvSpPr>
+            <a:spLocks noGrp="1"/>
+          </p:cNvSpPr>
+          <p:nvPr>
+            <p:ph type="title"/>
+          </p:nvPr>
+        </p:nvSpPr>
+        <p:spPr/>
+        <p:txBody>
+          <a:bodyPr/>
+          <a:lstStyle/>
+          <a:p>
+            <a:r>
+              <a:rPr lang="it-CH" dirty="0" smtClean="0"/>
+              <a:t>File </a:t>
+            </a:r>
+            <a:r>
+              <a:rPr lang="it-CH" dirty="0" err="1" smtClean="0"/>
+              <a:t>b_functions</a:t>
+            </a:r>
+            <a:r>
+              <a:rPr lang="it-CH" dirty="0" smtClean="0"/>
+              <a:t>.</a:t>
+            </a:r>
+            <a:endParaRPr lang="it-IT" dirty="0"/>
+          </a:p>
+        </p:txBody>
+      </p:sp>
+      <p:pic>
+        <p:nvPicPr>
+          <p:cNvPr id="4" name="Segnaposto contenuto 3"/>
+          <p:cNvPicPr>
+            <a:picLocks noGrp="1" noChangeAspect="1"/>
+          </p:cNvPicPr>
+          <p:nvPr>
+            <p:ph idx="1"/>
+          </p:nvPr>
+        </p:nvPicPr>
+        <p:blipFill rotWithShape="1">
+          <a:blip r:embed="rId2">
+            <a:extLst>
+              <a:ext uri="{28A0092B-C50C-407E-A947-70E740481C1C}">
+                <a14:useLocalDpi xmlns:a14="http://schemas.microsoft.com/office/drawing/2010/main" val="0"/>
+              </a:ext>
+            </a:extLst>
+          </a:blip>
+          <a:srcRect l="2601" t="4139" r="11408" b="17157"/>
+          <a:stretch/>
+        </p:blipFill>
+        <p:spPr>
+          <a:xfrm>
+            <a:off x="3447288" y="2229901"/>
+            <a:ext cx="5297424" cy="3322321"/>
+          </a:xfrm>
+        </p:spPr>
+      </p:pic>
+    </p:spTree>
+    <p:extLst>
+      <p:ext uri="{BB962C8B-B14F-4D97-AF65-F5344CB8AC3E}">
+        <p14:creationId xmlns:p14="http://schemas.microsoft.com/office/powerpoint/2010/main" val="2625428675"/>
+      </p:ext>
+    </p:extLst>
+  </p:cSld>
+  <p:clrMapOvr>
+    <a:masterClrMapping/>
+  </p:clrMapOvr>
+  <p:timing>
+    <p:tnLst>
+      <p:par>
+        <p:cTn id="1" dur="indefinite" restart="never" nodeType="tmRoot"/>
+      </p:par>
+    </p:tnLst>
+  </p:timing>
+</p:sld>
+</file>
+
+<file path=ppt/slides/slide15.xml><?xml version="1.0" encoding="utf-8"?>
+<p:sld xmlns:a="http://schemas.openxmlformats.org/drawingml/2006/main" xmlns:r="http://schemas.openxmlformats.org/officeDocument/2006/relationships" xmlns:p="http://schemas.openxmlformats.org/presentationml/2006/main">
+  <p:cSld>
+    <p:spTree>
+      <p:nvGrpSpPr>
+        <p:cNvPr id="1" name=""/>
+        <p:cNvGrpSpPr/>
+        <p:nvPr/>
+      </p:nvGrpSpPr>
+      <p:grpSpPr>
+        <a:xfrm>
+          <a:off x="0" y="0"/>
+          <a:ext cx="0" cy="0"/>
+          <a:chOff x="0" y="0"/>
+          <a:chExt cx="0" cy="0"/>
+        </a:xfrm>
+      </p:grpSpPr>
+      <p:sp>
+        <p:nvSpPr>
+          <p:cNvPr id="2" name="Titolo 1"/>
+          <p:cNvSpPr>
+            <a:spLocks noGrp="1"/>
+          </p:cNvSpPr>
+          <p:nvPr>
+            <p:ph type="title"/>
+          </p:nvPr>
+        </p:nvSpPr>
+        <p:spPr/>
+        <p:txBody>
+          <a:bodyPr/>
+          <a:lstStyle/>
+          <a:p>
+            <a:r>
+              <a:rPr lang="it-CH" dirty="0" smtClean="0"/>
+              <a:t>File </a:t>
+            </a:r>
+            <a:r>
+              <a:rPr lang="it-CH" dirty="0" err="1" smtClean="0"/>
+              <a:t>d_programs</a:t>
+            </a:r>
+            <a:r>
+              <a:rPr lang="it-CH" dirty="0" smtClean="0"/>
+              <a:t>.</a:t>
+            </a:r>
+            <a:endParaRPr lang="it-IT" dirty="0"/>
+          </a:p>
+        </p:txBody>
+      </p:sp>
+      <p:pic>
+        <p:nvPicPr>
+          <p:cNvPr id="4" name="Segnaposto contenuto 3"/>
+          <p:cNvPicPr>
+            <a:picLocks noGrp="1" noChangeAspect="1"/>
+          </p:cNvPicPr>
+          <p:nvPr>
+            <p:ph idx="1"/>
+          </p:nvPr>
+        </p:nvPicPr>
+        <p:blipFill rotWithShape="1">
+          <a:blip r:embed="rId2">
+            <a:extLst>
+              <a:ext uri="{28A0092B-C50C-407E-A947-70E740481C1C}">
+                <a14:useLocalDpi xmlns:a14="http://schemas.microsoft.com/office/drawing/2010/main" val="0"/>
+              </a:ext>
+            </a:extLst>
+          </a:blip>
+          <a:srcRect l="2175" t="3668" r="9803" b="14919"/>
+          <a:stretch/>
+        </p:blipFill>
+        <p:spPr>
+          <a:xfrm>
+            <a:off x="2864604" y="2072640"/>
+            <a:ext cx="6462792" cy="3931920"/>
+          </a:xfrm>
+        </p:spPr>
+      </p:pic>
+    </p:spTree>
+    <p:extLst>
+      <p:ext uri="{BB962C8B-B14F-4D97-AF65-F5344CB8AC3E}">
+        <p14:creationId xmlns:p14="http://schemas.microsoft.com/office/powerpoint/2010/main" val="3341934481"/>
+      </p:ext>
+    </p:extLst>
+  </p:cSld>
+  <p:clrMapOvr>
+    <a:masterClrMapping/>
+  </p:clrMapOvr>
+  <p:timing>
+    <p:tnLst>
+      <p:par>
+        <p:cTn id="1" dur="indefinite" restart="never" nodeType="tmRoot"/>
+      </p:par>
+    </p:tnLst>
+  </p:timing>
+</p:sld>
+</file>
+
+<file path=ppt/slides/slide16.xml><?xml version="1.0" encoding="utf-8"?>
+<p:sld xmlns:a="http://schemas.openxmlformats.org/drawingml/2006/main" xmlns:r="http://schemas.openxmlformats.org/officeDocument/2006/relationships" xmlns:p="http://schemas.openxmlformats.org/presentationml/2006/main">
+  <p:cSld>
+    <p:spTree>
+      <p:nvGrpSpPr>
+        <p:cNvPr id="1" name=""/>
+        <p:cNvGrpSpPr/>
+        <p:nvPr/>
+      </p:nvGrpSpPr>
+      <p:grpSpPr>
+        <a:xfrm>
+          <a:off x="0" y="0"/>
+          <a:ext cx="0" cy="0"/>
+          <a:chOff x="0" y="0"/>
+          <a:chExt cx="0" cy="0"/>
+        </a:xfrm>
+      </p:grpSpPr>
+      <p:sp>
+        <p:nvSpPr>
+          <p:cNvPr id="2" name="Titolo 1"/>
+          <p:cNvSpPr>
+            <a:spLocks noGrp="1"/>
+          </p:cNvSpPr>
+          <p:nvPr>
+            <p:ph type="title"/>
+          </p:nvPr>
+        </p:nvSpPr>
+        <p:spPr/>
+        <p:txBody>
+          <a:bodyPr/>
+          <a:lstStyle/>
+          <a:p>
+            <a:r>
+              <a:rPr lang="it-CH" dirty="0" smtClean="0"/>
+              <a:t>File </a:t>
+            </a:r>
+            <a:r>
+              <a:rPr lang="it-CH" dirty="0" err="1" smtClean="0"/>
+              <a:t>z_main</a:t>
+            </a:r>
+            <a:r>
+              <a:rPr lang="it-CH" dirty="0" smtClean="0"/>
+              <a:t>.</a:t>
+            </a:r>
+            <a:endParaRPr lang="it-IT" dirty="0"/>
+          </a:p>
+        </p:txBody>
+      </p:sp>
+      <p:pic>
+        <p:nvPicPr>
+          <p:cNvPr id="4" name="Segnaposto contenuto 3"/>
+          <p:cNvPicPr>
+            <a:picLocks noGrp="1" noChangeAspect="1"/>
+          </p:cNvPicPr>
+          <p:nvPr>
+            <p:ph idx="1"/>
+          </p:nvPr>
+        </p:nvPicPr>
+        <p:blipFill rotWithShape="1">
+          <a:blip r:embed="rId2">
+            <a:extLst>
+              <a:ext uri="{28A0092B-C50C-407E-A947-70E740481C1C}">
+                <a14:useLocalDpi xmlns:a14="http://schemas.microsoft.com/office/drawing/2010/main" val="0"/>
+              </a:ext>
+            </a:extLst>
+          </a:blip>
+          <a:srcRect l="6424" t="7235" r="25625" b="31400"/>
+          <a:stretch/>
+        </p:blipFill>
+        <p:spPr>
+          <a:xfrm>
+            <a:off x="4897119" y="2702560"/>
+            <a:ext cx="2397761" cy="1808480"/>
+          </a:xfrm>
+        </p:spPr>
+      </p:pic>
+    </p:spTree>
+    <p:extLst>
+      <p:ext uri="{BB962C8B-B14F-4D97-AF65-F5344CB8AC3E}">
+        <p14:creationId xmlns:p14="http://schemas.microsoft.com/office/powerpoint/2010/main" val="1852533655"/>
+      </p:ext>
+    </p:extLst>
+  </p:cSld>
+  <p:clrMapOvr>
+    <a:masterClrMapping/>
+  </p:clrMapOvr>
+  <p:timing>
+    <p:tnLst>
+      <p:par>
+        <p:cTn id="1" dur="indefinite" restart="never" nodeType="tmRoot"/>
+      </p:par>
+    </p:tnLst>
+  </p:timing>
+</p:sld>
+</file>
+
+<file path=ppt/slides/slide17.xml><?xml version="1.0" encoding="utf-8"?>
+<p:sld xmlns:a="http://schemas.openxmlformats.org/drawingml/2006/main" xmlns:r="http://schemas.openxmlformats.org/officeDocument/2006/relationships" xmlns:p="http://schemas.openxmlformats.org/presentationml/2006/main">
+  <p:cSld>
+    <p:spTree>
+      <p:nvGrpSpPr>
+        <p:cNvPr id="1" name=""/>
+        <p:cNvGrpSpPr/>
+        <p:nvPr/>
+      </p:nvGrpSpPr>
+      <p:grpSpPr>
+        <a:xfrm>
+          <a:off x="0" y="0"/>
+          <a:ext cx="0" cy="0"/>
+          <a:chOff x="0" y="0"/>
+          <a:chExt cx="0" cy="0"/>
+        </a:xfrm>
+      </p:grpSpPr>
+      <p:sp>
+        <p:nvSpPr>
+          <p:cNvPr id="2" name="Titolo 1"/>
+          <p:cNvSpPr>
+            <a:spLocks noGrp="1"/>
+          </p:cNvSpPr>
+          <p:nvPr>
+            <p:ph type="title"/>
+          </p:nvPr>
+        </p:nvSpPr>
+        <p:spPr/>
+        <p:txBody>
+          <a:bodyPr/>
+          <a:lstStyle/>
+          <a:p>
+            <a:r>
+              <a:rPr lang="it-CH" dirty="0" smtClean="0"/>
+              <a:t>Test.</a:t>
+            </a:r>
+            <a:endParaRPr lang="it-IT" dirty="0"/>
+          </a:p>
+        </p:txBody>
+      </p:sp>
+      <p:sp>
+        <p:nvSpPr>
+          <p:cNvPr id="6" name="Segnaposto contenuto 2"/>
+          <p:cNvSpPr>
+            <a:spLocks noGrp="1"/>
+          </p:cNvSpPr>
+          <p:nvPr>
+            <p:ph idx="1"/>
+          </p:nvPr>
+        </p:nvSpPr>
+        <p:spPr>
+          <a:xfrm>
+            <a:off x="3862086" y="2673751"/>
+            <a:ext cx="4467828" cy="4184249"/>
+          </a:xfrm>
+        </p:spPr>
+        <p:txBody>
+          <a:bodyPr>
+            <a:normAutofit/>
+          </a:bodyPr>
+          <a:lstStyle/>
+          <a:p>
+            <a:r>
+              <a:rPr lang="it-CH" sz="3200" dirty="0"/>
+              <a:t>Test modalità</a:t>
+            </a:r>
+          </a:p>
+          <a:p>
+            <a:r>
+              <a:rPr lang="it-CH" sz="3200" dirty="0"/>
+              <a:t>Test procedura di </a:t>
+            </a:r>
+            <a:r>
+              <a:rPr lang="it-CH" sz="3200" dirty="0" err="1"/>
+              <a:t>check</a:t>
+            </a:r>
+            <a:endParaRPr lang="it-IT" sz="3200" dirty="0"/>
+          </a:p>
+        </p:txBody>
+      </p:sp>
+    </p:spTree>
+    <p:extLst>
+      <p:ext uri="{BB962C8B-B14F-4D97-AF65-F5344CB8AC3E}">
+        <p14:creationId xmlns:p14="http://schemas.microsoft.com/office/powerpoint/2010/main" val="238423913"/>
+      </p:ext>
+    </p:extLst>
+  </p:cSld>
+  <p:clrMapOvr>
+    <a:masterClrMapping/>
+  </p:clrMapOvr>
+  <p:timing>
+    <p:tnLst>
+      <p:par>
+        <p:cTn id="1" dur="indefinite" restart="never" nodeType="tmRoot"/>
+      </p:par>
+    </p:tnLst>
+  </p:timing>
+</p:sld>
+</file>
+
+<file path=ppt/slides/slide18.xml><?xml version="1.0" encoding="utf-8"?>
+<p:sld xmlns:a="http://schemas.openxmlformats.org/drawingml/2006/main" xmlns:r="http://schemas.openxmlformats.org/officeDocument/2006/relationships" xmlns:p="http://schemas.openxmlformats.org/presentationml/2006/main">
+  <p:cSld>
+    <p:spTree>
+      <p:nvGrpSpPr>
+        <p:cNvPr id="1" name=""/>
+        <p:cNvGrpSpPr/>
+        <p:nvPr/>
+      </p:nvGrpSpPr>
+      <p:grpSpPr>
+        <a:xfrm>
+          <a:off x="0" y="0"/>
+          <a:ext cx="0" cy="0"/>
+          <a:chOff x="0" y="0"/>
+          <a:chExt cx="0" cy="0"/>
+        </a:xfrm>
+      </p:grpSpPr>
+      <p:sp>
+        <p:nvSpPr>
+          <p:cNvPr id="2" name="Titolo 1"/>
+          <p:cNvSpPr>
+            <a:spLocks noGrp="1"/>
+          </p:cNvSpPr>
+          <p:nvPr>
+            <p:ph type="title"/>
+          </p:nvPr>
+        </p:nvSpPr>
+        <p:spPr/>
+        <p:txBody>
+          <a:bodyPr/>
+          <a:lstStyle/>
+          <a:p>
+            <a:r>
+              <a:rPr lang="it-CH" dirty="0" smtClean="0"/>
+              <a:t>Limitazioni.</a:t>
+            </a:r>
+            <a:endParaRPr lang="it-IT" dirty="0"/>
+          </a:p>
+        </p:txBody>
+      </p:sp>
+      <p:sp>
+        <p:nvSpPr>
           <p:cNvPr id="5" name="Segnaposto contenuto 2"/>
           <p:cNvSpPr txBox="1">
             <a:spLocks/>
@@ -3951,8 +4875,8 @@
         </p:nvSpPr>
         <p:spPr>
           <a:xfrm>
-            <a:off x="838200" y="1925053"/>
-            <a:ext cx="10515600" cy="4932947"/>
+            <a:off x="4514126" y="2673751"/>
+            <a:ext cx="3163747" cy="4184249"/>
           </a:xfrm>
           <a:prstGeom prst="rect">
             <a:avLst/>
@@ -4127,44 +5051,15 @@
             </a:lvl9pPr>
           </a:lstStyle>
           <a:p>
-            <a:endParaRPr lang="it-CH" sz="3200" dirty="0" smtClean="0"/>
-          </a:p>
-          <a:p>
-            <a:endParaRPr lang="it-CH" sz="3200" dirty="0" smtClean="0"/>
-          </a:p>
-          <a:p>
-            <a:pPr lvl="7"/>
-            <a:r>
-              <a:rPr lang="it-CH" sz="3200" dirty="0" err="1" smtClean="0"/>
-              <a:t>Wire</a:t>
-            </a:r>
-            <a:endParaRPr lang="it-CH" sz="3200" dirty="0" smtClean="0"/>
-          </a:p>
-          <a:p>
-            <a:pPr lvl="7"/>
-            <a:r>
-              <a:rPr lang="it-CH" sz="3200" dirty="0" err="1" smtClean="0"/>
-              <a:t>LiquidCrystal</a:t>
-            </a:r>
-            <a:endParaRPr lang="it-CH" sz="3200" dirty="0" smtClean="0"/>
-          </a:p>
-          <a:p>
-            <a:pPr lvl="7"/>
-            <a:r>
-              <a:rPr lang="it-CH" sz="3200" dirty="0" err="1" smtClean="0"/>
-              <a:t>AdaFruit</a:t>
-            </a:r>
-            <a:endParaRPr lang="it-CH" sz="3200" dirty="0" smtClean="0"/>
-          </a:p>
-          <a:p>
-            <a:pPr lvl="7"/>
-            <a:r>
-              <a:rPr lang="it-CH" sz="3200" dirty="0" err="1" smtClean="0"/>
-              <a:t>SevenSeg</a:t>
-            </a:r>
-            <a:r>
-              <a:rPr lang="it-CH" sz="3200" dirty="0" smtClean="0"/>
-              <a:t>	</a:t>
+            <a:r>
+              <a:rPr lang="it-CH" sz="3200" dirty="0"/>
+              <a:t>Programma n° 5</a:t>
+            </a:r>
+          </a:p>
+          <a:p>
+            <a:r>
+              <a:rPr lang="it-CH" sz="3200" dirty="0"/>
+              <a:t>LED</a:t>
             </a:r>
           </a:p>
         </p:txBody>
@@ -4172,17 +5067,24 @@
     </p:spTree>
     <p:extLst>
       <p:ext uri="{BB962C8B-B14F-4D97-AF65-F5344CB8AC3E}">
-        <p14:creationId xmlns:p14="http://schemas.microsoft.com/office/powerpoint/2010/main" val="2216714233"/>
+        <p14:creationId xmlns:p14="http://schemas.microsoft.com/office/powerpoint/2010/main" val="3968864345"/>
       </p:ext>
     </p:extLst>
   </p:cSld>
   <p:clrMapOvr>
     <a:masterClrMapping/>
   </p:clrMapOvr>
+  <p:timing>
+    <p:tnLst>
+      <p:par>
+        <p:cTn id="1" dur="indefinite" restart="never" nodeType="tmRoot"/>
+      </p:par>
+    </p:tnLst>
+  </p:timing>
 </p:sld>
 </file>
 
-<file path=ppt/slides/slide12.xml><?xml version="1.0" encoding="utf-8"?>
+<file path=ppt/slides/slide19.xml><?xml version="1.0" encoding="utf-8"?>
 <p:sld xmlns:a="http://schemas.openxmlformats.org/drawingml/2006/main" xmlns:r="http://schemas.openxmlformats.org/officeDocument/2006/relationships" xmlns:p="http://schemas.openxmlformats.org/presentationml/2006/main">
   <p:cSld>
     <p:spTree>
@@ -4216,295 +5118,7 @@
           <a:p>
             <a:r>
               <a:rPr lang="it-CH" dirty="0" smtClean="0"/>
-              <a:t>File </a:t>
-            </a:r>
-            <a:r>
-              <a:rPr lang="it-CH" dirty="0" err="1" smtClean="0"/>
-              <a:t>b_functions</a:t>
-            </a:r>
-            <a:r>
-              <a:rPr lang="it-CH" dirty="0" smtClean="0"/>
-              <a:t>.</a:t>
-            </a:r>
-            <a:endParaRPr lang="it-IT" dirty="0"/>
-          </a:p>
-        </p:txBody>
-      </p:sp>
-      <p:pic>
-        <p:nvPicPr>
-          <p:cNvPr id="4" name="Segnaposto contenuto 3"/>
-          <p:cNvPicPr>
-            <a:picLocks noGrp="1" noChangeAspect="1"/>
-          </p:cNvPicPr>
-          <p:nvPr>
-            <p:ph idx="1"/>
-          </p:nvPr>
-        </p:nvPicPr>
-        <p:blipFill rotWithShape="1">
-          <a:blip r:embed="rId2">
-            <a:extLst>
-              <a:ext uri="{28A0092B-C50C-407E-A947-70E740481C1C}">
-                <a14:useLocalDpi xmlns:a14="http://schemas.microsoft.com/office/drawing/2010/main" val="0"/>
-              </a:ext>
-            </a:extLst>
-          </a:blip>
-          <a:srcRect l="2601" t="4139" r="11408" b="17157"/>
-          <a:stretch/>
-        </p:blipFill>
-        <p:spPr>
-          <a:xfrm>
-            <a:off x="3447288" y="2229901"/>
-            <a:ext cx="5297424" cy="3322321"/>
-          </a:xfrm>
-        </p:spPr>
-      </p:pic>
-    </p:spTree>
-    <p:extLst>
-      <p:ext uri="{BB962C8B-B14F-4D97-AF65-F5344CB8AC3E}">
-        <p14:creationId xmlns:p14="http://schemas.microsoft.com/office/powerpoint/2010/main" val="2625428675"/>
-      </p:ext>
-    </p:extLst>
-  </p:cSld>
-  <p:clrMapOvr>
-    <a:masterClrMapping/>
-  </p:clrMapOvr>
-  <p:timing>
-    <p:tnLst>
-      <p:par>
-        <p:cTn id="1" dur="indefinite" restart="never" nodeType="tmRoot"/>
-      </p:par>
-    </p:tnLst>
-  </p:timing>
-</p:sld>
-</file>
-
-<file path=ppt/slides/slide13.xml><?xml version="1.0" encoding="utf-8"?>
-<p:sld xmlns:a="http://schemas.openxmlformats.org/drawingml/2006/main" xmlns:r="http://schemas.openxmlformats.org/officeDocument/2006/relationships" xmlns:p="http://schemas.openxmlformats.org/presentationml/2006/main">
-  <p:cSld>
-    <p:spTree>
-      <p:nvGrpSpPr>
-        <p:cNvPr id="1" name=""/>
-        <p:cNvGrpSpPr/>
-        <p:nvPr/>
-      </p:nvGrpSpPr>
-      <p:grpSpPr>
-        <a:xfrm>
-          <a:off x="0" y="0"/>
-          <a:ext cx="0" cy="0"/>
-          <a:chOff x="0" y="0"/>
-          <a:chExt cx="0" cy="0"/>
-        </a:xfrm>
-      </p:grpSpPr>
-      <p:sp>
-        <p:nvSpPr>
-          <p:cNvPr id="2" name="Titolo 1"/>
-          <p:cNvSpPr>
-            <a:spLocks noGrp="1"/>
-          </p:cNvSpPr>
-          <p:nvPr>
-            <p:ph type="title"/>
-          </p:nvPr>
-        </p:nvSpPr>
-        <p:spPr/>
-        <p:txBody>
-          <a:bodyPr/>
-          <a:lstStyle/>
-          <a:p>
-            <a:r>
-              <a:rPr lang="it-CH" dirty="0" smtClean="0"/>
-              <a:t>File </a:t>
-            </a:r>
-            <a:r>
-              <a:rPr lang="it-CH" dirty="0" err="1" smtClean="0"/>
-              <a:t>d_programs</a:t>
-            </a:r>
-            <a:r>
-              <a:rPr lang="it-CH" dirty="0" smtClean="0"/>
-              <a:t>.</a:t>
-            </a:r>
-            <a:endParaRPr lang="it-IT" dirty="0"/>
-          </a:p>
-        </p:txBody>
-      </p:sp>
-      <p:pic>
-        <p:nvPicPr>
-          <p:cNvPr id="4" name="Segnaposto contenuto 3"/>
-          <p:cNvPicPr>
-            <a:picLocks noGrp="1" noChangeAspect="1"/>
-          </p:cNvPicPr>
-          <p:nvPr>
-            <p:ph idx="1"/>
-          </p:nvPr>
-        </p:nvPicPr>
-        <p:blipFill rotWithShape="1">
-          <a:blip r:embed="rId2">
-            <a:extLst>
-              <a:ext uri="{28A0092B-C50C-407E-A947-70E740481C1C}">
-                <a14:useLocalDpi xmlns:a14="http://schemas.microsoft.com/office/drawing/2010/main" val="0"/>
-              </a:ext>
-            </a:extLst>
-          </a:blip>
-          <a:srcRect l="2175" t="3668" r="9803" b="14919"/>
-          <a:stretch/>
-        </p:blipFill>
-        <p:spPr>
-          <a:xfrm>
-            <a:off x="2864604" y="2072640"/>
-            <a:ext cx="6462792" cy="3931920"/>
-          </a:xfrm>
-        </p:spPr>
-      </p:pic>
-    </p:spTree>
-    <p:extLst>
-      <p:ext uri="{BB962C8B-B14F-4D97-AF65-F5344CB8AC3E}">
-        <p14:creationId xmlns:p14="http://schemas.microsoft.com/office/powerpoint/2010/main" val="3341934481"/>
-      </p:ext>
-    </p:extLst>
-  </p:cSld>
-  <p:clrMapOvr>
-    <a:masterClrMapping/>
-  </p:clrMapOvr>
-  <p:timing>
-    <p:tnLst>
-      <p:par>
-        <p:cTn id="1" dur="indefinite" restart="never" nodeType="tmRoot"/>
-      </p:par>
-    </p:tnLst>
-  </p:timing>
-</p:sld>
-</file>
-
-<file path=ppt/slides/slide14.xml><?xml version="1.0" encoding="utf-8"?>
-<p:sld xmlns:a="http://schemas.openxmlformats.org/drawingml/2006/main" xmlns:r="http://schemas.openxmlformats.org/officeDocument/2006/relationships" xmlns:p="http://schemas.openxmlformats.org/presentationml/2006/main">
-  <p:cSld>
-    <p:spTree>
-      <p:nvGrpSpPr>
-        <p:cNvPr id="1" name=""/>
-        <p:cNvGrpSpPr/>
-        <p:nvPr/>
-      </p:nvGrpSpPr>
-      <p:grpSpPr>
-        <a:xfrm>
-          <a:off x="0" y="0"/>
-          <a:ext cx="0" cy="0"/>
-          <a:chOff x="0" y="0"/>
-          <a:chExt cx="0" cy="0"/>
-        </a:xfrm>
-      </p:grpSpPr>
-      <p:sp>
-        <p:nvSpPr>
-          <p:cNvPr id="2" name="Titolo 1"/>
-          <p:cNvSpPr>
-            <a:spLocks noGrp="1"/>
-          </p:cNvSpPr>
-          <p:nvPr>
-            <p:ph type="title"/>
-          </p:nvPr>
-        </p:nvSpPr>
-        <p:spPr/>
-        <p:txBody>
-          <a:bodyPr/>
-          <a:lstStyle/>
-          <a:p>
-            <a:r>
-              <a:rPr lang="it-CH" dirty="0" smtClean="0"/>
-              <a:t>File </a:t>
-            </a:r>
-            <a:r>
-              <a:rPr lang="it-CH" dirty="0" err="1" smtClean="0"/>
-              <a:t>z_main</a:t>
-            </a:r>
-            <a:r>
-              <a:rPr lang="it-CH" dirty="0" smtClean="0"/>
-              <a:t>.</a:t>
-            </a:r>
-            <a:endParaRPr lang="it-IT" dirty="0"/>
-          </a:p>
-        </p:txBody>
-      </p:sp>
-      <p:pic>
-        <p:nvPicPr>
-          <p:cNvPr id="4" name="Segnaposto contenuto 3"/>
-          <p:cNvPicPr>
-            <a:picLocks noGrp="1" noChangeAspect="1"/>
-          </p:cNvPicPr>
-          <p:nvPr>
-            <p:ph idx="1"/>
-          </p:nvPr>
-        </p:nvPicPr>
-        <p:blipFill rotWithShape="1">
-          <a:blip r:embed="rId2">
-            <a:extLst>
-              <a:ext uri="{28A0092B-C50C-407E-A947-70E740481C1C}">
-                <a14:useLocalDpi xmlns:a14="http://schemas.microsoft.com/office/drawing/2010/main" val="0"/>
-              </a:ext>
-            </a:extLst>
-          </a:blip>
-          <a:srcRect l="6424" t="7235" r="25625" b="31400"/>
-          <a:stretch/>
-        </p:blipFill>
-        <p:spPr>
-          <a:xfrm>
-            <a:off x="4897119" y="2702560"/>
-            <a:ext cx="2397761" cy="1808480"/>
-          </a:xfrm>
-        </p:spPr>
-      </p:pic>
-    </p:spTree>
-    <p:extLst>
-      <p:ext uri="{BB962C8B-B14F-4D97-AF65-F5344CB8AC3E}">
-        <p14:creationId xmlns:p14="http://schemas.microsoft.com/office/powerpoint/2010/main" val="1852533655"/>
-      </p:ext>
-    </p:extLst>
-  </p:cSld>
-  <p:clrMapOvr>
-    <a:masterClrMapping/>
-  </p:clrMapOvr>
-  <p:timing>
-    <p:tnLst>
-      <p:par>
-        <p:cTn id="1" dur="indefinite" restart="never" nodeType="tmRoot"/>
-      </p:par>
-    </p:tnLst>
-  </p:timing>
-</p:sld>
-</file>
-
-<file path=ppt/slides/slide15.xml><?xml version="1.0" encoding="utf-8"?>
-<p:sld xmlns:a="http://schemas.openxmlformats.org/drawingml/2006/main" xmlns:r="http://schemas.openxmlformats.org/officeDocument/2006/relationships" xmlns:p="http://schemas.openxmlformats.org/presentationml/2006/main">
-  <p:cSld>
-    <p:spTree>
-      <p:nvGrpSpPr>
-        <p:cNvPr id="1" name=""/>
-        <p:cNvGrpSpPr/>
-        <p:nvPr/>
-      </p:nvGrpSpPr>
-      <p:grpSpPr>
-        <a:xfrm>
-          <a:off x="0" y="0"/>
-          <a:ext cx="0" cy="0"/>
-          <a:chOff x="0" y="0"/>
-          <a:chExt cx="0" cy="0"/>
-        </a:xfrm>
-      </p:grpSpPr>
-      <p:sp>
-        <p:nvSpPr>
-          <p:cNvPr id="2" name="Titolo 1"/>
-          <p:cNvSpPr>
-            <a:spLocks noGrp="1"/>
-          </p:cNvSpPr>
-          <p:nvPr>
-            <p:ph type="title"/>
-          </p:nvPr>
-        </p:nvSpPr>
-        <p:spPr/>
-        <p:txBody>
-          <a:bodyPr/>
-          <a:lstStyle/>
-          <a:p>
-            <a:r>
-              <a:rPr lang="it-CH" dirty="0" smtClean="0"/>
-              <a:t>Test.</a:t>
+              <a:t>Sviluppi futuri.</a:t>
             </a:r>
             <a:endParaRPr lang="it-IT" dirty="0"/>
           </a:p>
@@ -4520,8 +5134,8 @@
         </p:nvSpPr>
         <p:spPr>
           <a:xfrm>
-            <a:off x="838200" y="1925053"/>
-            <a:ext cx="10515600" cy="4932947"/>
+            <a:off x="4249837" y="2673751"/>
+            <a:ext cx="3692325" cy="4184249"/>
           </a:xfrm>
           <a:prstGeom prst="rect">
             <a:avLst/>
@@ -4696,247 +5310,20 @@
             </a:lvl9pPr>
           </a:lstStyle>
           <a:p>
-            <a:endParaRPr lang="it-CH" sz="3200" dirty="0" smtClean="0"/>
-          </a:p>
-          <a:p>
-            <a:endParaRPr lang="it-CH" sz="3200" dirty="0" smtClean="0"/>
-          </a:p>
-          <a:p>
-            <a:pPr lvl="7"/>
-            <a:r>
-              <a:rPr lang="it-CH" sz="3200" dirty="0" smtClean="0"/>
-              <a:t>Test modalità</a:t>
-            </a:r>
-          </a:p>
-          <a:p>
-            <a:pPr lvl="7"/>
-            <a:r>
-              <a:rPr lang="it-CH" sz="3200" dirty="0" smtClean="0"/>
-              <a:t>Test procedura di </a:t>
-            </a:r>
-            <a:r>
-              <a:rPr lang="it-CH" sz="3200" dirty="0" err="1" smtClean="0"/>
-              <a:t>check</a:t>
-            </a:r>
-            <a:r>
-              <a:rPr lang="it-CH" sz="3200" dirty="0" smtClean="0"/>
-              <a:t>	</a:t>
-            </a:r>
-          </a:p>
-        </p:txBody>
-      </p:sp>
-    </p:spTree>
-    <p:extLst>
-      <p:ext uri="{BB962C8B-B14F-4D97-AF65-F5344CB8AC3E}">
-        <p14:creationId xmlns:p14="http://schemas.microsoft.com/office/powerpoint/2010/main" val="238423913"/>
-      </p:ext>
-    </p:extLst>
-  </p:cSld>
-  <p:clrMapOvr>
-    <a:masterClrMapping/>
-  </p:clrMapOvr>
-  <p:timing>
-    <p:tnLst>
-      <p:par>
-        <p:cTn id="1" dur="indefinite" restart="never" nodeType="tmRoot"/>
-      </p:par>
-    </p:tnLst>
-  </p:timing>
-</p:sld>
-</file>
-
-<file path=ppt/slides/slide16.xml><?xml version="1.0" encoding="utf-8"?>
-<p:sld xmlns:a="http://schemas.openxmlformats.org/drawingml/2006/main" xmlns:r="http://schemas.openxmlformats.org/officeDocument/2006/relationships" xmlns:p="http://schemas.openxmlformats.org/presentationml/2006/main">
-  <p:cSld>
-    <p:spTree>
-      <p:nvGrpSpPr>
-        <p:cNvPr id="1" name=""/>
-        <p:cNvGrpSpPr/>
-        <p:nvPr/>
-      </p:nvGrpSpPr>
-      <p:grpSpPr>
-        <a:xfrm>
-          <a:off x="0" y="0"/>
-          <a:ext cx="0" cy="0"/>
-          <a:chOff x="0" y="0"/>
-          <a:chExt cx="0" cy="0"/>
-        </a:xfrm>
-      </p:grpSpPr>
-      <p:sp>
-        <p:nvSpPr>
-          <p:cNvPr id="2" name="Titolo 1"/>
-          <p:cNvSpPr>
-            <a:spLocks noGrp="1"/>
-          </p:cNvSpPr>
-          <p:nvPr>
-            <p:ph type="title"/>
-          </p:nvPr>
-        </p:nvSpPr>
-        <p:spPr/>
-        <p:txBody>
-          <a:bodyPr/>
-          <a:lstStyle/>
-          <a:p>
-            <a:r>
-              <a:rPr lang="it-CH" dirty="0" smtClean="0"/>
-              <a:t>Limitazioni.</a:t>
-            </a:r>
-            <a:endParaRPr lang="it-IT" dirty="0"/>
-          </a:p>
-        </p:txBody>
-      </p:sp>
-      <p:sp>
-        <p:nvSpPr>
-          <p:cNvPr id="4" name="Segnaposto contenuto 2"/>
-          <p:cNvSpPr>
-            <a:spLocks noGrp="1"/>
-          </p:cNvSpPr>
-          <p:nvPr>
-            <p:ph idx="1"/>
-          </p:nvPr>
-        </p:nvSpPr>
-        <p:spPr>
-          <a:xfrm>
-            <a:off x="838200" y="1925053"/>
-            <a:ext cx="10515600" cy="4932947"/>
-          </a:xfrm>
-        </p:spPr>
-        <p:txBody>
-          <a:bodyPr>
-            <a:normAutofit/>
-          </a:bodyPr>
-          <a:lstStyle/>
-          <a:p>
-            <a:endParaRPr lang="it-CH" sz="3200" dirty="0" smtClean="0"/>
-          </a:p>
-          <a:p>
-            <a:endParaRPr lang="it-CH" sz="3200" dirty="0"/>
-          </a:p>
-          <a:p>
-            <a:pPr lvl="7"/>
-            <a:r>
-              <a:rPr lang="it-CH" sz="3200" dirty="0" smtClean="0"/>
-              <a:t>Programma n° 5</a:t>
-            </a:r>
-          </a:p>
-          <a:p>
-            <a:pPr lvl="7"/>
-            <a:r>
-              <a:rPr lang="it-CH" sz="3200" dirty="0" smtClean="0"/>
-              <a:t>LED</a:t>
-            </a:r>
-          </a:p>
-          <a:p>
-            <a:pPr lvl="7"/>
-            <a:endParaRPr lang="it-IT" sz="3200" dirty="0"/>
-          </a:p>
-        </p:txBody>
-      </p:sp>
-    </p:spTree>
-    <p:extLst>
-      <p:ext uri="{BB962C8B-B14F-4D97-AF65-F5344CB8AC3E}">
-        <p14:creationId xmlns:p14="http://schemas.microsoft.com/office/powerpoint/2010/main" val="3968864345"/>
-      </p:ext>
-    </p:extLst>
-  </p:cSld>
-  <p:clrMapOvr>
-    <a:masterClrMapping/>
-  </p:clrMapOvr>
-  <p:timing>
-    <p:tnLst>
-      <p:par>
-        <p:cTn id="1" dur="indefinite" restart="never" nodeType="tmRoot"/>
-      </p:par>
-    </p:tnLst>
-  </p:timing>
-</p:sld>
-</file>
-
-<file path=ppt/slides/slide17.xml><?xml version="1.0" encoding="utf-8"?>
-<p:sld xmlns:a="http://schemas.openxmlformats.org/drawingml/2006/main" xmlns:r="http://schemas.openxmlformats.org/officeDocument/2006/relationships" xmlns:p="http://schemas.openxmlformats.org/presentationml/2006/main">
-  <p:cSld>
-    <p:spTree>
-      <p:nvGrpSpPr>
-        <p:cNvPr id="1" name=""/>
-        <p:cNvGrpSpPr/>
-        <p:nvPr/>
-      </p:nvGrpSpPr>
-      <p:grpSpPr>
-        <a:xfrm>
-          <a:off x="0" y="0"/>
-          <a:ext cx="0" cy="0"/>
-          <a:chOff x="0" y="0"/>
-          <a:chExt cx="0" cy="0"/>
-        </a:xfrm>
-      </p:grpSpPr>
-      <p:sp>
-        <p:nvSpPr>
-          <p:cNvPr id="2" name="Titolo 1"/>
-          <p:cNvSpPr>
-            <a:spLocks noGrp="1"/>
-          </p:cNvSpPr>
-          <p:nvPr>
-            <p:ph type="title"/>
-          </p:nvPr>
-        </p:nvSpPr>
-        <p:spPr/>
-        <p:txBody>
-          <a:bodyPr/>
-          <a:lstStyle/>
-          <a:p>
-            <a:r>
-              <a:rPr lang="it-CH" dirty="0" smtClean="0"/>
-              <a:t>Sviluppi futuri.</a:t>
-            </a:r>
-            <a:endParaRPr lang="it-IT" dirty="0"/>
-          </a:p>
-        </p:txBody>
-      </p:sp>
-      <p:sp>
-        <p:nvSpPr>
-          <p:cNvPr id="6" name="Segnaposto contenuto 2"/>
-          <p:cNvSpPr>
-            <a:spLocks noGrp="1"/>
-          </p:cNvSpPr>
-          <p:nvPr>
-            <p:ph idx="1"/>
-          </p:nvPr>
-        </p:nvSpPr>
-        <p:spPr>
-          <a:xfrm>
-            <a:off x="838200" y="1925053"/>
-            <a:ext cx="10515600" cy="4932947"/>
-          </a:xfrm>
-        </p:spPr>
-        <p:txBody>
-          <a:bodyPr>
-            <a:normAutofit/>
-          </a:bodyPr>
-          <a:lstStyle/>
-          <a:p>
-            <a:endParaRPr lang="it-CH" sz="3200" dirty="0" smtClean="0"/>
-          </a:p>
-          <a:p>
-            <a:endParaRPr lang="it-CH" sz="3200" dirty="0"/>
-          </a:p>
-          <a:p>
-            <a:pPr lvl="7"/>
-            <a:r>
-              <a:rPr lang="it-CH" sz="3200" dirty="0" smtClean="0"/>
+            <a:r>
+              <a:rPr lang="it-CH" sz="3200" dirty="0"/>
               <a:t>Gestione punteggi</a:t>
             </a:r>
           </a:p>
           <a:p>
-            <a:pPr lvl="7"/>
-            <a:r>
-              <a:rPr lang="it-CH" sz="3200" dirty="0" smtClean="0"/>
+            <a:r>
+              <a:rPr lang="it-CH" sz="3200" dirty="0"/>
               <a:t>Aggiunta modalità</a:t>
             </a:r>
           </a:p>
           <a:p>
-            <a:pPr lvl="7"/>
-            <a:r>
-              <a:rPr lang="it-CH" sz="3200" dirty="0" smtClean="0"/>
+            <a:r>
+              <a:rPr lang="it-CH" sz="3200" dirty="0"/>
               <a:t>Hardware</a:t>
             </a:r>
             <a:endParaRPr lang="it-IT" sz="3200" dirty="0"/>
@@ -4947,78 +5334,6 @@
     <p:extLst>
       <p:ext uri="{BB962C8B-B14F-4D97-AF65-F5344CB8AC3E}">
         <p14:creationId xmlns:p14="http://schemas.microsoft.com/office/powerpoint/2010/main" val="4292805435"/>
-      </p:ext>
-    </p:extLst>
-  </p:cSld>
-  <p:clrMapOvr>
-    <a:masterClrMapping/>
-  </p:clrMapOvr>
-  <p:timing>
-    <p:tnLst>
-      <p:par>
-        <p:cTn id="1" dur="indefinite" restart="never" nodeType="tmRoot"/>
-      </p:par>
-    </p:tnLst>
-  </p:timing>
-</p:sld>
-</file>
-
-<file path=ppt/slides/slide18.xml><?xml version="1.0" encoding="utf-8"?>
-<p:sld xmlns:a="http://schemas.openxmlformats.org/drawingml/2006/main" xmlns:r="http://schemas.openxmlformats.org/officeDocument/2006/relationships" xmlns:p="http://schemas.openxmlformats.org/presentationml/2006/main">
-  <p:cSld>
-    <p:spTree>
-      <p:nvGrpSpPr>
-        <p:cNvPr id="1" name=""/>
-        <p:cNvGrpSpPr/>
-        <p:nvPr/>
-      </p:nvGrpSpPr>
-      <p:grpSpPr>
-        <a:xfrm>
-          <a:off x="0" y="0"/>
-          <a:ext cx="0" cy="0"/>
-          <a:chOff x="0" y="0"/>
-          <a:chExt cx="0" cy="0"/>
-        </a:xfrm>
-      </p:grpSpPr>
-      <p:sp>
-        <p:nvSpPr>
-          <p:cNvPr id="4" name="Title 1"/>
-          <p:cNvSpPr>
-            <a:spLocks noGrp="1"/>
-          </p:cNvSpPr>
-          <p:nvPr>
-            <p:ph type="title"/>
-          </p:nvPr>
-        </p:nvSpPr>
-        <p:spPr>
-          <a:xfrm>
-            <a:off x="0" y="0"/>
-            <a:ext cx="12191999" cy="6858000"/>
-          </a:xfrm>
-        </p:spPr>
-        <p:txBody>
-          <a:bodyPr>
-            <a:normAutofit/>
-          </a:bodyPr>
-          <a:lstStyle/>
-          <a:p>
-            <a:pPr algn="ctr"/>
-            <a:r>
-              <a:rPr lang="it-CH" sz="6700" dirty="0"/>
-              <a:t>Conclusioni</a:t>
-            </a:r>
-            <a:r>
-              <a:rPr lang="it-CH" sz="6600" dirty="0" smtClean="0"/>
-              <a:t>.</a:t>
-            </a:r>
-            <a:endParaRPr lang="it-CH" sz="6600" dirty="0"/>
-          </a:p>
-        </p:txBody>
-      </p:sp>
-    </p:spTree>
-    <p:extLst>
-      <p:ext uri="{BB962C8B-B14F-4D97-AF65-F5344CB8AC3E}">
-        <p14:creationId xmlns:p14="http://schemas.microsoft.com/office/powerpoint/2010/main" val="1448187810"/>
       </p:ext>
     </p:extLst>
   </p:cSld>
@@ -5158,6 +5473,78 @@
     <p:extLst>
       <p:ext uri="{BB962C8B-B14F-4D97-AF65-F5344CB8AC3E}">
         <p14:creationId xmlns:p14="http://schemas.microsoft.com/office/powerpoint/2010/main" val="2011878413"/>
+      </p:ext>
+    </p:extLst>
+  </p:cSld>
+  <p:clrMapOvr>
+    <a:masterClrMapping/>
+  </p:clrMapOvr>
+  <p:timing>
+    <p:tnLst>
+      <p:par>
+        <p:cTn id="1" dur="indefinite" restart="never" nodeType="tmRoot"/>
+      </p:par>
+    </p:tnLst>
+  </p:timing>
+</p:sld>
+</file>
+
+<file path=ppt/slides/slide20.xml><?xml version="1.0" encoding="utf-8"?>
+<p:sld xmlns:a="http://schemas.openxmlformats.org/drawingml/2006/main" xmlns:r="http://schemas.openxmlformats.org/officeDocument/2006/relationships" xmlns:p="http://schemas.openxmlformats.org/presentationml/2006/main">
+  <p:cSld>
+    <p:spTree>
+      <p:nvGrpSpPr>
+        <p:cNvPr id="1" name=""/>
+        <p:cNvGrpSpPr/>
+        <p:nvPr/>
+      </p:nvGrpSpPr>
+      <p:grpSpPr>
+        <a:xfrm>
+          <a:off x="0" y="0"/>
+          <a:ext cx="0" cy="0"/>
+          <a:chOff x="0" y="0"/>
+          <a:chExt cx="0" cy="0"/>
+        </a:xfrm>
+      </p:grpSpPr>
+      <p:sp>
+        <p:nvSpPr>
+          <p:cNvPr id="4" name="Title 1"/>
+          <p:cNvSpPr>
+            <a:spLocks noGrp="1"/>
+          </p:cNvSpPr>
+          <p:nvPr>
+            <p:ph type="title"/>
+          </p:nvPr>
+        </p:nvSpPr>
+        <p:spPr>
+          <a:xfrm>
+            <a:off x="0" y="0"/>
+            <a:ext cx="12191999" cy="6858000"/>
+          </a:xfrm>
+        </p:spPr>
+        <p:txBody>
+          <a:bodyPr>
+            <a:normAutofit/>
+          </a:bodyPr>
+          <a:lstStyle/>
+          <a:p>
+            <a:pPr algn="ctr"/>
+            <a:r>
+              <a:rPr lang="it-CH" sz="6700" dirty="0"/>
+              <a:t>Conclusioni</a:t>
+            </a:r>
+            <a:r>
+              <a:rPr lang="it-CH" sz="6600" dirty="0" smtClean="0"/>
+              <a:t>.</a:t>
+            </a:r>
+            <a:endParaRPr lang="it-CH" sz="6600" dirty="0"/>
+          </a:p>
+        </p:txBody>
+      </p:sp>
+    </p:spTree>
+    <p:extLst>
+      <p:ext uri="{BB962C8B-B14F-4D97-AF65-F5344CB8AC3E}">
+        <p14:creationId xmlns:p14="http://schemas.microsoft.com/office/powerpoint/2010/main" val="1448187810"/>
       </p:ext>
     </p:extLst>
   </p:cSld>
@@ -5326,8 +5713,8 @@
         </p:nvSpPr>
         <p:spPr>
           <a:xfrm>
-            <a:off x="838200" y="1925052"/>
-            <a:ext cx="10515600" cy="4932947"/>
+            <a:off x="4433104" y="2673751"/>
+            <a:ext cx="3325792" cy="4184249"/>
           </a:xfrm>
         </p:spPr>
         <p:txBody>
@@ -5336,27 +5723,19 @@
           </a:bodyPr>
           <a:lstStyle/>
           <a:p>
-            <a:endParaRPr lang="it-CH" sz="3200" dirty="0" smtClean="0"/>
-          </a:p>
-          <a:p>
-            <a:endParaRPr lang="it-CH" sz="3200" dirty="0"/>
-          </a:p>
-          <a:p>
-            <a:pPr lvl="7"/>
             <a:r>
               <a:rPr lang="it-CH" sz="3200" dirty="0" smtClean="0"/>
               <a:t>Misurare/testare</a:t>
             </a:r>
-          </a:p>
-          <a:p>
-            <a:pPr lvl="7"/>
+            <a:endParaRPr lang="it-CH" sz="3200" dirty="0" smtClean="0"/>
+          </a:p>
+          <a:p>
             <a:r>
               <a:rPr lang="it-CH" sz="3200" dirty="0" smtClean="0"/>
               <a:t>Migliorare</a:t>
             </a:r>
           </a:p>
           <a:p>
-            <a:pPr lvl="7"/>
             <a:r>
               <a:rPr lang="it-CH" sz="3200" dirty="0" smtClean="0"/>
               <a:t>Fare attività fisica</a:t>
@@ -5427,53 +5806,208 @@
       </p:sp>
       <p:sp>
         <p:nvSpPr>
-          <p:cNvPr id="4" name="Segnaposto contenuto 2"/>
-          <p:cNvSpPr>
-            <a:spLocks noGrp="1"/>
-          </p:cNvSpPr>
-          <p:nvPr>
-            <p:ph idx="1"/>
-          </p:nvPr>
+          <p:cNvPr id="5" name="Segnaposto contenuto 2"/>
+          <p:cNvSpPr txBox="1">
+            <a:spLocks/>
+          </p:cNvSpPr>
+          <p:nvPr/>
         </p:nvSpPr>
         <p:spPr>
           <a:xfrm>
-            <a:off x="838200" y="1925052"/>
-            <a:ext cx="10515600" cy="4932947"/>
+            <a:off x="3943109" y="2673751"/>
+            <a:ext cx="4305782" cy="4184249"/>
           </a:xfrm>
+          <a:prstGeom prst="rect">
+            <a:avLst/>
+          </a:prstGeom>
         </p:spPr>
         <p:txBody>
-          <a:bodyPr>
+          <a:bodyPr vert="horz" lIns="91440" tIns="45720" rIns="91440" bIns="45720" rtlCol="0">
             <a:normAutofit/>
           </a:bodyPr>
-          <a:lstStyle/>
-          <a:p>
-            <a:endParaRPr lang="it-CH" sz="3200" dirty="0" smtClean="0"/>
-          </a:p>
-          <a:p>
-            <a:endParaRPr lang="it-CH" sz="3200" dirty="0"/>
-          </a:p>
-          <a:p>
-            <a:pPr lvl="7"/>
-            <a:r>
-              <a:rPr lang="it-CH" sz="3200" dirty="0" smtClean="0"/>
+          <a:lstStyle>
+            <a:lvl1pPr marL="228600" indent="-228600" algn="l" defTabSz="914400" rtl="0" eaLnBrk="1" latinLnBrk="0" hangingPunct="1">
+              <a:lnSpc>
+                <a:spcPct val="90000"/>
+              </a:lnSpc>
+              <a:spcBef>
+                <a:spcPts val="1000"/>
+              </a:spcBef>
+              <a:buFont typeface="Arial" panose="020B0604020202020204" pitchFamily="34" charset="0"/>
+              <a:buChar char="•"/>
+              <a:defRPr sz="2800" kern="1200">
+                <a:solidFill>
+                  <a:schemeClr val="tx1"/>
+                </a:solidFill>
+                <a:latin typeface="+mn-lt"/>
+                <a:ea typeface="+mn-ea"/>
+                <a:cs typeface="+mn-cs"/>
+              </a:defRPr>
+            </a:lvl1pPr>
+            <a:lvl2pPr marL="685800" indent="-228600" algn="l" defTabSz="914400" rtl="0" eaLnBrk="1" latinLnBrk="0" hangingPunct="1">
+              <a:lnSpc>
+                <a:spcPct val="90000"/>
+              </a:lnSpc>
+              <a:spcBef>
+                <a:spcPts val="500"/>
+              </a:spcBef>
+              <a:buFont typeface="Arial" panose="020B0604020202020204" pitchFamily="34" charset="0"/>
+              <a:buChar char="•"/>
+              <a:defRPr sz="2400" kern="1200">
+                <a:solidFill>
+                  <a:schemeClr val="tx1"/>
+                </a:solidFill>
+                <a:latin typeface="+mn-lt"/>
+                <a:ea typeface="+mn-ea"/>
+                <a:cs typeface="+mn-cs"/>
+              </a:defRPr>
+            </a:lvl2pPr>
+            <a:lvl3pPr marL="1143000" indent="-228600" algn="l" defTabSz="914400" rtl="0" eaLnBrk="1" latinLnBrk="0" hangingPunct="1">
+              <a:lnSpc>
+                <a:spcPct val="90000"/>
+              </a:lnSpc>
+              <a:spcBef>
+                <a:spcPts val="500"/>
+              </a:spcBef>
+              <a:buFont typeface="Arial" panose="020B0604020202020204" pitchFamily="34" charset="0"/>
+              <a:buChar char="•"/>
+              <a:defRPr sz="2000" kern="1200">
+                <a:solidFill>
+                  <a:schemeClr val="tx1"/>
+                </a:solidFill>
+                <a:latin typeface="+mn-lt"/>
+                <a:ea typeface="+mn-ea"/>
+                <a:cs typeface="+mn-cs"/>
+              </a:defRPr>
+            </a:lvl3pPr>
+            <a:lvl4pPr marL="1600200" indent="-228600" algn="l" defTabSz="914400" rtl="0" eaLnBrk="1" latinLnBrk="0" hangingPunct="1">
+              <a:lnSpc>
+                <a:spcPct val="90000"/>
+              </a:lnSpc>
+              <a:spcBef>
+                <a:spcPts val="500"/>
+              </a:spcBef>
+              <a:buFont typeface="Arial" panose="020B0604020202020204" pitchFamily="34" charset="0"/>
+              <a:buChar char="•"/>
+              <a:defRPr sz="1800" kern="1200">
+                <a:solidFill>
+                  <a:schemeClr val="tx1"/>
+                </a:solidFill>
+                <a:latin typeface="+mn-lt"/>
+                <a:ea typeface="+mn-ea"/>
+                <a:cs typeface="+mn-cs"/>
+              </a:defRPr>
+            </a:lvl4pPr>
+            <a:lvl5pPr marL="2057400" indent="-228600" algn="l" defTabSz="914400" rtl="0" eaLnBrk="1" latinLnBrk="0" hangingPunct="1">
+              <a:lnSpc>
+                <a:spcPct val="90000"/>
+              </a:lnSpc>
+              <a:spcBef>
+                <a:spcPts val="500"/>
+              </a:spcBef>
+              <a:buFont typeface="Arial" panose="020B0604020202020204" pitchFamily="34" charset="0"/>
+              <a:buChar char="•"/>
+              <a:defRPr sz="1800" kern="1200">
+                <a:solidFill>
+                  <a:schemeClr val="tx1"/>
+                </a:solidFill>
+                <a:latin typeface="+mn-lt"/>
+                <a:ea typeface="+mn-ea"/>
+                <a:cs typeface="+mn-cs"/>
+              </a:defRPr>
+            </a:lvl5pPr>
+            <a:lvl6pPr marL="2514600" indent="-228600" algn="l" defTabSz="914400" rtl="0" eaLnBrk="1" latinLnBrk="0" hangingPunct="1">
+              <a:lnSpc>
+                <a:spcPct val="90000"/>
+              </a:lnSpc>
+              <a:spcBef>
+                <a:spcPts val="500"/>
+              </a:spcBef>
+              <a:buFont typeface="Arial" panose="020B0604020202020204" pitchFamily="34" charset="0"/>
+              <a:buChar char="•"/>
+              <a:defRPr sz="1800" kern="1200">
+                <a:solidFill>
+                  <a:schemeClr val="tx1"/>
+                </a:solidFill>
+                <a:latin typeface="+mn-lt"/>
+                <a:ea typeface="+mn-ea"/>
+                <a:cs typeface="+mn-cs"/>
+              </a:defRPr>
+            </a:lvl6pPr>
+            <a:lvl7pPr marL="2971800" indent="-228600" algn="l" defTabSz="914400" rtl="0" eaLnBrk="1" latinLnBrk="0" hangingPunct="1">
+              <a:lnSpc>
+                <a:spcPct val="90000"/>
+              </a:lnSpc>
+              <a:spcBef>
+                <a:spcPts val="500"/>
+              </a:spcBef>
+              <a:buFont typeface="Arial" panose="020B0604020202020204" pitchFamily="34" charset="0"/>
+              <a:buChar char="•"/>
+              <a:defRPr sz="1800" kern="1200">
+                <a:solidFill>
+                  <a:schemeClr val="tx1"/>
+                </a:solidFill>
+                <a:latin typeface="+mn-lt"/>
+                <a:ea typeface="+mn-ea"/>
+                <a:cs typeface="+mn-cs"/>
+              </a:defRPr>
+            </a:lvl7pPr>
+            <a:lvl8pPr marL="3429000" indent="-228600" algn="l" defTabSz="914400" rtl="0" eaLnBrk="1" latinLnBrk="0" hangingPunct="1">
+              <a:lnSpc>
+                <a:spcPct val="90000"/>
+              </a:lnSpc>
+              <a:spcBef>
+                <a:spcPts val="500"/>
+              </a:spcBef>
+              <a:buFont typeface="Arial" panose="020B0604020202020204" pitchFamily="34" charset="0"/>
+              <a:buChar char="•"/>
+              <a:defRPr sz="1800" kern="1200">
+                <a:solidFill>
+                  <a:schemeClr val="tx1"/>
+                </a:solidFill>
+                <a:latin typeface="+mn-lt"/>
+                <a:ea typeface="+mn-ea"/>
+                <a:cs typeface="+mn-cs"/>
+              </a:defRPr>
+            </a:lvl8pPr>
+            <a:lvl9pPr marL="3886200" indent="-228600" algn="l" defTabSz="914400" rtl="0" eaLnBrk="1" latinLnBrk="0" hangingPunct="1">
+              <a:lnSpc>
+                <a:spcPct val="90000"/>
+              </a:lnSpc>
+              <a:spcBef>
+                <a:spcPts val="500"/>
+              </a:spcBef>
+              <a:buFont typeface="Arial" panose="020B0604020202020204" pitchFamily="34" charset="0"/>
+              <a:buChar char="•"/>
+              <a:defRPr sz="1800" kern="1200">
+                <a:solidFill>
+                  <a:schemeClr val="tx1"/>
+                </a:solidFill>
+                <a:latin typeface="+mn-lt"/>
+                <a:ea typeface="+mn-ea"/>
+                <a:cs typeface="+mn-cs"/>
+              </a:defRPr>
+            </a:lvl9pPr>
+          </a:lstStyle>
+          <a:p>
+            <a:r>
+              <a:rPr lang="it-CH" sz="3200" dirty="0"/>
               <a:t>Programmi/modalità</a:t>
             </a:r>
           </a:p>
           <a:p>
-            <a:pPr lvl="7"/>
-            <a:r>
-              <a:rPr lang="it-CH" sz="3200" dirty="0" smtClean="0"/>
+            <a:r>
+              <a:rPr lang="it-CH" sz="3200" dirty="0"/>
               <a:t>Arduino</a:t>
             </a:r>
           </a:p>
           <a:p>
-            <a:pPr lvl="7"/>
-            <a:r>
-              <a:rPr lang="it-CH" sz="3200" dirty="0" smtClean="0"/>
+            <a:r>
+              <a:rPr lang="it-CH" sz="3200" dirty="0"/>
               <a:t>Procedura di </a:t>
             </a:r>
             <a:r>
-              <a:rPr lang="it-CH" sz="3200" dirty="0" err="1" smtClean="0"/>
+              <a:rPr lang="it-CH" sz="3200" dirty="0" err="1"/>
               <a:t>check</a:t>
             </a:r>
             <a:endParaRPr lang="it-IT" sz="3200" dirty="0"/>
@@ -5540,25 +6074,35 @@
           </a:p>
         </p:txBody>
       </p:sp>
-      <p:sp>
-        <p:nvSpPr>
-          <p:cNvPr id="3" name="Segnaposto contenuto 2"/>
-          <p:cNvSpPr>
-            <a:spLocks noGrp="1"/>
-          </p:cNvSpPr>
+      <p:pic>
+        <p:nvPicPr>
+          <p:cNvPr id="8" name="Segnaposto contenuto 7"/>
+          <p:cNvPicPr>
+            <a:picLocks noGrp="1" noChangeAspect="1"/>
+          </p:cNvPicPr>
           <p:nvPr>
             <p:ph idx="1"/>
           </p:nvPr>
-        </p:nvSpPr>
-        <p:spPr/>
-        <p:txBody>
-          <a:bodyPr/>
-          <a:lstStyle/>
-          <a:p>
-            <a:endParaRPr lang="it-IT"/>
-          </a:p>
-        </p:txBody>
-      </p:sp>
+        </p:nvPicPr>
+        <p:blipFill>
+          <a:blip r:embed="rId3" cstate="print">
+            <a:extLst>
+              <a:ext uri="{28A0092B-C50C-407E-A947-70E740481C1C}">
+                <a14:useLocalDpi xmlns:a14="http://schemas.microsoft.com/office/drawing/2010/main" val="0"/>
+              </a:ext>
+            </a:extLst>
+          </a:blip>
+          <a:stretch>
+            <a:fillRect/>
+          </a:stretch>
+        </p:blipFill>
+        <p:spPr>
+          <a:xfrm>
+            <a:off x="2542032" y="1690688"/>
+            <a:ext cx="6978801" cy="4600384"/>
+          </a:xfrm>
+        </p:spPr>
+      </p:pic>
     </p:spTree>
     <p:extLst>
       <p:ext uri="{BB962C8B-B14F-4D97-AF65-F5344CB8AC3E}">
@@ -5596,52 +6140,38 @@
           <a:chExt cx="0" cy="0"/>
         </a:xfrm>
       </p:grpSpPr>
-      <p:sp>
-        <p:nvSpPr>
-          <p:cNvPr id="2" name="Titolo 1"/>
-          <p:cNvSpPr>
-            <a:spLocks noGrp="1"/>
-          </p:cNvSpPr>
-          <p:nvPr>
-            <p:ph type="title"/>
-          </p:nvPr>
-        </p:nvSpPr>
-        <p:spPr/>
-        <p:txBody>
-          <a:bodyPr/>
-          <a:lstStyle/>
-          <a:p>
-            <a:r>
-              <a:rPr lang="it-CH" dirty="0" smtClean="0"/>
-              <a:t>GANTT Consuntivo.</a:t>
-            </a:r>
-            <a:endParaRPr lang="it-IT" dirty="0"/>
-          </a:p>
-        </p:txBody>
-      </p:sp>
-      <p:sp>
-        <p:nvSpPr>
-          <p:cNvPr id="3" name="Segnaposto contenuto 2"/>
-          <p:cNvSpPr>
-            <a:spLocks noGrp="1"/>
-          </p:cNvSpPr>
+      <p:pic>
+        <p:nvPicPr>
+          <p:cNvPr id="4" name="Segnaposto contenuto 3"/>
+          <p:cNvPicPr>
+            <a:picLocks noGrp="1" noChangeAspect="1"/>
+          </p:cNvPicPr>
           <p:nvPr>
             <p:ph idx="1"/>
           </p:nvPr>
-        </p:nvSpPr>
-        <p:spPr/>
-        <p:txBody>
-          <a:bodyPr/>
-          <a:lstStyle/>
-          <a:p>
-            <a:endParaRPr lang="it-IT"/>
-          </a:p>
-        </p:txBody>
-      </p:sp>
+        </p:nvPicPr>
+        <p:blipFill rotWithShape="1">
+          <a:blip r:embed="rId3" cstate="print">
+            <a:extLst>
+              <a:ext uri="{28A0092B-C50C-407E-A947-70E740481C1C}">
+                <a14:useLocalDpi xmlns:a14="http://schemas.microsoft.com/office/drawing/2010/main" val="0"/>
+              </a:ext>
+            </a:extLst>
+          </a:blip>
+          <a:srcRect r="19849"/>
+          <a:stretch/>
+        </p:blipFill>
+        <p:spPr>
+          <a:xfrm>
+            <a:off x="0" y="0"/>
+            <a:ext cx="12192000" cy="10031982"/>
+          </a:xfrm>
+        </p:spPr>
+      </p:pic>
     </p:spTree>
     <p:extLst>
       <p:ext uri="{BB962C8B-B14F-4D97-AF65-F5344CB8AC3E}">
-        <p14:creationId xmlns:p14="http://schemas.microsoft.com/office/powerpoint/2010/main" val="2784124828"/>
+        <p14:creationId xmlns:p14="http://schemas.microsoft.com/office/powerpoint/2010/main" val="2689560121"/>
       </p:ext>
     </p:extLst>
   </p:cSld>
@@ -5690,47 +6220,62 @@
           <a:bodyPr/>
           <a:lstStyle/>
           <a:p>
-            <a:r>
-              <a:rPr lang="it-CH" dirty="0" smtClean="0"/>
-              <a:t>Struttura sistema.</a:t>
-            </a:r>
+            <a:endParaRPr lang="it-IT"/>
+          </a:p>
+        </p:txBody>
+      </p:sp>
+      <p:sp>
+        <p:nvSpPr>
+          <p:cNvPr id="3" name="Segnaposto contenuto 2"/>
+          <p:cNvSpPr>
+            <a:spLocks noGrp="1"/>
+          </p:cNvSpPr>
+          <p:nvPr>
+            <p:ph idx="1"/>
+          </p:nvPr>
+        </p:nvSpPr>
+        <p:spPr/>
+        <p:txBody>
+          <a:bodyPr/>
+          <a:lstStyle/>
+          <a:p>
             <a:endParaRPr lang="it-IT" dirty="0"/>
           </a:p>
         </p:txBody>
       </p:sp>
       <p:pic>
         <p:nvPicPr>
-          <p:cNvPr id="4" name="Segnaposto contenuto 3"/>
+          <p:cNvPr id="6" name="Segnaposto contenuto 3"/>
           <p:cNvPicPr>
-            <a:picLocks noGrp="1" noChangeAspect="1"/>
+            <a:picLocks noChangeAspect="1"/>
           </p:cNvPicPr>
-          <p:nvPr>
-            <p:ph idx="1"/>
-          </p:nvPr>
+          <p:nvPr/>
         </p:nvPicPr>
-        <p:blipFill>
-          <a:blip r:embed="rId2">
+        <p:blipFill rotWithShape="1">
+          <a:blip r:embed="rId3" cstate="print">
             <a:extLst>
               <a:ext uri="{28A0092B-C50C-407E-A947-70E740481C1C}">
                 <a14:useLocalDpi xmlns:a14="http://schemas.microsoft.com/office/drawing/2010/main" val="0"/>
               </a:ext>
             </a:extLst>
           </a:blip>
-          <a:stretch>
-            <a:fillRect/>
-          </a:stretch>
+          <a:srcRect r="19849"/>
+          <a:stretch/>
         </p:blipFill>
         <p:spPr>
           <a:xfrm>
-            <a:off x="2350008" y="2218501"/>
-            <a:ext cx="6236208" cy="3529010"/>
+            <a:off x="0" y="-3173982"/>
+            <a:ext cx="12192000" cy="10031982"/>
           </a:xfrm>
+          <a:prstGeom prst="rect">
+            <a:avLst/>
+          </a:prstGeom>
         </p:spPr>
       </p:pic>
     </p:spTree>
     <p:extLst>
       <p:ext uri="{BB962C8B-B14F-4D97-AF65-F5344CB8AC3E}">
-        <p14:creationId xmlns:p14="http://schemas.microsoft.com/office/powerpoint/2010/main" val="963622927"/>
+        <p14:creationId xmlns:p14="http://schemas.microsoft.com/office/powerpoint/2010/main" val="2667491284"/>
       </p:ext>
     </p:extLst>
   </p:cSld>
@@ -5764,39 +6309,52 @@
           <a:chExt cx="0" cy="0"/>
         </a:xfrm>
       </p:grpSpPr>
-      <p:pic>
-        <p:nvPicPr>
-          <p:cNvPr id="4" name="Segnaposto contenuto 3"/>
-          <p:cNvPicPr>
-            <a:picLocks noGrp="1" noChangeAspect="1"/>
-          </p:cNvPicPr>
+      <p:sp>
+        <p:nvSpPr>
+          <p:cNvPr id="2" name="Titolo 1"/>
+          <p:cNvSpPr>
+            <a:spLocks noGrp="1"/>
+          </p:cNvSpPr>
+          <p:nvPr>
+            <p:ph type="title"/>
+          </p:nvPr>
+        </p:nvSpPr>
+        <p:spPr/>
+        <p:txBody>
+          <a:bodyPr/>
+          <a:lstStyle/>
+          <a:p>
+            <a:r>
+              <a:rPr lang="it-CH" dirty="0" smtClean="0"/>
+              <a:t>GANTT Consuntivo.</a:t>
+            </a:r>
+            <a:endParaRPr lang="it-IT" dirty="0"/>
+          </a:p>
+        </p:txBody>
+      </p:sp>
+      <p:sp>
+        <p:nvSpPr>
+          <p:cNvPr id="3" name="Segnaposto contenuto 2"/>
+          <p:cNvSpPr>
+            <a:spLocks noGrp="1"/>
+          </p:cNvSpPr>
           <p:nvPr>
             <p:ph idx="1"/>
           </p:nvPr>
-        </p:nvPicPr>
-        <p:blipFill>
-          <a:blip r:embed="rId2">
-            <a:extLst>
-              <a:ext uri="{28A0092B-C50C-407E-A947-70E740481C1C}">
-                <a14:useLocalDpi xmlns:a14="http://schemas.microsoft.com/office/drawing/2010/main" val="0"/>
-              </a:ext>
-            </a:extLst>
-          </a:blip>
-          <a:stretch>
-            <a:fillRect/>
-          </a:stretch>
-        </p:blipFill>
-        <p:spPr>
-          <a:xfrm>
-            <a:off x="268150" y="365761"/>
-            <a:ext cx="10905817" cy="6350698"/>
-          </a:xfrm>
-        </p:spPr>
-      </p:pic>
+        </p:nvSpPr>
+        <p:spPr/>
+        <p:txBody>
+          <a:bodyPr/>
+          <a:lstStyle/>
+          <a:p>
+            <a:endParaRPr lang="it-IT"/>
+          </a:p>
+        </p:txBody>
+      </p:sp>
     </p:spTree>
     <p:extLst>
       <p:ext uri="{BB962C8B-B14F-4D97-AF65-F5344CB8AC3E}">
-        <p14:creationId xmlns:p14="http://schemas.microsoft.com/office/powerpoint/2010/main" val="2731331551"/>
+        <p14:creationId xmlns:p14="http://schemas.microsoft.com/office/powerpoint/2010/main" val="2784124828"/>
       </p:ext>
     </p:extLst>
   </p:cSld>

--- a/Presentations/Presentazione.pptx
+++ b/Presentations/Presentazione.pptx
@@ -216,7 +216,7 @@
           <a:p>
             <a:fld id="{152D4747-CBEA-4A11-90BA-47D5349A88AA}" type="datetimeFigureOut">
               <a:rPr lang="it-IT" smtClean="0"/>
-              <a:t>08/05/2019</a:t>
+              <a:t>10/05/2019</a:t>
             </a:fld>
             <a:endParaRPr lang="it-IT"/>
           </a:p>
@@ -905,7 +905,7 @@
           <a:p>
             <a:fld id="{EC946105-561A-4569-8BDB-2855F3E534B9}" type="slidenum">
               <a:rPr lang="it-IT" smtClean="0"/>
-              <a:t>18</a:t>
+              <a:t>17</a:t>
             </a:fld>
             <a:endParaRPr lang="it-IT"/>
           </a:p>
@@ -914,7 +914,7 @@
     </p:spTree>
     <p:extLst>
       <p:ext uri="{BB962C8B-B14F-4D97-AF65-F5344CB8AC3E}">
-        <p14:creationId xmlns:p14="http://schemas.microsoft.com/office/powerpoint/2010/main" val="1292419470"/>
+        <p14:creationId xmlns:p14="http://schemas.microsoft.com/office/powerpoint/2010/main" val="672362596"/>
       </p:ext>
     </p:extLst>
   </p:cSld>
@@ -993,7 +993,7 @@
           <a:p>
             <a:fld id="{EC946105-561A-4569-8BDB-2855F3E534B9}" type="slidenum">
               <a:rPr lang="it-IT" smtClean="0"/>
-              <a:t>19</a:t>
+              <a:t>18</a:t>
             </a:fld>
             <a:endParaRPr lang="it-IT"/>
           </a:p>
@@ -1002,7 +1002,7 @@
     </p:spTree>
     <p:extLst>
       <p:ext uri="{BB962C8B-B14F-4D97-AF65-F5344CB8AC3E}">
-        <p14:creationId xmlns:p14="http://schemas.microsoft.com/office/powerpoint/2010/main" val="3140615833"/>
+        <p14:creationId xmlns:p14="http://schemas.microsoft.com/office/powerpoint/2010/main" val="1292419470"/>
       </p:ext>
     </p:extLst>
   </p:cSld>
@@ -1058,8 +1058,126 @@
           <a:p>
             <a:r>
               <a:rPr lang="it-CH" dirty="0" smtClean="0"/>
-              <a:t>Bryan</a:t>
-            </a:r>
+              <a:t>Bryan:</a:t>
+            </a:r>
+          </a:p>
+          <a:p>
+            <a:pPr marL="171450" indent="-171450">
+              <a:buFont typeface="Arial" panose="020B0604020202020204" pitchFamily="34" charset="0"/>
+              <a:buChar char="•"/>
+            </a:pPr>
+            <a:r>
+              <a:rPr lang="it-CH" dirty="0" smtClean="0"/>
+              <a:t>Gestione punteggi:</a:t>
+            </a:r>
+            <a:r>
+              <a:rPr lang="it-CH" baseline="0" dirty="0" smtClean="0"/>
+              <a:t> salvataggio migliori punteggi</a:t>
+            </a:r>
+          </a:p>
+          <a:p>
+            <a:pPr marL="171450" indent="-171450">
+              <a:buFont typeface="Arial" panose="020B0604020202020204" pitchFamily="34" charset="0"/>
+              <a:buChar char="•"/>
+            </a:pPr>
+            <a:r>
+              <a:rPr lang="it-CH" baseline="0" dirty="0" smtClean="0"/>
+              <a:t>Aggiunta di nuove modalità: ad esempio modalità n° 5</a:t>
+            </a:r>
+          </a:p>
+          <a:p>
+            <a:pPr marL="171450" indent="-171450">
+              <a:buFont typeface="Arial" panose="020B0604020202020204" pitchFamily="34" charset="0"/>
+              <a:buChar char="•"/>
+            </a:pPr>
+            <a:r>
+              <a:rPr lang="it-CH" baseline="0" smtClean="0"/>
+              <a:t>Migliorare l’hardware </a:t>
+            </a:r>
+            <a:endParaRPr lang="it-IT" dirty="0"/>
+          </a:p>
+        </p:txBody>
+      </p:sp>
+      <p:sp>
+        <p:nvSpPr>
+          <p:cNvPr id="4" name="Segnaposto numero diapositiva 3"/>
+          <p:cNvSpPr>
+            <a:spLocks noGrp="1"/>
+          </p:cNvSpPr>
+          <p:nvPr>
+            <p:ph type="sldNum" sz="quarter" idx="10"/>
+          </p:nvPr>
+        </p:nvSpPr>
+        <p:spPr/>
+        <p:txBody>
+          <a:bodyPr/>
+          <a:lstStyle/>
+          <a:p>
+            <a:fld id="{EC946105-561A-4569-8BDB-2855F3E534B9}" type="slidenum">
+              <a:rPr lang="it-IT" smtClean="0"/>
+              <a:t>19</a:t>
+            </a:fld>
+            <a:endParaRPr lang="it-IT"/>
+          </a:p>
+        </p:txBody>
+      </p:sp>
+    </p:spTree>
+    <p:extLst>
+      <p:ext uri="{BB962C8B-B14F-4D97-AF65-F5344CB8AC3E}">
+        <p14:creationId xmlns:p14="http://schemas.microsoft.com/office/powerpoint/2010/main" val="3140615833"/>
+      </p:ext>
+    </p:extLst>
+  </p:cSld>
+  <p:clrMapOvr>
+    <a:masterClrMapping/>
+  </p:clrMapOvr>
+</p:notes>
+</file>
+
+<file path=ppt/notesSlides/notesSlide8.xml><?xml version="1.0" encoding="utf-8"?>
+<p:notes xmlns:a="http://schemas.openxmlformats.org/drawingml/2006/main" xmlns:r="http://schemas.openxmlformats.org/officeDocument/2006/relationships" xmlns:p="http://schemas.openxmlformats.org/presentationml/2006/main">
+  <p:cSld>
+    <p:spTree>
+      <p:nvGrpSpPr>
+        <p:cNvPr id="1" name=""/>
+        <p:cNvGrpSpPr/>
+        <p:nvPr/>
+      </p:nvGrpSpPr>
+      <p:grpSpPr>
+        <a:xfrm>
+          <a:off x="0" y="0"/>
+          <a:ext cx="0" cy="0"/>
+          <a:chOff x="0" y="0"/>
+          <a:chExt cx="0" cy="0"/>
+        </a:xfrm>
+      </p:grpSpPr>
+      <p:sp>
+        <p:nvSpPr>
+          <p:cNvPr id="2" name="Segnaposto immagine diapositiva 1"/>
+          <p:cNvSpPr>
+            <a:spLocks noGrp="1" noRot="1" noChangeAspect="1"/>
+          </p:cNvSpPr>
+          <p:nvPr>
+            <p:ph type="sldImg"/>
+          </p:nvPr>
+        </p:nvSpPr>
+        <p:spPr/>
+      </p:sp>
+      <p:sp>
+        <p:nvSpPr>
+          <p:cNvPr id="3" name="Segnaposto note 2"/>
+          <p:cNvSpPr>
+            <a:spLocks noGrp="1"/>
+          </p:cNvSpPr>
+          <p:nvPr>
+            <p:ph type="body" idx="1"/>
+          </p:nvPr>
+        </p:nvSpPr>
+        <p:spPr/>
+        <p:txBody>
+          <a:bodyPr/>
+          <a:lstStyle/>
+          <a:p>
             <a:endParaRPr lang="it-IT" dirty="0"/>
           </a:p>
         </p:txBody>
@@ -1231,7 +1349,7 @@
           <a:p>
             <a:fld id="{A7993604-91A5-4AD4-B379-9AD64B0366D4}" type="datetimeFigureOut">
               <a:rPr lang="it-IT" smtClean="0"/>
-              <a:t>08/05/2019</a:t>
+              <a:t>10/05/2019</a:t>
             </a:fld>
             <a:endParaRPr lang="it-IT"/>
           </a:p>
@@ -1401,7 +1519,7 @@
           <a:p>
             <a:fld id="{A7993604-91A5-4AD4-B379-9AD64B0366D4}" type="datetimeFigureOut">
               <a:rPr lang="it-IT" smtClean="0"/>
-              <a:t>08/05/2019</a:t>
+              <a:t>10/05/2019</a:t>
             </a:fld>
             <a:endParaRPr lang="it-IT"/>
           </a:p>
@@ -1581,7 +1699,7 @@
           <a:p>
             <a:fld id="{A7993604-91A5-4AD4-B379-9AD64B0366D4}" type="datetimeFigureOut">
               <a:rPr lang="it-IT" smtClean="0"/>
-              <a:t>08/05/2019</a:t>
+              <a:t>10/05/2019</a:t>
             </a:fld>
             <a:endParaRPr lang="it-IT"/>
           </a:p>
@@ -1751,7 +1869,7 @@
           <a:p>
             <a:fld id="{A7993604-91A5-4AD4-B379-9AD64B0366D4}" type="datetimeFigureOut">
               <a:rPr lang="it-IT" smtClean="0"/>
-              <a:t>08/05/2019</a:t>
+              <a:t>10/05/2019</a:t>
             </a:fld>
             <a:endParaRPr lang="it-IT"/>
           </a:p>
@@ -1997,7 +2115,7 @@
           <a:p>
             <a:fld id="{A7993604-91A5-4AD4-B379-9AD64B0366D4}" type="datetimeFigureOut">
               <a:rPr lang="it-IT" smtClean="0"/>
-              <a:t>08/05/2019</a:t>
+              <a:t>10/05/2019</a:t>
             </a:fld>
             <a:endParaRPr lang="it-IT"/>
           </a:p>
@@ -2229,7 +2347,7 @@
           <a:p>
             <a:fld id="{A7993604-91A5-4AD4-B379-9AD64B0366D4}" type="datetimeFigureOut">
               <a:rPr lang="it-IT" smtClean="0"/>
-              <a:t>08/05/2019</a:t>
+              <a:t>10/05/2019</a:t>
             </a:fld>
             <a:endParaRPr lang="it-IT"/>
           </a:p>
@@ -2596,7 +2714,7 @@
           <a:p>
             <a:fld id="{A7993604-91A5-4AD4-B379-9AD64B0366D4}" type="datetimeFigureOut">
               <a:rPr lang="it-IT" smtClean="0"/>
-              <a:t>08/05/2019</a:t>
+              <a:t>10/05/2019</a:t>
             </a:fld>
             <a:endParaRPr lang="it-IT"/>
           </a:p>
@@ -2714,7 +2832,7 @@
           <a:p>
             <a:fld id="{A7993604-91A5-4AD4-B379-9AD64B0366D4}" type="datetimeFigureOut">
               <a:rPr lang="it-IT" smtClean="0"/>
-              <a:t>08/05/2019</a:t>
+              <a:t>10/05/2019</a:t>
             </a:fld>
             <a:endParaRPr lang="it-IT"/>
           </a:p>
@@ -2809,7 +2927,7 @@
           <a:p>
             <a:fld id="{A7993604-91A5-4AD4-B379-9AD64B0366D4}" type="datetimeFigureOut">
               <a:rPr lang="it-IT" smtClean="0"/>
-              <a:t>08/05/2019</a:t>
+              <a:t>10/05/2019</a:t>
             </a:fld>
             <a:endParaRPr lang="it-IT"/>
           </a:p>
@@ -3086,7 +3204,7 @@
           <a:p>
             <a:fld id="{A7993604-91A5-4AD4-B379-9AD64B0366D4}" type="datetimeFigureOut">
               <a:rPr lang="it-IT" smtClean="0"/>
-              <a:t>08/05/2019</a:t>
+              <a:t>10/05/2019</a:t>
             </a:fld>
             <a:endParaRPr lang="it-IT"/>
           </a:p>
@@ -3339,7 +3457,7 @@
           <a:p>
             <a:fld id="{A7993604-91A5-4AD4-B379-9AD64B0366D4}" type="datetimeFigureOut">
               <a:rPr lang="it-IT" smtClean="0"/>
-              <a:t>08/05/2019</a:t>
+              <a:t>10/05/2019</a:t>
             </a:fld>
             <a:endParaRPr lang="it-IT"/>
           </a:p>
@@ -3552,7 +3670,7 @@
           <a:p>
             <a:fld id="{A7993604-91A5-4AD4-B379-9AD64B0366D4}" type="datetimeFigureOut">
               <a:rPr lang="it-IT" smtClean="0"/>
-              <a:t>08/05/2019</a:t>
+              <a:t>10/05/2019</a:t>
             </a:fld>
             <a:endParaRPr lang="it-IT"/>
           </a:p>
@@ -5727,7 +5845,6 @@
               <a:rPr lang="it-CH" sz="3200" dirty="0" smtClean="0"/>
               <a:t>Misurare/testare</a:t>
             </a:r>
-            <a:endParaRPr lang="it-CH" sz="3200" dirty="0" smtClean="0"/>
           </a:p>
           <a:p>
             <a:r>
@@ -6158,7 +6275,7 @@
               </a:ext>
             </a:extLst>
           </a:blip>
-          <a:srcRect r="19849"/>
+          <a:srcRect t="2790" r="19849"/>
           <a:stretch/>
         </p:blipFill>
         <p:spPr>

--- a/Presentations/Presentazione.pptx
+++ b/Presentations/Presentazione.pptx
@@ -530,7 +530,17 @@
           <a:p>
             <a:r>
               <a:rPr lang="it-CH" dirty="0" smtClean="0"/>
-              <a:t>Bryan</a:t>
+              <a:t>Bryan:</a:t>
+            </a:r>
+          </a:p>
+          <a:p>
+            <a:pPr marL="171450" indent="-171450">
+              <a:buFont typeface="Arial" panose="020B0604020202020204" pitchFamily="34" charset="0"/>
+              <a:buChar char="•"/>
+            </a:pPr>
+            <a:r>
+              <a:rPr lang="it-CH" dirty="0" smtClean="0"/>
+              <a:t>Misurare: chi prova il nostro sistema </a:t>
             </a:r>
             <a:endParaRPr lang="it-IT" dirty="0"/>
           </a:p>

--- a/Presentations/Presentazione.pptx
+++ b/Presentations/Presentazione.pptx
@@ -540,7 +540,39 @@
             </a:pPr>
             <a:r>
               <a:rPr lang="it-CH" dirty="0" smtClean="0"/>
-              <a:t>Misurare: chi prova il nostro sistema </a:t>
+              <a:t>Misurare: chi prova il nostro </a:t>
+            </a:r>
+            <a:r>
+              <a:rPr lang="it-CH" dirty="0" smtClean="0"/>
+              <a:t>sistema</a:t>
+            </a:r>
+          </a:p>
+          <a:p>
+            <a:pPr marL="171450" indent="-171450">
+              <a:buFont typeface="Arial" panose="020B0604020202020204" pitchFamily="34" charset="0"/>
+              <a:buChar char="•"/>
+            </a:pPr>
+            <a:r>
+              <a:rPr lang="it-CH" dirty="0" smtClean="0"/>
+              <a:t>Migliorare</a:t>
+            </a:r>
+            <a:r>
+              <a:rPr lang="it-CH" baseline="0" dirty="0" smtClean="0"/>
+              <a:t> i propri riflessi</a:t>
+            </a:r>
+          </a:p>
+          <a:p>
+            <a:pPr marL="171450" indent="-171450">
+              <a:buFont typeface="Arial" panose="020B0604020202020204" pitchFamily="34" charset="0"/>
+              <a:buChar char="•"/>
+            </a:pPr>
+            <a:r>
+              <a:rPr lang="it-CH" baseline="0" dirty="0" smtClean="0"/>
+              <a:t>Aiuta le persone a fare attività fisica. Vedi maratona </a:t>
+            </a:r>
+            <a:r>
+              <a:rPr lang="it-CH" baseline="0" smtClean="0"/>
+              <a:t>5 minuti.</a:t>
             </a:r>
             <a:endParaRPr lang="it-IT" dirty="0"/>
           </a:p>
@@ -890,10 +922,6 @@
           <a:bodyPr/>
           <a:lstStyle/>
           <a:p>
-            <a:r>
-              <a:rPr lang="it-CH" dirty="0" smtClean="0"/>
-              <a:t>Bryan</a:t>
-            </a:r>
             <a:endParaRPr lang="it-IT" dirty="0"/>
           </a:p>
         </p:txBody>
@@ -915,7 +943,7 @@
           <a:p>
             <a:fld id="{EC946105-561A-4569-8BDB-2855F3E534B9}" type="slidenum">
               <a:rPr lang="it-IT" smtClean="0"/>
-              <a:t>17</a:t>
+              <a:t>9</a:t>
             </a:fld>
             <a:endParaRPr lang="it-IT"/>
           </a:p>
@@ -924,7 +952,7 @@
     </p:spTree>
     <p:extLst>
       <p:ext uri="{BB962C8B-B14F-4D97-AF65-F5344CB8AC3E}">
-        <p14:creationId xmlns:p14="http://schemas.microsoft.com/office/powerpoint/2010/main" val="672362596"/>
+        <p14:creationId xmlns:p14="http://schemas.microsoft.com/office/powerpoint/2010/main" val="992083493"/>
       </p:ext>
     </p:extLst>
   </p:cSld>
@@ -1003,7 +1031,7 @@
           <a:p>
             <a:fld id="{EC946105-561A-4569-8BDB-2855F3E534B9}" type="slidenum">
               <a:rPr lang="it-IT" smtClean="0"/>
-              <a:t>18</a:t>
+              <a:t>17</a:t>
             </a:fld>
             <a:endParaRPr lang="it-IT"/>
           </a:p>
@@ -1012,7 +1040,7 @@
     </p:spTree>
     <p:extLst>
       <p:ext uri="{BB962C8B-B14F-4D97-AF65-F5344CB8AC3E}">
-        <p14:creationId xmlns:p14="http://schemas.microsoft.com/office/powerpoint/2010/main" val="1292419470"/>
+        <p14:creationId xmlns:p14="http://schemas.microsoft.com/office/powerpoint/2010/main" val="672362596"/>
       </p:ext>
     </p:extLst>
   </p:cSld>
@@ -1068,6 +1096,94 @@
           <a:p>
             <a:r>
               <a:rPr lang="it-CH" dirty="0" smtClean="0"/>
+              <a:t>Bryan</a:t>
+            </a:r>
+            <a:endParaRPr lang="it-IT" dirty="0"/>
+          </a:p>
+        </p:txBody>
+      </p:sp>
+      <p:sp>
+        <p:nvSpPr>
+          <p:cNvPr id="4" name="Segnaposto numero diapositiva 3"/>
+          <p:cNvSpPr>
+            <a:spLocks noGrp="1"/>
+          </p:cNvSpPr>
+          <p:nvPr>
+            <p:ph type="sldNum" sz="quarter" idx="10"/>
+          </p:nvPr>
+        </p:nvSpPr>
+        <p:spPr/>
+        <p:txBody>
+          <a:bodyPr/>
+          <a:lstStyle/>
+          <a:p>
+            <a:fld id="{EC946105-561A-4569-8BDB-2855F3E534B9}" type="slidenum">
+              <a:rPr lang="it-IT" smtClean="0"/>
+              <a:t>18</a:t>
+            </a:fld>
+            <a:endParaRPr lang="it-IT"/>
+          </a:p>
+        </p:txBody>
+      </p:sp>
+    </p:spTree>
+    <p:extLst>
+      <p:ext uri="{BB962C8B-B14F-4D97-AF65-F5344CB8AC3E}">
+        <p14:creationId xmlns:p14="http://schemas.microsoft.com/office/powerpoint/2010/main" val="1292419470"/>
+      </p:ext>
+    </p:extLst>
+  </p:cSld>
+  <p:clrMapOvr>
+    <a:masterClrMapping/>
+  </p:clrMapOvr>
+</p:notes>
+</file>
+
+<file path=ppt/notesSlides/notesSlide8.xml><?xml version="1.0" encoding="utf-8"?>
+<p:notes xmlns:a="http://schemas.openxmlformats.org/drawingml/2006/main" xmlns:r="http://schemas.openxmlformats.org/officeDocument/2006/relationships" xmlns:p="http://schemas.openxmlformats.org/presentationml/2006/main">
+  <p:cSld>
+    <p:spTree>
+      <p:nvGrpSpPr>
+        <p:cNvPr id="1" name=""/>
+        <p:cNvGrpSpPr/>
+        <p:nvPr/>
+      </p:nvGrpSpPr>
+      <p:grpSpPr>
+        <a:xfrm>
+          <a:off x="0" y="0"/>
+          <a:ext cx="0" cy="0"/>
+          <a:chOff x="0" y="0"/>
+          <a:chExt cx="0" cy="0"/>
+        </a:xfrm>
+      </p:grpSpPr>
+      <p:sp>
+        <p:nvSpPr>
+          <p:cNvPr id="2" name="Segnaposto immagine diapositiva 1"/>
+          <p:cNvSpPr>
+            <a:spLocks noGrp="1" noRot="1" noChangeAspect="1"/>
+          </p:cNvSpPr>
+          <p:nvPr>
+            <p:ph type="sldImg"/>
+          </p:nvPr>
+        </p:nvSpPr>
+        <p:spPr/>
+      </p:sp>
+      <p:sp>
+        <p:nvSpPr>
+          <p:cNvPr id="3" name="Segnaposto note 2"/>
+          <p:cNvSpPr>
+            <a:spLocks noGrp="1"/>
+          </p:cNvSpPr>
+          <p:nvPr>
+            <p:ph type="body" idx="1"/>
+          </p:nvPr>
+        </p:nvSpPr>
+        <p:spPr/>
+        <p:txBody>
+          <a:bodyPr/>
+          <a:lstStyle/>
+          <a:p>
+            <a:r>
+              <a:rPr lang="it-CH" dirty="0" smtClean="0"/>
               <a:t>Bryan:</a:t>
             </a:r>
           </a:p>
@@ -1144,7 +1260,7 @@
 </p:notes>
 </file>
 
-<file path=ppt/notesSlides/notesSlide8.xml><?xml version="1.0" encoding="utf-8"?>
+<file path=ppt/notesSlides/notesSlide9.xml><?xml version="1.0" encoding="utf-8"?>
 <p:notes xmlns:a="http://schemas.openxmlformats.org/drawingml/2006/main" xmlns:r="http://schemas.openxmlformats.org/officeDocument/2006/relationships" xmlns:p="http://schemas.openxmlformats.org/presentationml/2006/main">
   <p:cSld>
     <p:spTree>

--- a/Presentations/Presentazione.pptx
+++ b/Presentations/Presentazione.pptx
@@ -5,7 +5,7 @@
     <p:sldMasterId id="2147483648" r:id="rId1"/>
   </p:sldMasterIdLst>
   <p:notesMasterIdLst>
-    <p:notesMasterId r:id="rId22"/>
+    <p:notesMasterId r:id="rId24"/>
   </p:notesMasterIdLst>
   <p:sldIdLst>
     <p:sldId id="256" r:id="rId2"/>
@@ -17,17 +17,19 @@
     <p:sldId id="274" r:id="rId8"/>
     <p:sldId id="275" r:id="rId9"/>
     <p:sldId id="266" r:id="rId10"/>
-    <p:sldId id="263" r:id="rId11"/>
-    <p:sldId id="268" r:id="rId12"/>
-    <p:sldId id="269" r:id="rId13"/>
-    <p:sldId id="273" r:id="rId14"/>
-    <p:sldId id="270" r:id="rId15"/>
-    <p:sldId id="271" r:id="rId16"/>
-    <p:sldId id="272" r:id="rId17"/>
-    <p:sldId id="264" r:id="rId18"/>
-    <p:sldId id="267" r:id="rId19"/>
-    <p:sldId id="265" r:id="rId20"/>
-    <p:sldId id="259" r:id="rId21"/>
+    <p:sldId id="276" r:id="rId11"/>
+    <p:sldId id="277" r:id="rId12"/>
+    <p:sldId id="263" r:id="rId13"/>
+    <p:sldId id="268" r:id="rId14"/>
+    <p:sldId id="269" r:id="rId15"/>
+    <p:sldId id="273" r:id="rId16"/>
+    <p:sldId id="270" r:id="rId17"/>
+    <p:sldId id="271" r:id="rId18"/>
+    <p:sldId id="272" r:id="rId19"/>
+    <p:sldId id="264" r:id="rId20"/>
+    <p:sldId id="267" r:id="rId21"/>
+    <p:sldId id="265" r:id="rId22"/>
+    <p:sldId id="259" r:id="rId23"/>
   </p:sldIdLst>
   <p:sldSz cx="12192000" cy="6858000"/>
   <p:notesSz cx="6858000" cy="9144000"/>
@@ -216,7 +218,7 @@
           <a:p>
             <a:fld id="{152D4747-CBEA-4A11-90BA-47D5349A88AA}" type="datetimeFigureOut">
               <a:rPr lang="it-IT" smtClean="0"/>
-              <a:t>10/05/2019</a:t>
+              <a:t>17/05/2019</a:t>
             </a:fld>
             <a:endParaRPr lang="it-IT"/>
           </a:p>
@@ -540,11 +542,7 @@
             </a:pPr>
             <a:r>
               <a:rPr lang="it-CH" dirty="0" smtClean="0"/>
-              <a:t>Misurare: chi prova il nostro </a:t>
-            </a:r>
-            <a:r>
-              <a:rPr lang="it-CH" dirty="0" smtClean="0"/>
-              <a:t>sistema</a:t>
+              <a:t>Misurare: chi prova il nostro sistema</a:t>
             </a:r>
           </a:p>
           <a:p>
@@ -1031,7 +1029,7 @@
           <a:p>
             <a:fld id="{EC946105-561A-4569-8BDB-2855F3E534B9}" type="slidenum">
               <a:rPr lang="it-IT" smtClean="0"/>
-              <a:t>17</a:t>
+              <a:t>19</a:t>
             </a:fld>
             <a:endParaRPr lang="it-IT"/>
           </a:p>
@@ -1119,7 +1117,7 @@
           <a:p>
             <a:fld id="{EC946105-561A-4569-8BDB-2855F3E534B9}" type="slidenum">
               <a:rPr lang="it-IT" smtClean="0"/>
-              <a:t>18</a:t>
+              <a:t>20</a:t>
             </a:fld>
             <a:endParaRPr lang="it-IT"/>
           </a:p>
@@ -1241,7 +1239,7 @@
           <a:p>
             <a:fld id="{EC946105-561A-4569-8BDB-2855F3E534B9}" type="slidenum">
               <a:rPr lang="it-IT" smtClean="0"/>
-              <a:t>19</a:t>
+              <a:t>21</a:t>
             </a:fld>
             <a:endParaRPr lang="it-IT"/>
           </a:p>
@@ -1325,7 +1323,7 @@
           <a:p>
             <a:fld id="{EC946105-561A-4569-8BDB-2855F3E534B9}" type="slidenum">
               <a:rPr lang="it-IT" smtClean="0"/>
-              <a:t>20</a:t>
+              <a:t>22</a:t>
             </a:fld>
             <a:endParaRPr lang="it-IT"/>
           </a:p>
@@ -1475,7 +1473,7 @@
           <a:p>
             <a:fld id="{A7993604-91A5-4AD4-B379-9AD64B0366D4}" type="datetimeFigureOut">
               <a:rPr lang="it-IT" smtClean="0"/>
-              <a:t>10/05/2019</a:t>
+              <a:t>17/05/2019</a:t>
             </a:fld>
             <a:endParaRPr lang="it-IT"/>
           </a:p>
@@ -1645,7 +1643,7 @@
           <a:p>
             <a:fld id="{A7993604-91A5-4AD4-B379-9AD64B0366D4}" type="datetimeFigureOut">
               <a:rPr lang="it-IT" smtClean="0"/>
-              <a:t>10/05/2019</a:t>
+              <a:t>17/05/2019</a:t>
             </a:fld>
             <a:endParaRPr lang="it-IT"/>
           </a:p>
@@ -1825,7 +1823,7 @@
           <a:p>
             <a:fld id="{A7993604-91A5-4AD4-B379-9AD64B0366D4}" type="datetimeFigureOut">
               <a:rPr lang="it-IT" smtClean="0"/>
-              <a:t>10/05/2019</a:t>
+              <a:t>17/05/2019</a:t>
             </a:fld>
             <a:endParaRPr lang="it-IT"/>
           </a:p>
@@ -1995,7 +1993,7 @@
           <a:p>
             <a:fld id="{A7993604-91A5-4AD4-B379-9AD64B0366D4}" type="datetimeFigureOut">
               <a:rPr lang="it-IT" smtClean="0"/>
-              <a:t>10/05/2019</a:t>
+              <a:t>17/05/2019</a:t>
             </a:fld>
             <a:endParaRPr lang="it-IT"/>
           </a:p>
@@ -2241,7 +2239,7 @@
           <a:p>
             <a:fld id="{A7993604-91A5-4AD4-B379-9AD64B0366D4}" type="datetimeFigureOut">
               <a:rPr lang="it-IT" smtClean="0"/>
-              <a:t>10/05/2019</a:t>
+              <a:t>17/05/2019</a:t>
             </a:fld>
             <a:endParaRPr lang="it-IT"/>
           </a:p>
@@ -2473,7 +2471,7 @@
           <a:p>
             <a:fld id="{A7993604-91A5-4AD4-B379-9AD64B0366D4}" type="datetimeFigureOut">
               <a:rPr lang="it-IT" smtClean="0"/>
-              <a:t>10/05/2019</a:t>
+              <a:t>17/05/2019</a:t>
             </a:fld>
             <a:endParaRPr lang="it-IT"/>
           </a:p>
@@ -2840,7 +2838,7 @@
           <a:p>
             <a:fld id="{A7993604-91A5-4AD4-B379-9AD64B0366D4}" type="datetimeFigureOut">
               <a:rPr lang="it-IT" smtClean="0"/>
-              <a:t>10/05/2019</a:t>
+              <a:t>17/05/2019</a:t>
             </a:fld>
             <a:endParaRPr lang="it-IT"/>
           </a:p>
@@ -2958,7 +2956,7 @@
           <a:p>
             <a:fld id="{A7993604-91A5-4AD4-B379-9AD64B0366D4}" type="datetimeFigureOut">
               <a:rPr lang="it-IT" smtClean="0"/>
-              <a:t>10/05/2019</a:t>
+              <a:t>17/05/2019</a:t>
             </a:fld>
             <a:endParaRPr lang="it-IT"/>
           </a:p>
@@ -3053,7 +3051,7 @@
           <a:p>
             <a:fld id="{A7993604-91A5-4AD4-B379-9AD64B0366D4}" type="datetimeFigureOut">
               <a:rPr lang="it-IT" smtClean="0"/>
-              <a:t>10/05/2019</a:t>
+              <a:t>17/05/2019</a:t>
             </a:fld>
             <a:endParaRPr lang="it-IT"/>
           </a:p>
@@ -3330,7 +3328,7 @@
           <a:p>
             <a:fld id="{A7993604-91A5-4AD4-B379-9AD64B0366D4}" type="datetimeFigureOut">
               <a:rPr lang="it-IT" smtClean="0"/>
-              <a:t>10/05/2019</a:t>
+              <a:t>17/05/2019</a:t>
             </a:fld>
             <a:endParaRPr lang="it-IT"/>
           </a:p>
@@ -3583,7 +3581,7 @@
           <a:p>
             <a:fld id="{A7993604-91A5-4AD4-B379-9AD64B0366D4}" type="datetimeFigureOut">
               <a:rPr lang="it-IT" smtClean="0"/>
-              <a:t>10/05/2019</a:t>
+              <a:t>17/05/2019</a:t>
             </a:fld>
             <a:endParaRPr lang="it-IT"/>
           </a:p>
@@ -3796,7 +3794,7 @@
           <a:p>
             <a:fld id="{A7993604-91A5-4AD4-B379-9AD64B0366D4}" type="datetimeFigureOut">
               <a:rPr lang="it-IT" smtClean="0"/>
-              <a:t>10/05/2019</a:t>
+              <a:t>17/05/2019</a:t>
             </a:fld>
             <a:endParaRPr lang="it-IT"/>
           </a:p>
@@ -4331,6 +4329,138 @@
           <a:chExt cx="0" cy="0"/>
         </a:xfrm>
       </p:grpSpPr>
+      <p:pic>
+        <p:nvPicPr>
+          <p:cNvPr id="2" name="Immagine 1"/>
+          <p:cNvPicPr>
+            <a:picLocks noChangeAspect="1"/>
+          </p:cNvPicPr>
+          <p:nvPr/>
+        </p:nvPicPr>
+        <p:blipFill>
+          <a:blip r:embed="rId2">
+            <a:extLst>
+              <a:ext uri="{28A0092B-C50C-407E-A947-70E740481C1C}">
+                <a14:useLocalDpi xmlns:a14="http://schemas.microsoft.com/office/drawing/2010/main" val="0"/>
+              </a:ext>
+            </a:extLst>
+          </a:blip>
+          <a:stretch>
+            <a:fillRect/>
+          </a:stretch>
+        </p:blipFill>
+        <p:spPr>
+          <a:xfrm>
+            <a:off x="0" y="0"/>
+            <a:ext cx="12191999" cy="8153400"/>
+          </a:xfrm>
+          <a:prstGeom prst="rect">
+            <a:avLst/>
+          </a:prstGeom>
+        </p:spPr>
+      </p:pic>
+    </p:spTree>
+    <p:extLst>
+      <p:ext uri="{BB962C8B-B14F-4D97-AF65-F5344CB8AC3E}">
+        <p14:creationId xmlns:p14="http://schemas.microsoft.com/office/powerpoint/2010/main" val="2997106683"/>
+      </p:ext>
+    </p:extLst>
+  </p:cSld>
+  <p:clrMapOvr>
+    <a:masterClrMapping/>
+  </p:clrMapOvr>
+  <p:timing>
+    <p:tnLst>
+      <p:par>
+        <p:cTn id="1" dur="indefinite" restart="never" nodeType="tmRoot"/>
+      </p:par>
+    </p:tnLst>
+  </p:timing>
+</p:sld>
+</file>
+
+<file path=ppt/slides/slide11.xml><?xml version="1.0" encoding="utf-8"?>
+<p:sld xmlns:a="http://schemas.openxmlformats.org/drawingml/2006/main" xmlns:r="http://schemas.openxmlformats.org/officeDocument/2006/relationships" xmlns:p="http://schemas.openxmlformats.org/presentationml/2006/main">
+  <p:cSld>
+    <p:spTree>
+      <p:nvGrpSpPr>
+        <p:cNvPr id="1" name=""/>
+        <p:cNvGrpSpPr/>
+        <p:nvPr/>
+      </p:nvGrpSpPr>
+      <p:grpSpPr>
+        <a:xfrm>
+          <a:off x="0" y="0"/>
+          <a:ext cx="0" cy="0"/>
+          <a:chOff x="0" y="0"/>
+          <a:chExt cx="0" cy="0"/>
+        </a:xfrm>
+      </p:grpSpPr>
+      <p:pic>
+        <p:nvPicPr>
+          <p:cNvPr id="4" name="Segnaposto contenuto 3"/>
+          <p:cNvPicPr>
+            <a:picLocks noGrp="1" noChangeAspect="1"/>
+          </p:cNvPicPr>
+          <p:nvPr>
+            <p:ph idx="1"/>
+          </p:nvPr>
+        </p:nvPicPr>
+        <p:blipFill rotWithShape="1">
+          <a:blip r:embed="rId2" cstate="print">
+            <a:extLst>
+              <a:ext uri="{28A0092B-C50C-407E-A947-70E740481C1C}">
+                <a14:useLocalDpi xmlns:a14="http://schemas.microsoft.com/office/drawing/2010/main" val="0"/>
+              </a:ext>
+            </a:extLst>
+          </a:blip>
+          <a:srcRect t="34249"/>
+          <a:stretch/>
+        </p:blipFill>
+        <p:spPr>
+          <a:xfrm>
+            <a:off x="0" y="21770"/>
+            <a:ext cx="12191999" cy="6836229"/>
+          </a:xfrm>
+        </p:spPr>
+      </p:pic>
+    </p:spTree>
+    <p:extLst>
+      <p:ext uri="{BB962C8B-B14F-4D97-AF65-F5344CB8AC3E}">
+        <p14:creationId xmlns:p14="http://schemas.microsoft.com/office/powerpoint/2010/main" val="692912054"/>
+      </p:ext>
+    </p:extLst>
+  </p:cSld>
+  <p:clrMapOvr>
+    <a:masterClrMapping/>
+  </p:clrMapOvr>
+  <p:timing>
+    <p:tnLst>
+      <p:par>
+        <p:cTn id="1" dur="indefinite" restart="never" nodeType="tmRoot"/>
+      </p:par>
+    </p:tnLst>
+  </p:timing>
+</p:sld>
+</file>
+
+<file path=ppt/slides/slide12.xml><?xml version="1.0" encoding="utf-8"?>
+<p:sld xmlns:a="http://schemas.openxmlformats.org/drawingml/2006/main" xmlns:r="http://schemas.openxmlformats.org/officeDocument/2006/relationships" xmlns:p="http://schemas.openxmlformats.org/presentationml/2006/main">
+  <p:cSld>
+    <p:spTree>
+      <p:nvGrpSpPr>
+        <p:cNvPr id="1" name=""/>
+        <p:cNvGrpSpPr/>
+        <p:nvPr/>
+      </p:nvGrpSpPr>
+      <p:grpSpPr>
+        <a:xfrm>
+          <a:off x="0" y="0"/>
+          <a:ext cx="0" cy="0"/>
+          <a:chOff x="0" y="0"/>
+          <a:chExt cx="0" cy="0"/>
+        </a:xfrm>
+      </p:grpSpPr>
       <p:sp>
         <p:nvSpPr>
           <p:cNvPr id="2" name="Titolo 1"/>
@@ -4403,7 +4533,7 @@
 </p:sld>
 </file>
 
-<file path=ppt/slides/slide11.xml><?xml version="1.0" encoding="utf-8"?>
+<file path=ppt/slides/slide13.xml><?xml version="1.0" encoding="utf-8"?>
 <p:sld xmlns:a="http://schemas.openxmlformats.org/drawingml/2006/main" xmlns:r="http://schemas.openxmlformats.org/officeDocument/2006/relationships" xmlns:p="http://schemas.openxmlformats.org/presentationml/2006/main">
   <p:cSld>
     <p:spTree>
@@ -4469,7 +4599,7 @@
 </p:sld>
 </file>
 
-<file path=ppt/slides/slide12.xml><?xml version="1.0" encoding="utf-8"?>
+<file path=ppt/slides/slide14.xml><?xml version="1.0" encoding="utf-8"?>
 <p:sld xmlns:a="http://schemas.openxmlformats.org/drawingml/2006/main" xmlns:r="http://schemas.openxmlformats.org/officeDocument/2006/relationships" xmlns:p="http://schemas.openxmlformats.org/presentationml/2006/main">
   <p:cSld>
     <p:spTree>
@@ -4566,7 +4696,7 @@
 </p:sld>
 </file>
 
-<file path=ppt/slides/slide13.xml><?xml version="1.0" encoding="utf-8"?>
+<file path=ppt/slides/slide15.xml><?xml version="1.0" encoding="utf-8"?>
 <p:sld xmlns:a="http://schemas.openxmlformats.org/drawingml/2006/main" xmlns:r="http://schemas.openxmlformats.org/officeDocument/2006/relationships" xmlns:p="http://schemas.openxmlformats.org/presentationml/2006/main">
   <p:cSld>
     <p:spTree>
@@ -4681,7 +4811,7 @@
 </p:sld>
 </file>
 
-<file path=ppt/slides/slide14.xml><?xml version="1.0" encoding="utf-8"?>
+<file path=ppt/slides/slide16.xml><?xml version="1.0" encoding="utf-8"?>
 <p:sld xmlns:a="http://schemas.openxmlformats.org/drawingml/2006/main" xmlns:r="http://schemas.openxmlformats.org/officeDocument/2006/relationships" xmlns:p="http://schemas.openxmlformats.org/presentationml/2006/main">
   <p:cSld>
     <p:spTree>
@@ -4777,7 +4907,7 @@
 </p:sld>
 </file>
 
-<file path=ppt/slides/slide15.xml><?xml version="1.0" encoding="utf-8"?>
+<file path=ppt/slides/slide17.xml><?xml version="1.0" encoding="utf-8"?>
 <p:sld xmlns:a="http://schemas.openxmlformats.org/drawingml/2006/main" xmlns:r="http://schemas.openxmlformats.org/officeDocument/2006/relationships" xmlns:p="http://schemas.openxmlformats.org/presentationml/2006/main">
   <p:cSld>
     <p:spTree>
@@ -4873,7 +5003,7 @@
 </p:sld>
 </file>
 
-<file path=ppt/slides/slide16.xml><?xml version="1.0" encoding="utf-8"?>
+<file path=ppt/slides/slide18.xml><?xml version="1.0" encoding="utf-8"?>
 <p:sld xmlns:a="http://schemas.openxmlformats.org/drawingml/2006/main" xmlns:r="http://schemas.openxmlformats.org/officeDocument/2006/relationships" xmlns:p="http://schemas.openxmlformats.org/presentationml/2006/main">
   <p:cSld>
     <p:spTree>
@@ -4969,7 +5099,7 @@
 </p:sld>
 </file>
 
-<file path=ppt/slides/slide17.xml><?xml version="1.0" encoding="utf-8"?>
+<file path=ppt/slides/slide19.xml><?xml version="1.0" encoding="utf-8"?>
 <p:sld xmlns:a="http://schemas.openxmlformats.org/drawingml/2006/main" xmlns:r="http://schemas.openxmlformats.org/officeDocument/2006/relationships" xmlns:p="http://schemas.openxmlformats.org/presentationml/2006/main">
   <p:cSld>
     <p:spTree>
@@ -5069,7 +5199,146 @@
 </p:sld>
 </file>
 
-<file path=ppt/slides/slide18.xml><?xml version="1.0" encoding="utf-8"?>
+<file path=ppt/slides/slide2.xml><?xml version="1.0" encoding="utf-8"?>
+<p:sld xmlns:a="http://schemas.openxmlformats.org/drawingml/2006/main" xmlns:r="http://schemas.openxmlformats.org/officeDocument/2006/relationships" xmlns:p="http://schemas.openxmlformats.org/presentationml/2006/main">
+  <p:cSld>
+    <p:spTree>
+      <p:nvGrpSpPr>
+        <p:cNvPr id="1" name=""/>
+        <p:cNvGrpSpPr/>
+        <p:nvPr/>
+      </p:nvGrpSpPr>
+      <p:grpSpPr>
+        <a:xfrm>
+          <a:off x="0" y="0"/>
+          <a:ext cx="0" cy="0"/>
+          <a:chOff x="0" y="0"/>
+          <a:chExt cx="0" cy="0"/>
+        </a:xfrm>
+      </p:grpSpPr>
+      <p:sp>
+        <p:nvSpPr>
+          <p:cNvPr id="2" name="Titolo 1"/>
+          <p:cNvSpPr>
+            <a:spLocks noGrp="1"/>
+          </p:cNvSpPr>
+          <p:nvPr>
+            <p:ph type="title"/>
+          </p:nvPr>
+        </p:nvSpPr>
+        <p:spPr/>
+        <p:txBody>
+          <a:bodyPr/>
+          <a:lstStyle/>
+          <a:p>
+            <a:r>
+              <a:rPr lang="it-CH" dirty="0" smtClean="0"/>
+              <a:t>Su di noi.</a:t>
+            </a:r>
+            <a:endParaRPr lang="it-IT" dirty="0"/>
+          </a:p>
+        </p:txBody>
+      </p:sp>
+      <p:sp>
+        <p:nvSpPr>
+          <p:cNvPr id="3" name="Segnaposto contenuto 2"/>
+          <p:cNvSpPr>
+            <a:spLocks noGrp="1"/>
+          </p:cNvSpPr>
+          <p:nvPr>
+            <p:ph idx="1"/>
+          </p:nvPr>
+        </p:nvSpPr>
+        <p:spPr/>
+        <p:txBody>
+          <a:bodyPr/>
+          <a:lstStyle/>
+          <a:p>
+            <a:r>
+              <a:rPr lang="it-CH" dirty="0" smtClean="0"/>
+              <a:t>Bryan Beffa</a:t>
+            </a:r>
+          </a:p>
+          <a:p>
+            <a:pPr marL="457200" lvl="1" indent="0">
+              <a:buNone/>
+            </a:pPr>
+            <a:r>
+              <a:rPr lang="it-CH" dirty="0"/>
+              <a:t>b</a:t>
+            </a:r>
+            <a:r>
+              <a:rPr lang="it-CH" dirty="0" smtClean="0"/>
+              <a:t>ryan.beffa@samtrevano.ch</a:t>
+            </a:r>
+          </a:p>
+          <a:p>
+            <a:r>
+              <a:rPr lang="it-CH" dirty="0" smtClean="0"/>
+              <a:t>Filippo </a:t>
+            </a:r>
+            <a:r>
+              <a:rPr lang="it-CH" dirty="0" err="1" smtClean="0"/>
+              <a:t>Finke</a:t>
+            </a:r>
+            <a:endParaRPr lang="it-CH" dirty="0" smtClean="0"/>
+          </a:p>
+          <a:p>
+            <a:pPr marL="457200" lvl="1" indent="0">
+              <a:buNone/>
+            </a:pPr>
+            <a:r>
+              <a:rPr lang="it-CH" dirty="0" smtClean="0"/>
+              <a:t>filippo.finke@samtrevano.ch</a:t>
+            </a:r>
+          </a:p>
+          <a:p>
+            <a:r>
+              <a:rPr lang="it-CH" dirty="0" smtClean="0"/>
+              <a:t>Matteo </a:t>
+            </a:r>
+            <a:r>
+              <a:rPr lang="it-CH" dirty="0" err="1" smtClean="0"/>
+              <a:t>Ghilardini</a:t>
+            </a:r>
+            <a:endParaRPr lang="it-CH" dirty="0" smtClean="0"/>
+          </a:p>
+          <a:p>
+            <a:pPr marL="457200" lvl="1" indent="0">
+              <a:buNone/>
+            </a:pPr>
+            <a:r>
+              <a:rPr lang="it-CH" dirty="0"/>
+              <a:t>m</a:t>
+            </a:r>
+            <a:r>
+              <a:rPr lang="it-CH" dirty="0" smtClean="0"/>
+              <a:t>atteo.ghilardini@samtrevano.ch</a:t>
+            </a:r>
+          </a:p>
+        </p:txBody>
+      </p:sp>
+    </p:spTree>
+    <p:extLst>
+      <p:ext uri="{BB962C8B-B14F-4D97-AF65-F5344CB8AC3E}">
+        <p14:creationId xmlns:p14="http://schemas.microsoft.com/office/powerpoint/2010/main" val="2011878413"/>
+      </p:ext>
+    </p:extLst>
+  </p:cSld>
+  <p:clrMapOvr>
+    <a:masterClrMapping/>
+  </p:clrMapOvr>
+  <p:timing>
+    <p:tnLst>
+      <p:par>
+        <p:cTn id="1" dur="indefinite" restart="never" nodeType="tmRoot"/>
+      </p:par>
+    </p:tnLst>
+  </p:timing>
+</p:sld>
+</file>
+
+<file path=ppt/slides/slide20.xml><?xml version="1.0" encoding="utf-8"?>
 <p:sld xmlns:a="http://schemas.openxmlformats.org/drawingml/2006/main" xmlns:r="http://schemas.openxmlformats.org/officeDocument/2006/relationships" xmlns:p="http://schemas.openxmlformats.org/presentationml/2006/main">
   <p:cSld>
     <p:spTree>
@@ -5328,7 +5597,7 @@
 </p:sld>
 </file>
 
-<file path=ppt/slides/slide19.xml><?xml version="1.0" encoding="utf-8"?>
+<file path=ppt/slides/slide21.xml><?xml version="1.0" encoding="utf-8"?>
 <p:sld xmlns:a="http://schemas.openxmlformats.org/drawingml/2006/main" xmlns:r="http://schemas.openxmlformats.org/officeDocument/2006/relationships" xmlns:p="http://schemas.openxmlformats.org/presentationml/2006/main">
   <p:cSld>
     <p:spTree>
@@ -5594,146 +5863,7 @@
 </p:sld>
 </file>
 
-<file path=ppt/slides/slide2.xml><?xml version="1.0" encoding="utf-8"?>
-<p:sld xmlns:a="http://schemas.openxmlformats.org/drawingml/2006/main" xmlns:r="http://schemas.openxmlformats.org/officeDocument/2006/relationships" xmlns:p="http://schemas.openxmlformats.org/presentationml/2006/main">
-  <p:cSld>
-    <p:spTree>
-      <p:nvGrpSpPr>
-        <p:cNvPr id="1" name=""/>
-        <p:cNvGrpSpPr/>
-        <p:nvPr/>
-      </p:nvGrpSpPr>
-      <p:grpSpPr>
-        <a:xfrm>
-          <a:off x="0" y="0"/>
-          <a:ext cx="0" cy="0"/>
-          <a:chOff x="0" y="0"/>
-          <a:chExt cx="0" cy="0"/>
-        </a:xfrm>
-      </p:grpSpPr>
-      <p:sp>
-        <p:nvSpPr>
-          <p:cNvPr id="2" name="Titolo 1"/>
-          <p:cNvSpPr>
-            <a:spLocks noGrp="1"/>
-          </p:cNvSpPr>
-          <p:nvPr>
-            <p:ph type="title"/>
-          </p:nvPr>
-        </p:nvSpPr>
-        <p:spPr/>
-        <p:txBody>
-          <a:bodyPr/>
-          <a:lstStyle/>
-          <a:p>
-            <a:r>
-              <a:rPr lang="it-CH" dirty="0" smtClean="0"/>
-              <a:t>Su di noi.</a:t>
-            </a:r>
-            <a:endParaRPr lang="it-IT" dirty="0"/>
-          </a:p>
-        </p:txBody>
-      </p:sp>
-      <p:sp>
-        <p:nvSpPr>
-          <p:cNvPr id="3" name="Segnaposto contenuto 2"/>
-          <p:cNvSpPr>
-            <a:spLocks noGrp="1"/>
-          </p:cNvSpPr>
-          <p:nvPr>
-            <p:ph idx="1"/>
-          </p:nvPr>
-        </p:nvSpPr>
-        <p:spPr/>
-        <p:txBody>
-          <a:bodyPr/>
-          <a:lstStyle/>
-          <a:p>
-            <a:r>
-              <a:rPr lang="it-CH" dirty="0" smtClean="0"/>
-              <a:t>Bryan Beffa</a:t>
-            </a:r>
-          </a:p>
-          <a:p>
-            <a:pPr marL="457200" lvl="1" indent="0">
-              <a:buNone/>
-            </a:pPr>
-            <a:r>
-              <a:rPr lang="it-CH" dirty="0"/>
-              <a:t>b</a:t>
-            </a:r>
-            <a:r>
-              <a:rPr lang="it-CH" dirty="0" smtClean="0"/>
-              <a:t>ryan.beffa@samtrevano.ch</a:t>
-            </a:r>
-          </a:p>
-          <a:p>
-            <a:r>
-              <a:rPr lang="it-CH" dirty="0" smtClean="0"/>
-              <a:t>Filippo </a:t>
-            </a:r>
-            <a:r>
-              <a:rPr lang="it-CH" dirty="0" err="1" smtClean="0"/>
-              <a:t>Finke</a:t>
-            </a:r>
-            <a:endParaRPr lang="it-CH" dirty="0" smtClean="0"/>
-          </a:p>
-          <a:p>
-            <a:pPr marL="457200" lvl="1" indent="0">
-              <a:buNone/>
-            </a:pPr>
-            <a:r>
-              <a:rPr lang="it-CH" dirty="0" smtClean="0"/>
-              <a:t>filippo.finke@samtrevano.ch</a:t>
-            </a:r>
-          </a:p>
-          <a:p>
-            <a:r>
-              <a:rPr lang="it-CH" dirty="0" smtClean="0"/>
-              <a:t>Matteo </a:t>
-            </a:r>
-            <a:r>
-              <a:rPr lang="it-CH" dirty="0" err="1" smtClean="0"/>
-              <a:t>Ghilardini</a:t>
-            </a:r>
-            <a:endParaRPr lang="it-CH" dirty="0" smtClean="0"/>
-          </a:p>
-          <a:p>
-            <a:pPr marL="457200" lvl="1" indent="0">
-              <a:buNone/>
-            </a:pPr>
-            <a:r>
-              <a:rPr lang="it-CH" dirty="0"/>
-              <a:t>m</a:t>
-            </a:r>
-            <a:r>
-              <a:rPr lang="it-CH" dirty="0" smtClean="0"/>
-              <a:t>atteo.ghilardini@samtrevano.ch</a:t>
-            </a:r>
-          </a:p>
-        </p:txBody>
-      </p:sp>
-    </p:spTree>
-    <p:extLst>
-      <p:ext uri="{BB962C8B-B14F-4D97-AF65-F5344CB8AC3E}">
-        <p14:creationId xmlns:p14="http://schemas.microsoft.com/office/powerpoint/2010/main" val="2011878413"/>
-      </p:ext>
-    </p:extLst>
-  </p:cSld>
-  <p:clrMapOvr>
-    <a:masterClrMapping/>
-  </p:clrMapOvr>
-  <p:timing>
-    <p:tnLst>
-      <p:par>
-        <p:cTn id="1" dur="indefinite" restart="never" nodeType="tmRoot"/>
-      </p:par>
-    </p:tnLst>
-  </p:timing>
-</p:sld>
-</file>
-
-<file path=ppt/slides/slide20.xml><?xml version="1.0" encoding="utf-8"?>
+<file path=ppt/slides/slide22.xml><?xml version="1.0" encoding="utf-8"?>
 <p:sld xmlns:a="http://schemas.openxmlformats.org/drawingml/2006/main" xmlns:r="http://schemas.openxmlformats.org/officeDocument/2006/relationships" xmlns:p="http://schemas.openxmlformats.org/presentationml/2006/main">
   <p:cSld>
     <p:spTree>
@@ -6575,25 +6705,35 @@
           </a:p>
         </p:txBody>
       </p:sp>
-      <p:sp>
-        <p:nvSpPr>
-          <p:cNvPr id="3" name="Segnaposto contenuto 2"/>
-          <p:cNvSpPr>
-            <a:spLocks noGrp="1"/>
-          </p:cNvSpPr>
+      <p:pic>
+        <p:nvPicPr>
+          <p:cNvPr id="4" name="Segnaposto contenuto 3"/>
+          <p:cNvPicPr>
+            <a:picLocks noGrp="1" noChangeAspect="1"/>
+          </p:cNvPicPr>
           <p:nvPr>
             <p:ph idx="1"/>
           </p:nvPr>
-        </p:nvSpPr>
-        <p:spPr/>
-        <p:txBody>
-          <a:bodyPr/>
-          <a:lstStyle/>
-          <a:p>
-            <a:endParaRPr lang="it-IT"/>
-          </a:p>
-        </p:txBody>
-      </p:sp>
+        </p:nvPicPr>
+        <p:blipFill>
+          <a:blip r:embed="rId3" cstate="print">
+            <a:extLst>
+              <a:ext uri="{28A0092B-C50C-407E-A947-70E740481C1C}">
+                <a14:useLocalDpi xmlns:a14="http://schemas.microsoft.com/office/drawing/2010/main" val="0"/>
+              </a:ext>
+            </a:extLst>
+          </a:blip>
+          <a:stretch>
+            <a:fillRect/>
+          </a:stretch>
+        </p:blipFill>
+        <p:spPr>
+          <a:xfrm>
+            <a:off x="3350029" y="1318548"/>
+            <a:ext cx="5677592" cy="5132675"/>
+          </a:xfrm>
+        </p:spPr>
+      </p:pic>
     </p:spTree>
     <p:extLst>
       <p:ext uri="{BB962C8B-B14F-4D97-AF65-F5344CB8AC3E}">

--- a/Presentations/Presentazione.pptx
+++ b/Presentations/Presentazione.pptx
@@ -218,7 +218,7 @@
           <a:p>
             <a:fld id="{152D4747-CBEA-4A11-90BA-47D5349A88AA}" type="datetimeFigureOut">
               <a:rPr lang="it-IT" smtClean="0"/>
-              <a:t>17/05/2019</a:t>
+              <a:t>22/05/19</a:t>
             </a:fld>
             <a:endParaRPr lang="it-IT"/>
           </a:p>
@@ -282,38 +282,37 @@
           <a:p>
             <a:pPr lvl="0"/>
             <a:r>
-              <a:rPr lang="it-IT" smtClean="0"/>
+              <a:rPr lang="it-IT"/>
               <a:t>Fare clic per modificare stili del testo dello schema</a:t>
             </a:r>
           </a:p>
           <a:p>
             <a:pPr lvl="1"/>
             <a:r>
-              <a:rPr lang="it-IT" smtClean="0"/>
+              <a:rPr lang="it-IT"/>
               <a:t>Secondo livello</a:t>
             </a:r>
           </a:p>
           <a:p>
             <a:pPr lvl="2"/>
             <a:r>
-              <a:rPr lang="it-IT" smtClean="0"/>
+              <a:rPr lang="it-IT"/>
               <a:t>Terzo livello</a:t>
             </a:r>
           </a:p>
           <a:p>
             <a:pPr lvl="3"/>
             <a:r>
-              <a:rPr lang="it-IT" smtClean="0"/>
+              <a:rPr lang="it-IT"/>
               <a:t>Quarto livello</a:t>
             </a:r>
           </a:p>
           <a:p>
             <a:pPr lvl="4"/>
             <a:r>
-              <a:rPr lang="it-IT" smtClean="0"/>
+              <a:rPr lang="it-IT"/>
               <a:t>Quinto livello</a:t>
             </a:r>
-            <a:endParaRPr lang="it-IT"/>
           </a:p>
         </p:txBody>
       </p:sp>
@@ -531,7 +530,7 @@
           <a:lstStyle/>
           <a:p>
             <a:r>
-              <a:rPr lang="it-CH" dirty="0" smtClean="0"/>
+              <a:rPr lang="it-CH" dirty="0"/>
               <a:t>Bryan:</a:t>
             </a:r>
           </a:p>
@@ -541,7 +540,7 @@
               <a:buChar char="•"/>
             </a:pPr>
             <a:r>
-              <a:rPr lang="it-CH" dirty="0" smtClean="0"/>
+              <a:rPr lang="it-CH" dirty="0"/>
               <a:t>Misurare: chi prova il nostro sistema</a:t>
             </a:r>
           </a:p>
@@ -551,11 +550,11 @@
               <a:buChar char="•"/>
             </a:pPr>
             <a:r>
-              <a:rPr lang="it-CH" dirty="0" smtClean="0"/>
+              <a:rPr lang="it-CH" dirty="0"/>
               <a:t>Migliorare</a:t>
             </a:r>
             <a:r>
-              <a:rPr lang="it-CH" baseline="0" dirty="0" smtClean="0"/>
+              <a:rPr lang="it-CH" baseline="0" dirty="0"/>
               <a:t> i propri riflessi</a:t>
             </a:r>
           </a:p>
@@ -565,11 +564,11 @@
               <a:buChar char="•"/>
             </a:pPr>
             <a:r>
-              <a:rPr lang="it-CH" baseline="0" dirty="0" smtClean="0"/>
+              <a:rPr lang="it-CH" baseline="0" dirty="0"/>
               <a:t>Aiuta le persone a fare attività fisica. Vedi maratona </a:t>
             </a:r>
             <a:r>
-              <a:rPr lang="it-CH" baseline="0" smtClean="0"/>
+              <a:rPr lang="it-CH" baseline="0"/>
               <a:t>5 minuti.</a:t>
             </a:r>
             <a:endParaRPr lang="it-IT" dirty="0"/>
@@ -657,7 +656,7 @@
           <a:lstStyle/>
           <a:p>
             <a:r>
-              <a:rPr lang="it-CH" dirty="0" smtClean="0"/>
+              <a:rPr lang="it-CH" dirty="0"/>
               <a:t>Gantt</a:t>
             </a:r>
             <a:endParaRPr lang="it-IT" dirty="0"/>
@@ -745,7 +744,7 @@
           <a:lstStyle/>
           <a:p>
             <a:r>
-              <a:rPr lang="it-CH" dirty="0" smtClean="0"/>
+              <a:rPr lang="it-CH" dirty="0"/>
               <a:t>Gantt</a:t>
             </a:r>
             <a:endParaRPr lang="it-IT" dirty="0"/>
@@ -833,7 +832,7 @@
           <a:lstStyle/>
           <a:p>
             <a:r>
-              <a:rPr lang="it-CH" dirty="0" smtClean="0"/>
+              <a:rPr lang="it-CH" dirty="0"/>
               <a:t>Gantt</a:t>
             </a:r>
             <a:endParaRPr lang="it-IT" dirty="0"/>
@@ -1005,7 +1004,7 @@
           <a:lstStyle/>
           <a:p>
             <a:r>
-              <a:rPr lang="it-CH" dirty="0" smtClean="0"/>
+              <a:rPr lang="it-CH" dirty="0"/>
               <a:t>Bryan</a:t>
             </a:r>
             <a:endParaRPr lang="it-IT" dirty="0"/>
@@ -1093,7 +1092,7 @@
           <a:lstStyle/>
           <a:p>
             <a:r>
-              <a:rPr lang="it-CH" dirty="0" smtClean="0"/>
+              <a:rPr lang="it-CH" dirty="0"/>
               <a:t>Bryan</a:t>
             </a:r>
             <a:endParaRPr lang="it-IT" dirty="0"/>
@@ -1181,7 +1180,7 @@
           <a:lstStyle/>
           <a:p>
             <a:r>
-              <a:rPr lang="it-CH" dirty="0" smtClean="0"/>
+              <a:rPr lang="it-CH" dirty="0"/>
               <a:t>Bryan:</a:t>
             </a:r>
           </a:p>
@@ -1191,11 +1190,11 @@
               <a:buChar char="•"/>
             </a:pPr>
             <a:r>
-              <a:rPr lang="it-CH" dirty="0" smtClean="0"/>
+              <a:rPr lang="it-CH" dirty="0"/>
               <a:t>Gestione punteggi:</a:t>
             </a:r>
             <a:r>
-              <a:rPr lang="it-CH" baseline="0" dirty="0" smtClean="0"/>
+              <a:rPr lang="it-CH" baseline="0" dirty="0"/>
               <a:t> salvataggio migliori punteggi</a:t>
             </a:r>
           </a:p>
@@ -1205,7 +1204,7 @@
               <a:buChar char="•"/>
             </a:pPr>
             <a:r>
-              <a:rPr lang="it-CH" baseline="0" dirty="0" smtClean="0"/>
+              <a:rPr lang="it-CH" baseline="0" dirty="0"/>
               <a:t>Aggiunta di nuove modalità: ad esempio modalità n° 5</a:t>
             </a:r>
           </a:p>
@@ -1215,7 +1214,7 @@
               <a:buChar char="•"/>
             </a:pPr>
             <a:r>
-              <a:rPr lang="it-CH" baseline="0" smtClean="0"/>
+              <a:rPr lang="it-CH" baseline="0"/>
               <a:t>Migliorare l’hardware </a:t>
             </a:r>
             <a:endParaRPr lang="it-IT" dirty="0"/>
@@ -1384,10 +1383,9 @@
           </a:lstStyle>
           <a:p>
             <a:r>
-              <a:rPr lang="it-IT" smtClean="0"/>
+              <a:rPr lang="it-IT"/>
               <a:t>Fare clic per modificare lo stile del titolo</a:t>
             </a:r>
-            <a:endParaRPr lang="it-IT"/>
           </a:p>
         </p:txBody>
       </p:sp>
@@ -1449,10 +1447,9 @@
           </a:lstStyle>
           <a:p>
             <a:r>
-              <a:rPr lang="it-IT" smtClean="0"/>
+              <a:rPr lang="it-IT"/>
               <a:t>Fare clic per modificare lo stile del sottotitolo dello schema</a:t>
             </a:r>
-            <a:endParaRPr lang="it-IT"/>
           </a:p>
         </p:txBody>
       </p:sp>
@@ -1473,7 +1470,7 @@
           <a:p>
             <a:fld id="{A7993604-91A5-4AD4-B379-9AD64B0366D4}" type="datetimeFigureOut">
               <a:rPr lang="it-IT" smtClean="0"/>
-              <a:t>17/05/2019</a:t>
+              <a:t>22/05/19</a:t>
             </a:fld>
             <a:endParaRPr lang="it-IT"/>
           </a:p>
@@ -1567,10 +1564,9 @@
           <a:lstStyle/>
           <a:p>
             <a:r>
-              <a:rPr lang="it-IT" smtClean="0"/>
+              <a:rPr lang="it-IT"/>
               <a:t>Fare clic per modificare lo stile del titolo</a:t>
             </a:r>
-            <a:endParaRPr lang="it-IT"/>
           </a:p>
         </p:txBody>
       </p:sp>
@@ -1591,38 +1587,37 @@
           <a:p>
             <a:pPr lvl="0"/>
             <a:r>
-              <a:rPr lang="it-IT" smtClean="0"/>
+              <a:rPr lang="it-IT"/>
               <a:t>Fare clic per modificare stili del testo dello schema</a:t>
             </a:r>
           </a:p>
           <a:p>
             <a:pPr lvl="1"/>
             <a:r>
-              <a:rPr lang="it-IT" smtClean="0"/>
+              <a:rPr lang="it-IT"/>
               <a:t>Secondo livello</a:t>
             </a:r>
           </a:p>
           <a:p>
             <a:pPr lvl="2"/>
             <a:r>
-              <a:rPr lang="it-IT" smtClean="0"/>
+              <a:rPr lang="it-IT"/>
               <a:t>Terzo livello</a:t>
             </a:r>
           </a:p>
           <a:p>
             <a:pPr lvl="3"/>
             <a:r>
-              <a:rPr lang="it-IT" smtClean="0"/>
+              <a:rPr lang="it-IT"/>
               <a:t>Quarto livello</a:t>
             </a:r>
           </a:p>
           <a:p>
             <a:pPr lvl="4"/>
             <a:r>
-              <a:rPr lang="it-IT" smtClean="0"/>
+              <a:rPr lang="it-IT"/>
               <a:t>Quinto livello</a:t>
             </a:r>
-            <a:endParaRPr lang="it-IT"/>
           </a:p>
         </p:txBody>
       </p:sp>
@@ -1643,7 +1638,7 @@
           <a:p>
             <a:fld id="{A7993604-91A5-4AD4-B379-9AD64B0366D4}" type="datetimeFigureOut">
               <a:rPr lang="it-IT" smtClean="0"/>
-              <a:t>17/05/2019</a:t>
+              <a:t>22/05/19</a:t>
             </a:fld>
             <a:endParaRPr lang="it-IT"/>
           </a:p>
@@ -1742,10 +1737,9 @@
           <a:lstStyle/>
           <a:p>
             <a:r>
-              <a:rPr lang="it-IT" smtClean="0"/>
+              <a:rPr lang="it-IT"/>
               <a:t>Fare clic per modificare lo stile del titolo</a:t>
             </a:r>
-            <a:endParaRPr lang="it-IT"/>
           </a:p>
         </p:txBody>
       </p:sp>
@@ -1771,38 +1765,37 @@
           <a:p>
             <a:pPr lvl="0"/>
             <a:r>
-              <a:rPr lang="it-IT" smtClean="0"/>
+              <a:rPr lang="it-IT"/>
               <a:t>Fare clic per modificare stili del testo dello schema</a:t>
             </a:r>
           </a:p>
           <a:p>
             <a:pPr lvl="1"/>
             <a:r>
-              <a:rPr lang="it-IT" smtClean="0"/>
+              <a:rPr lang="it-IT"/>
               <a:t>Secondo livello</a:t>
             </a:r>
           </a:p>
           <a:p>
             <a:pPr lvl="2"/>
             <a:r>
-              <a:rPr lang="it-IT" smtClean="0"/>
+              <a:rPr lang="it-IT"/>
               <a:t>Terzo livello</a:t>
             </a:r>
           </a:p>
           <a:p>
             <a:pPr lvl="3"/>
             <a:r>
-              <a:rPr lang="it-IT" smtClean="0"/>
+              <a:rPr lang="it-IT"/>
               <a:t>Quarto livello</a:t>
             </a:r>
           </a:p>
           <a:p>
             <a:pPr lvl="4"/>
             <a:r>
-              <a:rPr lang="it-IT" smtClean="0"/>
+              <a:rPr lang="it-IT"/>
               <a:t>Quinto livello</a:t>
             </a:r>
-            <a:endParaRPr lang="it-IT"/>
           </a:p>
         </p:txBody>
       </p:sp>
@@ -1823,7 +1816,7 @@
           <a:p>
             <a:fld id="{A7993604-91A5-4AD4-B379-9AD64B0366D4}" type="datetimeFigureOut">
               <a:rPr lang="it-IT" smtClean="0"/>
-              <a:t>17/05/2019</a:t>
+              <a:t>22/05/19</a:t>
             </a:fld>
             <a:endParaRPr lang="it-IT"/>
           </a:p>
@@ -1917,10 +1910,9 @@
           <a:lstStyle/>
           <a:p>
             <a:r>
-              <a:rPr lang="it-IT" smtClean="0"/>
+              <a:rPr lang="it-IT"/>
               <a:t>Fare clic per modificare lo stile del titolo</a:t>
             </a:r>
-            <a:endParaRPr lang="it-IT"/>
           </a:p>
         </p:txBody>
       </p:sp>
@@ -1941,38 +1933,37 @@
           <a:p>
             <a:pPr lvl="0"/>
             <a:r>
-              <a:rPr lang="it-IT" smtClean="0"/>
+              <a:rPr lang="it-IT"/>
               <a:t>Fare clic per modificare stili del testo dello schema</a:t>
             </a:r>
           </a:p>
           <a:p>
             <a:pPr lvl="1"/>
             <a:r>
-              <a:rPr lang="it-IT" smtClean="0"/>
+              <a:rPr lang="it-IT"/>
               <a:t>Secondo livello</a:t>
             </a:r>
           </a:p>
           <a:p>
             <a:pPr lvl="2"/>
             <a:r>
-              <a:rPr lang="it-IT" smtClean="0"/>
+              <a:rPr lang="it-IT"/>
               <a:t>Terzo livello</a:t>
             </a:r>
           </a:p>
           <a:p>
             <a:pPr lvl="3"/>
             <a:r>
-              <a:rPr lang="it-IT" smtClean="0"/>
+              <a:rPr lang="it-IT"/>
               <a:t>Quarto livello</a:t>
             </a:r>
           </a:p>
           <a:p>
             <a:pPr lvl="4"/>
             <a:r>
-              <a:rPr lang="it-IT" smtClean="0"/>
+              <a:rPr lang="it-IT"/>
               <a:t>Quinto livello</a:t>
             </a:r>
-            <a:endParaRPr lang="it-IT"/>
           </a:p>
         </p:txBody>
       </p:sp>
@@ -1993,7 +1984,7 @@
           <a:p>
             <a:fld id="{A7993604-91A5-4AD4-B379-9AD64B0366D4}" type="datetimeFigureOut">
               <a:rPr lang="it-IT" smtClean="0"/>
-              <a:t>17/05/2019</a:t>
+              <a:t>22/05/19</a:t>
             </a:fld>
             <a:endParaRPr lang="it-IT"/>
           </a:p>
@@ -2096,10 +2087,9 @@
           </a:lstStyle>
           <a:p>
             <a:r>
-              <a:rPr lang="it-IT" smtClean="0"/>
+              <a:rPr lang="it-IT"/>
               <a:t>Fare clic per modificare lo stile del titolo</a:t>
             </a:r>
-            <a:endParaRPr lang="it-IT"/>
           </a:p>
         </p:txBody>
       </p:sp>
@@ -2216,7 +2206,7 @@
           <a:p>
             <a:pPr lvl="0"/>
             <a:r>
-              <a:rPr lang="it-IT" smtClean="0"/>
+              <a:rPr lang="it-IT"/>
               <a:t>Fare clic per modificare stili del testo dello schema</a:t>
             </a:r>
           </a:p>
@@ -2239,7 +2229,7 @@
           <a:p>
             <a:fld id="{A7993604-91A5-4AD4-B379-9AD64B0366D4}" type="datetimeFigureOut">
               <a:rPr lang="it-IT" smtClean="0"/>
-              <a:t>17/05/2019</a:t>
+              <a:t>22/05/19</a:t>
             </a:fld>
             <a:endParaRPr lang="it-IT"/>
           </a:p>
@@ -2333,10 +2323,9 @@
           <a:lstStyle/>
           <a:p>
             <a:r>
-              <a:rPr lang="it-IT" smtClean="0"/>
+              <a:rPr lang="it-IT"/>
               <a:t>Fare clic per modificare lo stile del titolo</a:t>
             </a:r>
-            <a:endParaRPr lang="it-IT"/>
           </a:p>
         </p:txBody>
       </p:sp>
@@ -2362,38 +2351,37 @@
           <a:p>
             <a:pPr lvl="0"/>
             <a:r>
-              <a:rPr lang="it-IT" smtClean="0"/>
+              <a:rPr lang="it-IT"/>
               <a:t>Fare clic per modificare stili del testo dello schema</a:t>
             </a:r>
           </a:p>
           <a:p>
             <a:pPr lvl="1"/>
             <a:r>
-              <a:rPr lang="it-IT" smtClean="0"/>
+              <a:rPr lang="it-IT"/>
               <a:t>Secondo livello</a:t>
             </a:r>
           </a:p>
           <a:p>
             <a:pPr lvl="2"/>
             <a:r>
-              <a:rPr lang="it-IT" smtClean="0"/>
+              <a:rPr lang="it-IT"/>
               <a:t>Terzo livello</a:t>
             </a:r>
           </a:p>
           <a:p>
             <a:pPr lvl="3"/>
             <a:r>
-              <a:rPr lang="it-IT" smtClean="0"/>
+              <a:rPr lang="it-IT"/>
               <a:t>Quarto livello</a:t>
             </a:r>
           </a:p>
           <a:p>
             <a:pPr lvl="4"/>
             <a:r>
-              <a:rPr lang="it-IT" smtClean="0"/>
+              <a:rPr lang="it-IT"/>
               <a:t>Quinto livello</a:t>
             </a:r>
-            <a:endParaRPr lang="it-IT"/>
           </a:p>
         </p:txBody>
       </p:sp>
@@ -2419,38 +2407,37 @@
           <a:p>
             <a:pPr lvl="0"/>
             <a:r>
-              <a:rPr lang="it-IT" smtClean="0"/>
+              <a:rPr lang="it-IT"/>
               <a:t>Fare clic per modificare stili del testo dello schema</a:t>
             </a:r>
           </a:p>
           <a:p>
             <a:pPr lvl="1"/>
             <a:r>
-              <a:rPr lang="it-IT" smtClean="0"/>
+              <a:rPr lang="it-IT"/>
               <a:t>Secondo livello</a:t>
             </a:r>
           </a:p>
           <a:p>
             <a:pPr lvl="2"/>
             <a:r>
-              <a:rPr lang="it-IT" smtClean="0"/>
+              <a:rPr lang="it-IT"/>
               <a:t>Terzo livello</a:t>
             </a:r>
           </a:p>
           <a:p>
             <a:pPr lvl="3"/>
             <a:r>
-              <a:rPr lang="it-IT" smtClean="0"/>
+              <a:rPr lang="it-IT"/>
               <a:t>Quarto livello</a:t>
             </a:r>
           </a:p>
           <a:p>
             <a:pPr lvl="4"/>
             <a:r>
-              <a:rPr lang="it-IT" smtClean="0"/>
+              <a:rPr lang="it-IT"/>
               <a:t>Quinto livello</a:t>
             </a:r>
-            <a:endParaRPr lang="it-IT"/>
           </a:p>
         </p:txBody>
       </p:sp>
@@ -2471,7 +2458,7 @@
           <a:p>
             <a:fld id="{A7993604-91A5-4AD4-B379-9AD64B0366D4}" type="datetimeFigureOut">
               <a:rPr lang="it-IT" smtClean="0"/>
-              <a:t>17/05/2019</a:t>
+              <a:t>22/05/19</a:t>
             </a:fld>
             <a:endParaRPr lang="it-IT"/>
           </a:p>
@@ -2570,10 +2557,9 @@
           <a:lstStyle/>
           <a:p>
             <a:r>
-              <a:rPr lang="it-IT" smtClean="0"/>
+              <a:rPr lang="it-IT"/>
               <a:t>Fare clic per modificare lo stile del titolo</a:t>
             </a:r>
-            <a:endParaRPr lang="it-IT"/>
           </a:p>
         </p:txBody>
       </p:sp>
@@ -2636,7 +2622,7 @@
           <a:p>
             <a:pPr lvl="0"/>
             <a:r>
-              <a:rPr lang="it-IT" smtClean="0"/>
+              <a:rPr lang="it-IT"/>
               <a:t>Fare clic per modificare stili del testo dello schema</a:t>
             </a:r>
           </a:p>
@@ -2664,38 +2650,37 @@
           <a:p>
             <a:pPr lvl="0"/>
             <a:r>
-              <a:rPr lang="it-IT" smtClean="0"/>
+              <a:rPr lang="it-IT"/>
               <a:t>Fare clic per modificare stili del testo dello schema</a:t>
             </a:r>
           </a:p>
           <a:p>
             <a:pPr lvl="1"/>
             <a:r>
-              <a:rPr lang="it-IT" smtClean="0"/>
+              <a:rPr lang="it-IT"/>
               <a:t>Secondo livello</a:t>
             </a:r>
           </a:p>
           <a:p>
             <a:pPr lvl="2"/>
             <a:r>
-              <a:rPr lang="it-IT" smtClean="0"/>
+              <a:rPr lang="it-IT"/>
               <a:t>Terzo livello</a:t>
             </a:r>
           </a:p>
           <a:p>
             <a:pPr lvl="3"/>
             <a:r>
-              <a:rPr lang="it-IT" smtClean="0"/>
+              <a:rPr lang="it-IT"/>
               <a:t>Quarto livello</a:t>
             </a:r>
           </a:p>
           <a:p>
             <a:pPr lvl="4"/>
             <a:r>
-              <a:rPr lang="it-IT" smtClean="0"/>
+              <a:rPr lang="it-IT"/>
               <a:t>Quinto livello</a:t>
             </a:r>
-            <a:endParaRPr lang="it-IT"/>
           </a:p>
         </p:txBody>
       </p:sp>
@@ -2758,7 +2743,7 @@
           <a:p>
             <a:pPr lvl="0"/>
             <a:r>
-              <a:rPr lang="it-IT" smtClean="0"/>
+              <a:rPr lang="it-IT"/>
               <a:t>Fare clic per modificare stili del testo dello schema</a:t>
             </a:r>
           </a:p>
@@ -2786,38 +2771,37 @@
           <a:p>
             <a:pPr lvl="0"/>
             <a:r>
-              <a:rPr lang="it-IT" smtClean="0"/>
+              <a:rPr lang="it-IT"/>
               <a:t>Fare clic per modificare stili del testo dello schema</a:t>
             </a:r>
           </a:p>
           <a:p>
             <a:pPr lvl="1"/>
             <a:r>
-              <a:rPr lang="it-IT" smtClean="0"/>
+              <a:rPr lang="it-IT"/>
               <a:t>Secondo livello</a:t>
             </a:r>
           </a:p>
           <a:p>
             <a:pPr lvl="2"/>
             <a:r>
-              <a:rPr lang="it-IT" smtClean="0"/>
+              <a:rPr lang="it-IT"/>
               <a:t>Terzo livello</a:t>
             </a:r>
           </a:p>
           <a:p>
             <a:pPr lvl="3"/>
             <a:r>
-              <a:rPr lang="it-IT" smtClean="0"/>
+              <a:rPr lang="it-IT"/>
               <a:t>Quarto livello</a:t>
             </a:r>
           </a:p>
           <a:p>
             <a:pPr lvl="4"/>
             <a:r>
-              <a:rPr lang="it-IT" smtClean="0"/>
+              <a:rPr lang="it-IT"/>
               <a:t>Quinto livello</a:t>
             </a:r>
-            <a:endParaRPr lang="it-IT"/>
           </a:p>
         </p:txBody>
       </p:sp>
@@ -2838,7 +2822,7 @@
           <a:p>
             <a:fld id="{A7993604-91A5-4AD4-B379-9AD64B0366D4}" type="datetimeFigureOut">
               <a:rPr lang="it-IT" smtClean="0"/>
-              <a:t>17/05/2019</a:t>
+              <a:t>22/05/19</a:t>
             </a:fld>
             <a:endParaRPr lang="it-IT"/>
           </a:p>
@@ -2932,10 +2916,9 @@
           <a:lstStyle/>
           <a:p>
             <a:r>
-              <a:rPr lang="it-IT" smtClean="0"/>
+              <a:rPr lang="it-IT"/>
               <a:t>Fare clic per modificare lo stile del titolo</a:t>
             </a:r>
-            <a:endParaRPr lang="it-IT"/>
           </a:p>
         </p:txBody>
       </p:sp>
@@ -2956,7 +2939,7 @@
           <a:p>
             <a:fld id="{A7993604-91A5-4AD4-B379-9AD64B0366D4}" type="datetimeFigureOut">
               <a:rPr lang="it-IT" smtClean="0"/>
-              <a:t>17/05/2019</a:t>
+              <a:t>22/05/19</a:t>
             </a:fld>
             <a:endParaRPr lang="it-IT"/>
           </a:p>
@@ -3051,7 +3034,7 @@
           <a:p>
             <a:fld id="{A7993604-91A5-4AD4-B379-9AD64B0366D4}" type="datetimeFigureOut">
               <a:rPr lang="it-IT" smtClean="0"/>
-              <a:t>17/05/2019</a:t>
+              <a:t>22/05/19</a:t>
             </a:fld>
             <a:endParaRPr lang="it-IT"/>
           </a:p>
@@ -3154,10 +3137,9 @@
           </a:lstStyle>
           <a:p>
             <a:r>
-              <a:rPr lang="it-IT" smtClean="0"/>
+              <a:rPr lang="it-IT"/>
               <a:t>Fare clic per modificare lo stile del titolo</a:t>
             </a:r>
-            <a:endParaRPr lang="it-IT"/>
           </a:p>
         </p:txBody>
       </p:sp>
@@ -3211,38 +3193,37 @@
           <a:p>
             <a:pPr lvl="0"/>
             <a:r>
-              <a:rPr lang="it-IT" smtClean="0"/>
+              <a:rPr lang="it-IT"/>
               <a:t>Fare clic per modificare stili del testo dello schema</a:t>
             </a:r>
           </a:p>
           <a:p>
             <a:pPr lvl="1"/>
             <a:r>
-              <a:rPr lang="it-IT" smtClean="0"/>
+              <a:rPr lang="it-IT"/>
               <a:t>Secondo livello</a:t>
             </a:r>
           </a:p>
           <a:p>
             <a:pPr lvl="2"/>
             <a:r>
-              <a:rPr lang="it-IT" smtClean="0"/>
+              <a:rPr lang="it-IT"/>
               <a:t>Terzo livello</a:t>
             </a:r>
           </a:p>
           <a:p>
             <a:pPr lvl="3"/>
             <a:r>
-              <a:rPr lang="it-IT" smtClean="0"/>
+              <a:rPr lang="it-IT"/>
               <a:t>Quarto livello</a:t>
             </a:r>
           </a:p>
           <a:p>
             <a:pPr lvl="4"/>
             <a:r>
-              <a:rPr lang="it-IT" smtClean="0"/>
+              <a:rPr lang="it-IT"/>
               <a:t>Quinto livello</a:t>
             </a:r>
-            <a:endParaRPr lang="it-IT"/>
           </a:p>
         </p:txBody>
       </p:sp>
@@ -3305,7 +3286,7 @@
           <a:p>
             <a:pPr lvl="0"/>
             <a:r>
-              <a:rPr lang="it-IT" smtClean="0"/>
+              <a:rPr lang="it-IT"/>
               <a:t>Fare clic per modificare stili del testo dello schema</a:t>
             </a:r>
           </a:p>
@@ -3328,7 +3309,7 @@
           <a:p>
             <a:fld id="{A7993604-91A5-4AD4-B379-9AD64B0366D4}" type="datetimeFigureOut">
               <a:rPr lang="it-IT" smtClean="0"/>
-              <a:t>17/05/2019</a:t>
+              <a:t>22/05/19</a:t>
             </a:fld>
             <a:endParaRPr lang="it-IT"/>
           </a:p>
@@ -3431,10 +3412,9 @@
           </a:lstStyle>
           <a:p>
             <a:r>
-              <a:rPr lang="it-IT" smtClean="0"/>
+              <a:rPr lang="it-IT"/>
               <a:t>Fare clic per modificare lo stile del titolo</a:t>
             </a:r>
-            <a:endParaRPr lang="it-IT"/>
           </a:p>
         </p:txBody>
       </p:sp>
@@ -3558,7 +3538,7 @@
           <a:p>
             <a:pPr lvl="0"/>
             <a:r>
-              <a:rPr lang="it-IT" smtClean="0"/>
+              <a:rPr lang="it-IT"/>
               <a:t>Fare clic per modificare stili del testo dello schema</a:t>
             </a:r>
           </a:p>
@@ -3581,7 +3561,7 @@
           <a:p>
             <a:fld id="{A7993604-91A5-4AD4-B379-9AD64B0366D4}" type="datetimeFigureOut">
               <a:rPr lang="it-IT" smtClean="0"/>
-              <a:t>17/05/2019</a:t>
+              <a:t>22/05/19</a:t>
             </a:fld>
             <a:endParaRPr lang="it-IT"/>
           </a:p>
@@ -3690,10 +3670,9 @@
           <a:lstStyle/>
           <a:p>
             <a:r>
-              <a:rPr lang="it-IT" smtClean="0"/>
+              <a:rPr lang="it-IT"/>
               <a:t>Fare clic per modificare lo stile del titolo</a:t>
             </a:r>
-            <a:endParaRPr lang="it-IT"/>
           </a:p>
         </p:txBody>
       </p:sp>
@@ -3724,38 +3703,37 @@
           <a:p>
             <a:pPr lvl="0"/>
             <a:r>
-              <a:rPr lang="it-IT" smtClean="0"/>
+              <a:rPr lang="it-IT"/>
               <a:t>Fare clic per modificare stili del testo dello schema</a:t>
             </a:r>
           </a:p>
           <a:p>
             <a:pPr lvl="1"/>
             <a:r>
-              <a:rPr lang="it-IT" smtClean="0"/>
+              <a:rPr lang="it-IT"/>
               <a:t>Secondo livello</a:t>
             </a:r>
           </a:p>
           <a:p>
             <a:pPr lvl="2"/>
             <a:r>
-              <a:rPr lang="it-IT" smtClean="0"/>
+              <a:rPr lang="it-IT"/>
               <a:t>Terzo livello</a:t>
             </a:r>
           </a:p>
           <a:p>
             <a:pPr lvl="3"/>
             <a:r>
-              <a:rPr lang="it-IT" smtClean="0"/>
+              <a:rPr lang="it-IT"/>
               <a:t>Quarto livello</a:t>
             </a:r>
           </a:p>
           <a:p>
             <a:pPr lvl="4"/>
             <a:r>
-              <a:rPr lang="it-IT" smtClean="0"/>
+              <a:rPr lang="it-IT"/>
               <a:t>Quinto livello</a:t>
             </a:r>
-            <a:endParaRPr lang="it-IT"/>
           </a:p>
         </p:txBody>
       </p:sp>
@@ -3794,7 +3772,7 @@
           <a:p>
             <a:fld id="{A7993604-91A5-4AD4-B379-9AD64B0366D4}" type="datetimeFigureOut">
               <a:rPr lang="it-IT" smtClean="0"/>
-              <a:t>17/05/2019</a:t>
+              <a:t>22/05/19</a:t>
             </a:fld>
             <a:endParaRPr lang="it-IT"/>
           </a:p>
@@ -4220,19 +4198,19 @@
           <a:lstStyle/>
           <a:p>
             <a:r>
-              <a:rPr lang="it-CH" dirty="0" smtClean="0"/>
+              <a:rPr lang="it-CH" dirty="0"/>
               <a:t>Bryan Beffa, Filippo </a:t>
             </a:r>
             <a:r>
-              <a:rPr lang="it-CH" dirty="0" err="1" smtClean="0"/>
+              <a:rPr lang="it-CH" dirty="0" err="1"/>
               <a:t>Finke</a:t>
             </a:r>
             <a:r>
-              <a:rPr lang="it-CH" dirty="0" smtClean="0"/>
+              <a:rPr lang="it-CH" dirty="0"/>
               <a:t> &amp; Matteo </a:t>
             </a:r>
             <a:r>
-              <a:rPr lang="it-CH" dirty="0" err="1" smtClean="0"/>
+              <a:rPr lang="it-CH" dirty="0" err="1"/>
               <a:t>Ghilardini</a:t>
             </a:r>
             <a:endParaRPr lang="it-CH" dirty="0"/>
@@ -4281,11 +4259,11 @@
           </a:lstStyle>
           <a:p>
             <a:r>
-              <a:rPr lang="it-CH" sz="6700" dirty="0" err="1" smtClean="0"/>
+              <a:rPr lang="it-CH" sz="6700" dirty="0" err="1"/>
               <a:t>Batak</a:t>
             </a:r>
             <a:r>
-              <a:rPr lang="it-CH" sz="6700" dirty="0" smtClean="0"/>
+              <a:rPr lang="it-CH" sz="6700" dirty="0"/>
               <a:t> 2.0</a:t>
             </a:r>
             <a:endParaRPr lang="it-CH" sz="6600" dirty="0"/>
@@ -4302,13 +4280,6 @@
   <p:clrMapOvr>
     <a:masterClrMapping/>
   </p:clrMapOvr>
-  <p:timing>
-    <p:tnLst>
-      <p:par>
-        <p:cTn id="1" dur="indefinite" restart="never" nodeType="tmRoot"/>
-      </p:par>
-    </p:tnLst>
-  </p:timing>
 </p:sld>
 </file>
 
@@ -4369,13 +4340,6 @@
   <p:clrMapOvr>
     <a:masterClrMapping/>
   </p:clrMapOvr>
-  <p:timing>
-    <p:tnLst>
-      <p:par>
-        <p:cTn id="1" dur="indefinite" restart="never" nodeType="tmRoot"/>
-      </p:par>
-    </p:tnLst>
-  </p:timing>
 </p:sld>
 </file>
 
@@ -4434,13 +4398,6 @@
   <p:clrMapOvr>
     <a:masterClrMapping/>
   </p:clrMapOvr>
-  <p:timing>
-    <p:tnLst>
-      <p:par>
-        <p:cTn id="1" dur="indefinite" restart="never" nodeType="tmRoot"/>
-      </p:par>
-    </p:tnLst>
-  </p:timing>
 </p:sld>
 </file>
 
@@ -4477,7 +4434,7 @@
           <a:lstStyle/>
           <a:p>
             <a:r>
-              <a:rPr lang="it-CH" dirty="0" smtClean="0"/>
+              <a:rPr lang="it-CH" dirty="0"/>
               <a:t>Struttura sistema.</a:t>
             </a:r>
             <a:endParaRPr lang="it-IT" dirty="0"/>
@@ -4523,13 +4480,6 @@
   <p:clrMapOvr>
     <a:masterClrMapping/>
   </p:clrMapOvr>
-  <p:timing>
-    <p:tnLst>
-      <p:par>
-        <p:cTn id="1" dur="indefinite" restart="never" nodeType="tmRoot"/>
-      </p:par>
-    </p:tnLst>
-  </p:timing>
 </p:sld>
 </file>
 
@@ -4589,13 +4539,6 @@
   <p:clrMapOvr>
     <a:masterClrMapping/>
   </p:clrMapOvr>
-  <p:timing>
-    <p:tnLst>
-      <p:par>
-        <p:cTn id="1" dur="indefinite" restart="never" nodeType="tmRoot"/>
-      </p:par>
-    </p:tnLst>
-  </p:timing>
 </p:sld>
 </file>
 
@@ -4632,16 +4575,8 @@
           <a:lstStyle/>
           <a:p>
             <a:r>
-              <a:rPr lang="it-CH" dirty="0" smtClean="0"/>
-              <a:t>Struttura </a:t>
-            </a:r>
-            <a:r>
               <a:rPr lang="it-CH" dirty="0"/>
-              <a:t>c</a:t>
-            </a:r>
-            <a:r>
-              <a:rPr lang="it-CH" dirty="0" smtClean="0"/>
-              <a:t>odice.</a:t>
+              <a:t>Struttura codice.</a:t>
             </a:r>
             <a:endParaRPr lang="it-IT" dirty="0"/>
           </a:p>
@@ -4686,13 +4621,6 @@
   <p:clrMapOvr>
     <a:masterClrMapping/>
   </p:clrMapOvr>
-  <p:timing>
-    <p:tnLst>
-      <p:par>
-        <p:cTn id="1" dur="indefinite" restart="never" nodeType="tmRoot"/>
-      </p:par>
-    </p:tnLst>
-  </p:timing>
 </p:sld>
 </file>
 
@@ -4729,7 +4657,7 @@
           <a:lstStyle/>
           <a:p>
             <a:r>
-              <a:rPr lang="it-CH" dirty="0" smtClean="0"/>
+              <a:rPr lang="it-CH" dirty="0"/>
               <a:t>Librerie utilizzate.</a:t>
             </a:r>
             <a:endParaRPr lang="it-IT" dirty="0"/>
@@ -4801,13 +4729,6 @@
   <p:clrMapOvr>
     <a:masterClrMapping/>
   </p:clrMapOvr>
-  <p:timing>
-    <p:tnLst>
-      <p:par>
-        <p:cTn id="1" dur="indefinite" restart="never" nodeType="tmRoot"/>
-      </p:par>
-    </p:tnLst>
-  </p:timing>
 </p:sld>
 </file>
 
@@ -4844,15 +4765,15 @@
           <a:lstStyle/>
           <a:p>
             <a:r>
-              <a:rPr lang="it-CH" dirty="0" smtClean="0"/>
+              <a:rPr lang="it-CH" dirty="0"/>
               <a:t>File </a:t>
             </a:r>
             <a:r>
-              <a:rPr lang="it-CH" dirty="0" err="1" smtClean="0"/>
+              <a:rPr lang="it-CH" dirty="0" err="1"/>
               <a:t>b_functions</a:t>
             </a:r>
             <a:r>
-              <a:rPr lang="it-CH" dirty="0" smtClean="0"/>
+              <a:rPr lang="it-CH" dirty="0"/>
               <a:t>.</a:t>
             </a:r>
             <a:endParaRPr lang="it-IT" dirty="0"/>
@@ -4897,13 +4818,6 @@
   <p:clrMapOvr>
     <a:masterClrMapping/>
   </p:clrMapOvr>
-  <p:timing>
-    <p:tnLst>
-      <p:par>
-        <p:cTn id="1" dur="indefinite" restart="never" nodeType="tmRoot"/>
-      </p:par>
-    </p:tnLst>
-  </p:timing>
 </p:sld>
 </file>
 
@@ -4940,15 +4854,15 @@
           <a:lstStyle/>
           <a:p>
             <a:r>
-              <a:rPr lang="it-CH" dirty="0" smtClean="0"/>
+              <a:rPr lang="it-CH" dirty="0"/>
               <a:t>File </a:t>
             </a:r>
             <a:r>
-              <a:rPr lang="it-CH" dirty="0" err="1" smtClean="0"/>
+              <a:rPr lang="it-CH" dirty="0" err="1"/>
               <a:t>d_programs</a:t>
             </a:r>
             <a:r>
-              <a:rPr lang="it-CH" dirty="0" smtClean="0"/>
+              <a:rPr lang="it-CH" dirty="0"/>
               <a:t>.</a:t>
             </a:r>
             <a:endParaRPr lang="it-IT" dirty="0"/>
@@ -4993,13 +4907,6 @@
   <p:clrMapOvr>
     <a:masterClrMapping/>
   </p:clrMapOvr>
-  <p:timing>
-    <p:tnLst>
-      <p:par>
-        <p:cTn id="1" dur="indefinite" restart="never" nodeType="tmRoot"/>
-      </p:par>
-    </p:tnLst>
-  </p:timing>
 </p:sld>
 </file>
 
@@ -5036,15 +4943,15 @@
           <a:lstStyle/>
           <a:p>
             <a:r>
-              <a:rPr lang="it-CH" dirty="0" smtClean="0"/>
+              <a:rPr lang="it-CH" dirty="0"/>
               <a:t>File </a:t>
             </a:r>
             <a:r>
-              <a:rPr lang="it-CH" dirty="0" err="1" smtClean="0"/>
+              <a:rPr lang="it-CH" dirty="0" err="1"/>
               <a:t>z_main</a:t>
             </a:r>
             <a:r>
-              <a:rPr lang="it-CH" dirty="0" smtClean="0"/>
+              <a:rPr lang="it-CH" dirty="0"/>
               <a:t>.</a:t>
             </a:r>
             <a:endParaRPr lang="it-IT" dirty="0"/>
@@ -5089,13 +4996,6 @@
   <p:clrMapOvr>
     <a:masterClrMapping/>
   </p:clrMapOvr>
-  <p:timing>
-    <p:tnLst>
-      <p:par>
-        <p:cTn id="1" dur="indefinite" restart="never" nodeType="tmRoot"/>
-      </p:par>
-    </p:tnLst>
-  </p:timing>
 </p:sld>
 </file>
 
@@ -5132,7 +5032,7 @@
           <a:lstStyle/>
           <a:p>
             <a:r>
-              <a:rPr lang="it-CH" dirty="0" smtClean="0"/>
+              <a:rPr lang="it-CH" dirty="0"/>
               <a:t>Test.</a:t>
             </a:r>
             <a:endParaRPr lang="it-IT" dirty="0"/>
@@ -5189,13 +5089,6 @@
   <p:clrMapOvr>
     <a:masterClrMapping/>
   </p:clrMapOvr>
-  <p:timing>
-    <p:tnLst>
-      <p:par>
-        <p:cTn id="1" dur="indefinite" restart="never" nodeType="tmRoot"/>
-      </p:par>
-    </p:tnLst>
-  </p:timing>
 </p:sld>
 </file>
 
@@ -5232,7 +5125,7 @@
           <a:lstStyle/>
           <a:p>
             <a:r>
-              <a:rPr lang="it-CH" dirty="0" smtClean="0"/>
+              <a:rPr lang="it-CH" dirty="0"/>
               <a:t>Su di noi.</a:t>
             </a:r>
             <a:endParaRPr lang="it-IT" dirty="0"/>
@@ -5255,7 +5148,7 @@
           <a:lstStyle/>
           <a:p>
             <a:r>
-              <a:rPr lang="it-CH" dirty="0" smtClean="0"/>
+              <a:rPr lang="it-CH" dirty="0"/>
               <a:t>Bryan Beffa</a:t>
             </a:r>
           </a:p>
@@ -5265,43 +5158,39 @@
             </a:pPr>
             <a:r>
               <a:rPr lang="it-CH" dirty="0"/>
-              <a:t>b</a:t>
-            </a:r>
-            <a:r>
-              <a:rPr lang="it-CH" dirty="0" smtClean="0"/>
-              <a:t>ryan.beffa@samtrevano.ch</a:t>
-            </a:r>
-          </a:p>
-          <a:p>
-            <a:r>
-              <a:rPr lang="it-CH" dirty="0" smtClean="0"/>
+              <a:t>bryan.beffa@samtrevano.ch</a:t>
+            </a:r>
+          </a:p>
+          <a:p>
+            <a:r>
+              <a:rPr lang="it-CH" dirty="0"/>
               <a:t>Filippo </a:t>
             </a:r>
             <a:r>
-              <a:rPr lang="it-CH" dirty="0" err="1" smtClean="0"/>
+              <a:rPr lang="it-CH" dirty="0" err="1"/>
               <a:t>Finke</a:t>
             </a:r>
-            <a:endParaRPr lang="it-CH" dirty="0" smtClean="0"/>
+            <a:endParaRPr lang="it-CH" dirty="0"/>
           </a:p>
           <a:p>
             <a:pPr marL="457200" lvl="1" indent="0">
               <a:buNone/>
             </a:pPr>
             <a:r>
-              <a:rPr lang="it-CH" dirty="0" smtClean="0"/>
+              <a:rPr lang="it-CH" dirty="0"/>
               <a:t>filippo.finke@samtrevano.ch</a:t>
             </a:r>
           </a:p>
           <a:p>
             <a:r>
-              <a:rPr lang="it-CH" dirty="0" smtClean="0"/>
+              <a:rPr lang="it-CH" dirty="0"/>
               <a:t>Matteo </a:t>
             </a:r>
             <a:r>
-              <a:rPr lang="it-CH" dirty="0" err="1" smtClean="0"/>
+              <a:rPr lang="it-CH" dirty="0" err="1"/>
               <a:t>Ghilardini</a:t>
             </a:r>
-            <a:endParaRPr lang="it-CH" dirty="0" smtClean="0"/>
+            <a:endParaRPr lang="it-CH" dirty="0"/>
           </a:p>
           <a:p>
             <a:pPr marL="457200" lvl="1" indent="0">
@@ -5309,11 +5198,7 @@
             </a:pPr>
             <a:r>
               <a:rPr lang="it-CH" dirty="0"/>
-              <a:t>m</a:t>
-            </a:r>
-            <a:r>
-              <a:rPr lang="it-CH" dirty="0" smtClean="0"/>
-              <a:t>atteo.ghilardini@samtrevano.ch</a:t>
+              <a:t>matteo.ghilardini@samtrevano.ch</a:t>
             </a:r>
           </a:p>
         </p:txBody>
@@ -5328,13 +5213,6 @@
   <p:clrMapOvr>
     <a:masterClrMapping/>
   </p:clrMapOvr>
-  <p:timing>
-    <p:tnLst>
-      <p:par>
-        <p:cTn id="1" dur="indefinite" restart="never" nodeType="tmRoot"/>
-      </p:par>
-    </p:tnLst>
-  </p:timing>
 </p:sld>
 </file>
 
@@ -5371,7 +5249,7 @@
           <a:lstStyle/>
           <a:p>
             <a:r>
-              <a:rPr lang="it-CH" dirty="0" smtClean="0"/>
+              <a:rPr lang="it-CH" dirty="0"/>
               <a:t>Limitazioni.</a:t>
             </a:r>
             <a:endParaRPr lang="it-IT" dirty="0"/>
@@ -5587,13 +5465,6 @@
   <p:clrMapOvr>
     <a:masterClrMapping/>
   </p:clrMapOvr>
-  <p:timing>
-    <p:tnLst>
-      <p:par>
-        <p:cTn id="1" dur="indefinite" restart="never" nodeType="tmRoot"/>
-      </p:par>
-    </p:tnLst>
-  </p:timing>
 </p:sld>
 </file>
 
@@ -5630,7 +5501,7 @@
           <a:lstStyle/>
           <a:p>
             <a:r>
-              <a:rPr lang="it-CH" dirty="0" smtClean="0"/>
+              <a:rPr lang="it-CH" dirty="0"/>
               <a:t>Sviluppi futuri.</a:t>
             </a:r>
             <a:endParaRPr lang="it-IT" dirty="0"/>
@@ -5853,13 +5724,6 @@
   <p:clrMapOvr>
     <a:masterClrMapping/>
   </p:clrMapOvr>
-  <p:timing>
-    <p:tnLst>
-      <p:par>
-        <p:cTn id="1" dur="indefinite" restart="never" nodeType="tmRoot"/>
-      </p:par>
-    </p:tnLst>
-  </p:timing>
 </p:sld>
 </file>
 
@@ -5908,10 +5772,9 @@
               <a:t>Conclusioni</a:t>
             </a:r>
             <a:r>
-              <a:rPr lang="it-CH" sz="6600" dirty="0" smtClean="0"/>
+              <a:rPr lang="it-CH" sz="6600" dirty="0"/>
               <a:t>.</a:t>
             </a:r>
-            <a:endParaRPr lang="it-CH" sz="6600" dirty="0"/>
           </a:p>
         </p:txBody>
       </p:sp>
@@ -5925,13 +5788,6 @@
   <p:clrMapOvr>
     <a:masterClrMapping/>
   </p:clrMapOvr>
-  <p:timing>
-    <p:tnLst>
-      <p:par>
-        <p:cTn id="1" dur="indefinite" restart="never" nodeType="tmRoot"/>
-      </p:par>
-    </p:tnLst>
-  </p:timing>
 </p:sld>
 </file>
 
@@ -5968,7 +5824,7 @@
           <a:lstStyle/>
           <a:p>
             <a:r>
-              <a:rPr lang="it-CH" dirty="0" smtClean="0"/>
+              <a:rPr lang="it-CH" dirty="0"/>
               <a:t>Introduzione.</a:t>
             </a:r>
             <a:endParaRPr lang="it-IT" dirty="0"/>
@@ -5998,12 +5854,12 @@
             <a:pPr marL="0" indent="0" algn="ctr">
               <a:buNone/>
             </a:pPr>
-            <a:endParaRPr lang="it-CH" dirty="0" smtClean="0"/>
+            <a:endParaRPr lang="it-CH" dirty="0"/>
           </a:p>
           <a:p>
             <a:pPr algn="ctr"/>
             <a:r>
-              <a:rPr lang="it-CH" sz="3200" dirty="0" smtClean="0"/>
+              <a:rPr lang="it-CH" sz="3200" dirty="0"/>
               <a:t>Sistema per misurare e migliorare i propri riflessi</a:t>
             </a:r>
           </a:p>
@@ -6023,13 +5879,6 @@
   <p:clrMapOvr>
     <a:masterClrMapping/>
   </p:clrMapOvr>
-  <p:timing>
-    <p:tnLst>
-      <p:par>
-        <p:cTn id="1" dur="indefinite" restart="never" nodeType="tmRoot"/>
-      </p:par>
-    </p:tnLst>
-  </p:timing>
 </p:sld>
 </file>
 
@@ -6068,7 +5917,7 @@
           <a:lstStyle/>
           <a:p>
             <a:r>
-              <a:rPr lang="it-CH" dirty="0" smtClean="0"/>
+              <a:rPr lang="it-CH" dirty="0"/>
               <a:t>Scopo.</a:t>
             </a:r>
             <a:endParaRPr lang="it-IT" sz="5400" dirty="0"/>
@@ -6098,19 +5947,19 @@
           <a:lstStyle/>
           <a:p>
             <a:r>
-              <a:rPr lang="it-CH" sz="3200" dirty="0" smtClean="0"/>
+              <a:rPr lang="it-CH" sz="3200" dirty="0"/>
               <a:t>Misurare/testare</a:t>
             </a:r>
           </a:p>
           <a:p>
             <a:r>
-              <a:rPr lang="it-CH" sz="3200" dirty="0" smtClean="0"/>
+              <a:rPr lang="it-CH" sz="3200" dirty="0"/>
               <a:t>Migliorare</a:t>
             </a:r>
           </a:p>
           <a:p>
             <a:r>
-              <a:rPr lang="it-CH" sz="3200" dirty="0" smtClean="0"/>
+              <a:rPr lang="it-CH" sz="3200" dirty="0"/>
               <a:t>Fare attività fisica</a:t>
             </a:r>
             <a:endParaRPr lang="it-IT" sz="3200" dirty="0"/>
@@ -6127,13 +5976,6 @@
   <p:clrMapOvr>
     <a:masterClrMapping/>
   </p:clrMapOvr>
-  <p:timing>
-    <p:tnLst>
-      <p:par>
-        <p:cTn id="1" dur="indefinite" restart="never" nodeType="tmRoot"/>
-      </p:par>
-    </p:tnLst>
-  </p:timing>
 </p:sld>
 </file>
 
@@ -6170,7 +6012,7 @@
           <a:lstStyle/>
           <a:p>
             <a:r>
-              <a:rPr lang="it-CH" dirty="0" smtClean="0"/>
+              <a:rPr lang="it-CH" dirty="0"/>
               <a:t>Requisiti.	</a:t>
             </a:r>
             <a:endParaRPr lang="it-IT" dirty="0"/>
@@ -6397,13 +6239,6 @@
   <p:clrMapOvr>
     <a:masterClrMapping/>
   </p:clrMapOvr>
-  <p:timing>
-    <p:tnLst>
-      <p:par>
-        <p:cTn id="1" dur="indefinite" restart="never" nodeType="tmRoot"/>
-      </p:par>
-    </p:tnLst>
-  </p:timing>
 </p:sld>
 </file>
 
@@ -6440,7 +6275,7 @@
           <a:lstStyle/>
           <a:p>
             <a:r>
-              <a:rPr lang="it-CH" dirty="0" smtClean="0"/>
+              <a:rPr lang="it-CH" dirty="0"/>
               <a:t>GANTT preventivo.</a:t>
             </a:r>
             <a:endParaRPr lang="it-IT" dirty="0"/>
@@ -6486,13 +6321,6 @@
   <p:clrMapOvr>
     <a:masterClrMapping/>
   </p:clrMapOvr>
-  <p:timing>
-    <p:tnLst>
-      <p:par>
-        <p:cTn id="1" dur="indefinite" restart="never" nodeType="tmRoot"/>
-      </p:par>
-    </p:tnLst>
-  </p:timing>
 </p:sld>
 </file>
 
@@ -6551,13 +6379,6 @@
   <p:clrMapOvr>
     <a:masterClrMapping/>
   </p:clrMapOvr>
-  <p:timing>
-    <p:tnLst>
-      <p:par>
-        <p:cTn id="1" dur="indefinite" restart="never" nodeType="tmRoot"/>
-      </p:par>
-    </p:tnLst>
-  </p:timing>
 </p:sld>
 </file>
 
@@ -6655,13 +6476,6 @@
   <p:clrMapOvr>
     <a:masterClrMapping/>
   </p:clrMapOvr>
-  <p:timing>
-    <p:tnLst>
-      <p:par>
-        <p:cTn id="1" dur="indefinite" restart="never" nodeType="tmRoot"/>
-      </p:par>
-    </p:tnLst>
-  </p:timing>
 </p:sld>
 </file>
 
@@ -6698,7 +6512,7 @@
           <a:lstStyle/>
           <a:p>
             <a:r>
-              <a:rPr lang="it-CH" dirty="0" smtClean="0"/>
+              <a:rPr lang="it-CH" dirty="0"/>
               <a:t>GANTT Consuntivo.</a:t>
             </a:r>
             <a:endParaRPr lang="it-IT" dirty="0"/>
@@ -6744,13 +6558,6 @@
   <p:clrMapOvr>
     <a:masterClrMapping/>
   </p:clrMapOvr>
-  <p:timing>
-    <p:tnLst>
-      <p:par>
-        <p:cTn id="1" dur="indefinite" restart="never" nodeType="tmRoot"/>
-      </p:par>
-    </p:tnLst>
-  </p:timing>
 </p:sld>
 </file>
 

--- a/Presentations/Presentazione.pptx
+++ b/Presentations/Presentazione.pptx
@@ -1012,8 +1012,10 @@
           <a:p>
             <a:r>
               <a:rPr lang="it-CH" dirty="0" smtClean="0"/>
-              <a:t>Bryan</a:t>
-            </a:r>
+              <a:t>Bryan:</a:t>
+            </a:r>
+          </a:p>
+          <a:p>
             <a:endParaRPr lang="en-US" dirty="0"/>
           </a:p>
         </p:txBody>
@@ -1627,8 +1629,32 @@
           <a:lstStyle/>
           <a:p>
             <a:r>
-              <a:rPr lang="it-CH" dirty="0"/>
-              <a:t>Bryan</a:t>
+              <a:rPr lang="it-CH" dirty="0" smtClean="0"/>
+              <a:t>Bryan:</a:t>
+            </a:r>
+          </a:p>
+          <a:p>
+            <a:pPr marL="171450" indent="-171450">
+              <a:buFont typeface="Arial" panose="020B0604020202020204" pitchFamily="34" charset="0"/>
+              <a:buChar char="•"/>
+            </a:pPr>
+            <a:r>
+              <a:rPr lang="it-CH" dirty="0" smtClean="0"/>
+              <a:t>Abbiamo effettuato i test su</a:t>
+            </a:r>
+            <a:r>
+              <a:rPr lang="it-CH" baseline="0" dirty="0" smtClean="0"/>
+              <a:t> tutti i programmi che sono stati implementati</a:t>
+            </a:r>
+          </a:p>
+          <a:p>
+            <a:pPr marL="171450" indent="-171450">
+              <a:buFont typeface="Arial" panose="020B0604020202020204" pitchFamily="34" charset="0"/>
+              <a:buChar char="•"/>
+            </a:pPr>
+            <a:r>
+              <a:rPr lang="it-CH" baseline="0" dirty="0" smtClean="0"/>
+              <a:t>Abbiamo testato la procedura di controllo del sistema</a:t>
             </a:r>
             <a:endParaRPr lang="it-IT" dirty="0"/>
           </a:p>
@@ -1715,8 +1741,42 @@
           <a:lstStyle/>
           <a:p>
             <a:r>
-              <a:rPr lang="it-CH" dirty="0"/>
-              <a:t>Bryan</a:t>
+              <a:rPr lang="it-CH" dirty="0" smtClean="0"/>
+              <a:t>Bryan:</a:t>
+            </a:r>
+          </a:p>
+          <a:p>
+            <a:pPr marL="171450" indent="-171450">
+              <a:buFont typeface="Arial" panose="020B0604020202020204" pitchFamily="34" charset="0"/>
+              <a:buChar char="•"/>
+            </a:pPr>
+            <a:r>
+              <a:rPr lang="it-CH" dirty="0" smtClean="0"/>
+              <a:t>Mancanza</a:t>
+            </a:r>
+            <a:r>
+              <a:rPr lang="it-CH" baseline="0" dirty="0" smtClean="0"/>
+              <a:t> del programma numero 5, che richiedeva una pedana/tasto esterno per il funzionamento.</a:t>
+            </a:r>
+          </a:p>
+          <a:p>
+            <a:pPr marL="171450" indent="-171450">
+              <a:buFont typeface="Arial" panose="020B0604020202020204" pitchFamily="34" charset="0"/>
+              <a:buChar char="•"/>
+            </a:pPr>
+            <a:r>
+              <a:rPr lang="it-CH" baseline="0" dirty="0" smtClean="0"/>
+              <a:t>Poca luminosità dei LED</a:t>
+            </a:r>
+          </a:p>
+          <a:p>
+            <a:pPr marL="171450" indent="-171450">
+              <a:buFont typeface="Arial" panose="020B0604020202020204" pitchFamily="34" charset="0"/>
+              <a:buChar char="•"/>
+            </a:pPr>
+            <a:r>
+              <a:rPr lang="it-CH" baseline="0" dirty="0" smtClean="0"/>
+              <a:t>Mancanza assistente vocale nei programmi richiesti</a:t>
             </a:r>
             <a:endParaRPr lang="it-IT" dirty="0"/>
           </a:p>
@@ -2220,7 +2280,15 @@
             </a:pPr>
             <a:r>
               <a:rPr lang="it-CH" dirty="0"/>
-              <a:t>Misurare: chi prova il nostro sistema</a:t>
+              <a:t>Misurare: </a:t>
+            </a:r>
+            <a:r>
+              <a:rPr lang="it-CH" dirty="0" smtClean="0"/>
+              <a:t>i riflessi di chi </a:t>
+            </a:r>
+            <a:r>
+              <a:rPr lang="it-CH" dirty="0"/>
+              <a:t>prova il nostro sistema</a:t>
             </a:r>
           </a:p>
           <a:p>
@@ -2244,11 +2312,7 @@
             </a:pPr>
             <a:r>
               <a:rPr lang="it-CH" baseline="0" dirty="0"/>
-              <a:t>Aiuta le persone a fare attività fisica. Vedi maratona </a:t>
-            </a:r>
-            <a:r>
-              <a:rPr lang="it-CH" baseline="0"/>
-              <a:t>5 minuti.</a:t>
+              <a:t>Aiuta le persone a fare attività fisica. Vedi maratona 5 minuti.</a:t>
             </a:r>
             <a:endParaRPr lang="it-IT" dirty="0"/>
           </a:p>
@@ -2336,7 +2400,45 @@
           <a:p>
             <a:r>
               <a:rPr lang="it-CH" dirty="0" smtClean="0"/>
-              <a:t>Bryan</a:t>
+              <a:t>Bryan:</a:t>
+            </a:r>
+          </a:p>
+          <a:p>
+            <a:pPr marL="171450" indent="-171450">
+              <a:buFont typeface="Arial" panose="020B0604020202020204" pitchFamily="34" charset="0"/>
+              <a:buChar char="•"/>
+            </a:pPr>
+            <a:r>
+              <a:rPr lang="it-CH" dirty="0" smtClean="0"/>
+              <a:t>Il nostro sistema doveva/deve avere</a:t>
+            </a:r>
+            <a:r>
+              <a:rPr lang="it-CH" baseline="0" dirty="0" smtClean="0"/>
+              <a:t> le varie modalità richieste</a:t>
+            </a:r>
+          </a:p>
+          <a:p>
+            <a:pPr marL="171450" indent="-171450">
+              <a:buFont typeface="Arial" panose="020B0604020202020204" pitchFamily="34" charset="0"/>
+              <a:buChar char="•"/>
+            </a:pPr>
+            <a:r>
+              <a:rPr lang="it-CH" baseline="0" dirty="0" smtClean="0"/>
+              <a:t>Deve essere basato su arduino</a:t>
+            </a:r>
+          </a:p>
+          <a:p>
+            <a:pPr marL="171450" indent="-171450">
+              <a:buFont typeface="Arial" panose="020B0604020202020204" pitchFamily="34" charset="0"/>
+              <a:buChar char="•"/>
+            </a:pPr>
+            <a:r>
+              <a:rPr lang="it-CH" baseline="0" dirty="0" smtClean="0"/>
+              <a:t>Deve avere una procedura di controllo </a:t>
+            </a:r>
+            <a:r>
+              <a:rPr lang="it-CH" baseline="0" dirty="0" err="1" smtClean="0"/>
+              <a:t>del’hardware</a:t>
             </a:r>
             <a:endParaRPr lang="en-US" dirty="0"/>
           </a:p>
@@ -6808,7 +6910,7 @@
         <p:spPr>
           <a:xfrm>
             <a:off x="4514126" y="2673751"/>
-            <a:ext cx="3163747" cy="4184249"/>
+            <a:ext cx="3429724" cy="4184249"/>
           </a:xfrm>
           <a:prstGeom prst="rect">
             <a:avLst/>
@@ -6990,9 +7092,16 @@
           </a:p>
           <a:p>
             <a:r>
-              <a:rPr lang="it-CH" sz="3200" dirty="0"/>
+              <a:rPr lang="it-CH" sz="3200" dirty="0" smtClean="0"/>
               <a:t>LED</a:t>
             </a:r>
+          </a:p>
+          <a:p>
+            <a:r>
+              <a:rPr lang="it-CH" sz="3200" dirty="0" smtClean="0"/>
+              <a:t>Assistente vocale</a:t>
+            </a:r>
+            <a:endParaRPr lang="it-CH" sz="3200" dirty="0"/>
           </a:p>
         </p:txBody>
       </p:sp>
